--- a/16.移动互联网的支撑技术及运营管理系统.pptx
+++ b/16.移动互联网的支撑技术及运营管理系统.pptx
@@ -5,7 +5,7 @@
     <p:sldMasterId id="2147483672" r:id="rId1"/>
   </p:sldMasterIdLst>
   <p:notesMasterIdLst>
-    <p:notesMasterId r:id="rId33"/>
+    <p:notesMasterId r:id="rId36"/>
   </p:notesMasterIdLst>
   <p:sldIdLst>
     <p:sldId id="256" r:id="rId2"/>
@@ -22,23 +22,26 @@
     <p:sldId id="281" r:id="rId13"/>
     <p:sldId id="282" r:id="rId14"/>
     <p:sldId id="283" r:id="rId15"/>
-    <p:sldId id="267" r:id="rId16"/>
-    <p:sldId id="286" r:id="rId17"/>
-    <p:sldId id="287" r:id="rId18"/>
-    <p:sldId id="268" r:id="rId19"/>
-    <p:sldId id="284" r:id="rId20"/>
-    <p:sldId id="269" r:id="rId21"/>
-    <p:sldId id="270" r:id="rId22"/>
-    <p:sldId id="271" r:id="rId23"/>
-    <p:sldId id="285" r:id="rId24"/>
-    <p:sldId id="272" r:id="rId25"/>
-    <p:sldId id="273" r:id="rId26"/>
-    <p:sldId id="274" r:id="rId27"/>
-    <p:sldId id="275" r:id="rId28"/>
-    <p:sldId id="276" r:id="rId29"/>
-    <p:sldId id="277" r:id="rId30"/>
-    <p:sldId id="278" r:id="rId31"/>
-    <p:sldId id="279" r:id="rId32"/>
+    <p:sldId id="288" r:id="rId16"/>
+    <p:sldId id="289" r:id="rId17"/>
+    <p:sldId id="267" r:id="rId18"/>
+    <p:sldId id="286" r:id="rId19"/>
+    <p:sldId id="287" r:id="rId20"/>
+    <p:sldId id="268" r:id="rId21"/>
+    <p:sldId id="284" r:id="rId22"/>
+    <p:sldId id="269" r:id="rId23"/>
+    <p:sldId id="270" r:id="rId24"/>
+    <p:sldId id="271" r:id="rId25"/>
+    <p:sldId id="285" r:id="rId26"/>
+    <p:sldId id="272" r:id="rId27"/>
+    <p:sldId id="273" r:id="rId28"/>
+    <p:sldId id="274" r:id="rId29"/>
+    <p:sldId id="275" r:id="rId30"/>
+    <p:sldId id="276" r:id="rId31"/>
+    <p:sldId id="277" r:id="rId32"/>
+    <p:sldId id="278" r:id="rId33"/>
+    <p:sldId id="290" r:id="rId34"/>
+    <p:sldId id="279" r:id="rId35"/>
   </p:sldIdLst>
   <p:sldSz cx="9144000" cy="6858000" type="screen4x3"/>
   <p:notesSz cx="6858000" cy="9144000"/>
@@ -167,6 +170,11 @@
       </a:defRPr>
     </a:lvl9pPr>
   </p:defaultTextStyle>
+  <p:extLst>
+    <p:ext uri="{EFAFB233-063F-42B5-8137-9DF3F51BA10A}">
+      <p15:sldGuideLst xmlns:p15="http://schemas.microsoft.com/office/powerpoint/2012/main"/>
+    </p:ext>
+  </p:extLst>
 </p:presentation>
 </file>
 
@@ -3965,19 +3973,19 @@
     </dgm:pt>
   </dgm:ptLst>
   <dgm:cxnLst>
+    <dgm:cxn modelId="{D7945BF4-795D-4078-91F3-4CB44913AA78}" type="presOf" srcId="{ADC72A1A-B227-4C22-B376-8D6C781FEDA0}" destId="{3F5DE055-228D-4F52-90EA-95B4DB1D0A6A}" srcOrd="1" destOrd="0" presId="urn:microsoft.com/office/officeart/2005/8/layout/list1"/>
+    <dgm:cxn modelId="{3ECBD1A7-8436-45B1-A179-B2119D1C393E}" srcId="{6B9033F7-6550-44A1-92F6-DD9BFF424EFB}" destId="{0ACDB7B0-7209-405C-B176-B4E79759C6C3}" srcOrd="2" destOrd="0" parTransId="{79FDD5BE-5290-4940-9708-95D44DF8EEC9}" sibTransId="{5ACCCE3E-D79A-4AD9-8990-8E2E7D2F1B5F}"/>
+    <dgm:cxn modelId="{D1F4CD5E-6ABA-416B-A548-E7C784B0D0C6}" type="presOf" srcId="{AB19FD7A-A81C-4EA2-BD27-5F6E9DCC1B87}" destId="{F2E2913E-A9E9-479E-8644-BC5BBBB5CCDC}" srcOrd="0" destOrd="0" presId="urn:microsoft.com/office/officeart/2005/8/layout/list1"/>
+    <dgm:cxn modelId="{4FE7B235-CB30-4882-B0AF-6D1FD590BDFE}" type="presOf" srcId="{CB9555EF-6DE4-4806-9895-30893BD637CA}" destId="{BFF288B0-BCC0-4B88-AFD0-69AA556C5540}" srcOrd="1" destOrd="0" presId="urn:microsoft.com/office/officeart/2005/8/layout/list1"/>
+    <dgm:cxn modelId="{8446AA91-E2FD-4A26-8E9D-29115C969C10}" type="presOf" srcId="{ADC72A1A-B227-4C22-B376-8D6C781FEDA0}" destId="{55671C60-0899-46BE-AD25-6F8A24923BDA}" srcOrd="0" destOrd="0" presId="urn:microsoft.com/office/officeart/2005/8/layout/list1"/>
+    <dgm:cxn modelId="{28678806-1C3A-4BBB-A64F-B6C0FF7B70BE}" type="presOf" srcId="{CB9555EF-6DE4-4806-9895-30893BD637CA}" destId="{257BB648-3B17-464D-8DF1-731737EE66E1}" srcOrd="0" destOrd="0" presId="urn:microsoft.com/office/officeart/2005/8/layout/list1"/>
+    <dgm:cxn modelId="{C8F5387C-3161-4E5F-B915-9198BC84CB6C}" type="presOf" srcId="{6B9033F7-6550-44A1-92F6-DD9BFF424EFB}" destId="{02674417-894B-4E49-8E8B-32277B0B52BC}" srcOrd="0" destOrd="0" presId="urn:microsoft.com/office/officeart/2005/8/layout/list1"/>
+    <dgm:cxn modelId="{27AE05CB-90E3-4104-90F9-7FC1F0CB41A6}" srcId="{6B9033F7-6550-44A1-92F6-DD9BFF424EFB}" destId="{CB9555EF-6DE4-4806-9895-30893BD637CA}" srcOrd="0" destOrd="0" parTransId="{6A6EDB0F-74DC-4527-AD5B-4FB563B2274C}" sibTransId="{0DA97268-6539-41C9-91F3-D7D3BDD62A7B}"/>
+    <dgm:cxn modelId="{53DDCA24-E187-48F6-96BE-9159A81F32EC}" type="presOf" srcId="{0ACDB7B0-7209-405C-B176-B4E79759C6C3}" destId="{A420D92C-FF18-4133-A510-1A915A1B23EE}" srcOrd="1" destOrd="0" presId="urn:microsoft.com/office/officeart/2005/8/layout/list1"/>
     <dgm:cxn modelId="{8780B448-2773-491A-9D63-2679940C0365}" type="presOf" srcId="{0ACDB7B0-7209-405C-B176-B4E79759C6C3}" destId="{FB754533-A985-425B-98B4-8B1415456C14}" srcOrd="0" destOrd="0" presId="urn:microsoft.com/office/officeart/2005/8/layout/list1"/>
-    <dgm:cxn modelId="{D7945BF4-795D-4078-91F3-4CB44913AA78}" type="presOf" srcId="{ADC72A1A-B227-4C22-B376-8D6C781FEDA0}" destId="{3F5DE055-228D-4F52-90EA-95B4DB1D0A6A}" srcOrd="1" destOrd="0" presId="urn:microsoft.com/office/officeart/2005/8/layout/list1"/>
-    <dgm:cxn modelId="{27AE05CB-90E3-4104-90F9-7FC1F0CB41A6}" srcId="{6B9033F7-6550-44A1-92F6-DD9BFF424EFB}" destId="{CB9555EF-6DE4-4806-9895-30893BD637CA}" srcOrd="0" destOrd="0" parTransId="{6A6EDB0F-74DC-4527-AD5B-4FB563B2274C}" sibTransId="{0DA97268-6539-41C9-91F3-D7D3BDD62A7B}"/>
-    <dgm:cxn modelId="{8446AA91-E2FD-4A26-8E9D-29115C969C10}" type="presOf" srcId="{ADC72A1A-B227-4C22-B376-8D6C781FEDA0}" destId="{55671C60-0899-46BE-AD25-6F8A24923BDA}" srcOrd="0" destOrd="0" presId="urn:microsoft.com/office/officeart/2005/8/layout/list1"/>
-    <dgm:cxn modelId="{D1F4CD5E-6ABA-416B-A548-E7C784B0D0C6}" type="presOf" srcId="{AB19FD7A-A81C-4EA2-BD27-5F6E9DCC1B87}" destId="{F2E2913E-A9E9-479E-8644-BC5BBBB5CCDC}" srcOrd="0" destOrd="0" presId="urn:microsoft.com/office/officeart/2005/8/layout/list1"/>
-    <dgm:cxn modelId="{3ECBD1A7-8436-45B1-A179-B2119D1C393E}" srcId="{6B9033F7-6550-44A1-92F6-DD9BFF424EFB}" destId="{0ACDB7B0-7209-405C-B176-B4E79759C6C3}" srcOrd="2" destOrd="0" parTransId="{79FDD5BE-5290-4940-9708-95D44DF8EEC9}" sibTransId="{5ACCCE3E-D79A-4AD9-8990-8E2E7D2F1B5F}"/>
-    <dgm:cxn modelId="{53DDCA24-E187-48F6-96BE-9159A81F32EC}" type="presOf" srcId="{0ACDB7B0-7209-405C-B176-B4E79759C6C3}" destId="{A420D92C-FF18-4133-A510-1A915A1B23EE}" srcOrd="1" destOrd="0" presId="urn:microsoft.com/office/officeart/2005/8/layout/list1"/>
+    <dgm:cxn modelId="{A62C5713-BA1F-4039-AF19-16930058AB6D}" srcId="{6B9033F7-6550-44A1-92F6-DD9BFF424EFB}" destId="{ADC72A1A-B227-4C22-B376-8D6C781FEDA0}" srcOrd="1" destOrd="0" parTransId="{61948549-A8F3-40C0-B981-B8C9F7EBDD52}" sibTransId="{E729CDC8-615A-4C19-9DAF-C511E552E9A6}"/>
+    <dgm:cxn modelId="{1BA7E1A3-7482-4843-ADDE-6BD112AE856A}" srcId="{6B9033F7-6550-44A1-92F6-DD9BFF424EFB}" destId="{AB19FD7A-A81C-4EA2-BD27-5F6E9DCC1B87}" srcOrd="3" destOrd="0" parTransId="{EDD0EBC0-7F0D-4B50-8E83-8AFFD806839D}" sibTransId="{6DE35071-99FC-449E-ADDB-8A601CE019B4}"/>
     <dgm:cxn modelId="{AD1AB9D5-53D9-4351-BD89-40906F8A1DD5}" type="presOf" srcId="{AB19FD7A-A81C-4EA2-BD27-5F6E9DCC1B87}" destId="{66AFA83F-7AA3-4078-BF29-CFCD77DCC512}" srcOrd="1" destOrd="0" presId="urn:microsoft.com/office/officeart/2005/8/layout/list1"/>
-    <dgm:cxn modelId="{A62C5713-BA1F-4039-AF19-16930058AB6D}" srcId="{6B9033F7-6550-44A1-92F6-DD9BFF424EFB}" destId="{ADC72A1A-B227-4C22-B376-8D6C781FEDA0}" srcOrd="1" destOrd="0" parTransId="{61948549-A8F3-40C0-B981-B8C9F7EBDD52}" sibTransId="{E729CDC8-615A-4C19-9DAF-C511E552E9A6}"/>
-    <dgm:cxn modelId="{4FE7B235-CB30-4882-B0AF-6D1FD590BDFE}" type="presOf" srcId="{CB9555EF-6DE4-4806-9895-30893BD637CA}" destId="{BFF288B0-BCC0-4B88-AFD0-69AA556C5540}" srcOrd="1" destOrd="0" presId="urn:microsoft.com/office/officeart/2005/8/layout/list1"/>
-    <dgm:cxn modelId="{1BA7E1A3-7482-4843-ADDE-6BD112AE856A}" srcId="{6B9033F7-6550-44A1-92F6-DD9BFF424EFB}" destId="{AB19FD7A-A81C-4EA2-BD27-5F6E9DCC1B87}" srcOrd="3" destOrd="0" parTransId="{EDD0EBC0-7F0D-4B50-8E83-8AFFD806839D}" sibTransId="{6DE35071-99FC-449E-ADDB-8A601CE019B4}"/>
-    <dgm:cxn modelId="{C8F5387C-3161-4E5F-B915-9198BC84CB6C}" type="presOf" srcId="{6B9033F7-6550-44A1-92F6-DD9BFF424EFB}" destId="{02674417-894B-4E49-8E8B-32277B0B52BC}" srcOrd="0" destOrd="0" presId="urn:microsoft.com/office/officeart/2005/8/layout/list1"/>
-    <dgm:cxn modelId="{28678806-1C3A-4BBB-A64F-B6C0FF7B70BE}" type="presOf" srcId="{CB9555EF-6DE4-4806-9895-30893BD637CA}" destId="{257BB648-3B17-464D-8DF1-731737EE66E1}" srcOrd="0" destOrd="0" presId="urn:microsoft.com/office/officeart/2005/8/layout/list1"/>
     <dgm:cxn modelId="{67FAF84A-8719-4A3E-B598-7DC6EAD1EC37}" type="presParOf" srcId="{02674417-894B-4E49-8E8B-32277B0B52BC}" destId="{5464EE4C-C1D7-465F-AA98-CB70E7778C22}" srcOrd="0" destOrd="0" presId="urn:microsoft.com/office/officeart/2005/8/layout/list1"/>
     <dgm:cxn modelId="{CD8F69F4-2F36-4B46-872E-88954BB67BCA}" type="presParOf" srcId="{5464EE4C-C1D7-465F-AA98-CB70E7778C22}" destId="{257BB648-3B17-464D-8DF1-731737EE66E1}" srcOrd="0" destOrd="0" presId="urn:microsoft.com/office/officeart/2005/8/layout/list1"/>
     <dgm:cxn modelId="{374703AE-B677-4895-B9CE-29215EB21EFE}" type="presParOf" srcId="{5464EE4C-C1D7-465F-AA98-CB70E7778C22}" destId="{BFF288B0-BCC0-4B88-AFD0-69AA556C5540}" srcOrd="1" destOrd="0" presId="urn:microsoft.com/office/officeart/2005/8/layout/list1"/>
@@ -4392,19 +4400,19 @@
     </dgm:pt>
   </dgm:ptLst>
   <dgm:cxnLst>
-    <dgm:cxn modelId="{43E5C7E8-E1CA-477A-B6D9-917C42437231}" type="presOf" srcId="{CB9555EF-6DE4-4806-9895-30893BD637CA}" destId="{BFF288B0-BCC0-4B88-AFD0-69AA556C5540}" srcOrd="1" destOrd="0" presId="urn:microsoft.com/office/officeart/2005/8/layout/list1"/>
-    <dgm:cxn modelId="{D4EB9401-E87F-49F9-A2C8-384F93096A8E}" type="presOf" srcId="{AB19FD7A-A81C-4EA2-BD27-5F6E9DCC1B87}" destId="{F2E2913E-A9E9-479E-8644-BC5BBBB5CCDC}" srcOrd="0" destOrd="0" presId="urn:microsoft.com/office/officeart/2005/8/layout/list1"/>
+    <dgm:cxn modelId="{FFBC0812-E0A4-4B69-9403-F072EBA959CB}" type="presOf" srcId="{AB19FD7A-A81C-4EA2-BD27-5F6E9DCC1B87}" destId="{66AFA83F-7AA3-4078-BF29-CFCD77DCC512}" srcOrd="1" destOrd="0" presId="urn:microsoft.com/office/officeart/2005/8/layout/list1"/>
+    <dgm:cxn modelId="{4DA682DA-14CE-46C2-995A-BF21E0352582}" type="presOf" srcId="{0ACDB7B0-7209-405C-B176-B4E79759C6C3}" destId="{A420D92C-FF18-4133-A510-1A915A1B23EE}" srcOrd="1" destOrd="0" presId="urn:microsoft.com/office/officeart/2005/8/layout/list1"/>
+    <dgm:cxn modelId="{E395225B-F967-4C1C-B285-13573F4B75A5}" type="presOf" srcId="{ADC72A1A-B227-4C22-B376-8D6C781FEDA0}" destId="{55671C60-0899-46BE-AD25-6F8A24923BDA}" srcOrd="0" destOrd="0" presId="urn:microsoft.com/office/officeart/2005/8/layout/list1"/>
+    <dgm:cxn modelId="{27AE05CB-90E3-4104-90F9-7FC1F0CB41A6}" srcId="{6B9033F7-6550-44A1-92F6-DD9BFF424EFB}" destId="{CB9555EF-6DE4-4806-9895-30893BD637CA}" srcOrd="0" destOrd="0" parTransId="{6A6EDB0F-74DC-4527-AD5B-4FB563B2274C}" sibTransId="{0DA97268-6539-41C9-91F3-D7D3BDD62A7B}"/>
     <dgm:cxn modelId="{D066CFE4-5AEA-4346-9F2F-7D882E0CF73C}" type="presOf" srcId="{ADC72A1A-B227-4C22-B376-8D6C781FEDA0}" destId="{3F5DE055-228D-4F52-90EA-95B4DB1D0A6A}" srcOrd="1" destOrd="0" presId="urn:microsoft.com/office/officeart/2005/8/layout/list1"/>
     <dgm:cxn modelId="{3ECBD1A7-8436-45B1-A179-B2119D1C393E}" srcId="{6B9033F7-6550-44A1-92F6-DD9BFF424EFB}" destId="{0ACDB7B0-7209-405C-B176-B4E79759C6C3}" srcOrd="2" destOrd="0" parTransId="{79FDD5BE-5290-4940-9708-95D44DF8EEC9}" sibTransId="{5ACCCE3E-D79A-4AD9-8990-8E2E7D2F1B5F}"/>
+    <dgm:cxn modelId="{D4EB9401-E87F-49F9-A2C8-384F93096A8E}" type="presOf" srcId="{AB19FD7A-A81C-4EA2-BD27-5F6E9DCC1B87}" destId="{F2E2913E-A9E9-479E-8644-BC5BBBB5CCDC}" srcOrd="0" destOrd="0" presId="urn:microsoft.com/office/officeart/2005/8/layout/list1"/>
+    <dgm:cxn modelId="{A62C5713-BA1F-4039-AF19-16930058AB6D}" srcId="{6B9033F7-6550-44A1-92F6-DD9BFF424EFB}" destId="{ADC72A1A-B227-4C22-B376-8D6C781FEDA0}" srcOrd="1" destOrd="0" parTransId="{61948549-A8F3-40C0-B981-B8C9F7EBDD52}" sibTransId="{E729CDC8-615A-4C19-9DAF-C511E552E9A6}"/>
     <dgm:cxn modelId="{83295002-0791-46B4-8384-B6A1FD757761}" type="presOf" srcId="{0ACDB7B0-7209-405C-B176-B4E79759C6C3}" destId="{FB754533-A985-425B-98B4-8B1415456C14}" srcOrd="0" destOrd="0" presId="urn:microsoft.com/office/officeart/2005/8/layout/list1"/>
-    <dgm:cxn modelId="{E395225B-F967-4C1C-B285-13573F4B75A5}" type="presOf" srcId="{ADC72A1A-B227-4C22-B376-8D6C781FEDA0}" destId="{55671C60-0899-46BE-AD25-6F8A24923BDA}" srcOrd="0" destOrd="0" presId="urn:microsoft.com/office/officeart/2005/8/layout/list1"/>
+    <dgm:cxn modelId="{1BA7E1A3-7482-4843-ADDE-6BD112AE856A}" srcId="{6B9033F7-6550-44A1-92F6-DD9BFF424EFB}" destId="{AB19FD7A-A81C-4EA2-BD27-5F6E9DCC1B87}" srcOrd="3" destOrd="0" parTransId="{EDD0EBC0-7F0D-4B50-8E83-8AFFD806839D}" sibTransId="{6DE35071-99FC-449E-ADDB-8A601CE019B4}"/>
     <dgm:cxn modelId="{1630655F-7403-4C91-ABBF-7A894574B18E}" type="presOf" srcId="{6B9033F7-6550-44A1-92F6-DD9BFF424EFB}" destId="{02674417-894B-4E49-8E8B-32277B0B52BC}" srcOrd="0" destOrd="0" presId="urn:microsoft.com/office/officeart/2005/8/layout/list1"/>
-    <dgm:cxn modelId="{27AE05CB-90E3-4104-90F9-7FC1F0CB41A6}" srcId="{6B9033F7-6550-44A1-92F6-DD9BFF424EFB}" destId="{CB9555EF-6DE4-4806-9895-30893BD637CA}" srcOrd="0" destOrd="0" parTransId="{6A6EDB0F-74DC-4527-AD5B-4FB563B2274C}" sibTransId="{0DA97268-6539-41C9-91F3-D7D3BDD62A7B}"/>
-    <dgm:cxn modelId="{A62C5713-BA1F-4039-AF19-16930058AB6D}" srcId="{6B9033F7-6550-44A1-92F6-DD9BFF424EFB}" destId="{ADC72A1A-B227-4C22-B376-8D6C781FEDA0}" srcOrd="1" destOrd="0" parTransId="{61948549-A8F3-40C0-B981-B8C9F7EBDD52}" sibTransId="{E729CDC8-615A-4C19-9DAF-C511E552E9A6}"/>
-    <dgm:cxn modelId="{4DA682DA-14CE-46C2-995A-BF21E0352582}" type="presOf" srcId="{0ACDB7B0-7209-405C-B176-B4E79759C6C3}" destId="{A420D92C-FF18-4133-A510-1A915A1B23EE}" srcOrd="1" destOrd="0" presId="urn:microsoft.com/office/officeart/2005/8/layout/list1"/>
-    <dgm:cxn modelId="{1BA7E1A3-7482-4843-ADDE-6BD112AE856A}" srcId="{6B9033F7-6550-44A1-92F6-DD9BFF424EFB}" destId="{AB19FD7A-A81C-4EA2-BD27-5F6E9DCC1B87}" srcOrd="3" destOrd="0" parTransId="{EDD0EBC0-7F0D-4B50-8E83-8AFFD806839D}" sibTransId="{6DE35071-99FC-449E-ADDB-8A601CE019B4}"/>
     <dgm:cxn modelId="{3F3DDADB-1BFA-46D7-9EEF-DC972B8C12FF}" type="presOf" srcId="{CB9555EF-6DE4-4806-9895-30893BD637CA}" destId="{257BB648-3B17-464D-8DF1-731737EE66E1}" srcOrd="0" destOrd="0" presId="urn:microsoft.com/office/officeart/2005/8/layout/list1"/>
-    <dgm:cxn modelId="{FFBC0812-E0A4-4B69-9403-F072EBA959CB}" type="presOf" srcId="{AB19FD7A-A81C-4EA2-BD27-5F6E9DCC1B87}" destId="{66AFA83F-7AA3-4078-BF29-CFCD77DCC512}" srcOrd="1" destOrd="0" presId="urn:microsoft.com/office/officeart/2005/8/layout/list1"/>
+    <dgm:cxn modelId="{43E5C7E8-E1CA-477A-B6D9-917C42437231}" type="presOf" srcId="{CB9555EF-6DE4-4806-9895-30893BD637CA}" destId="{BFF288B0-BCC0-4B88-AFD0-69AA556C5540}" srcOrd="1" destOrd="0" presId="urn:microsoft.com/office/officeart/2005/8/layout/list1"/>
     <dgm:cxn modelId="{D71AB073-ADC3-469F-8ED4-D304E0F6E203}" type="presParOf" srcId="{02674417-894B-4E49-8E8B-32277B0B52BC}" destId="{5464EE4C-C1D7-465F-AA98-CB70E7778C22}" srcOrd="0" destOrd="0" presId="urn:microsoft.com/office/officeart/2005/8/layout/list1"/>
     <dgm:cxn modelId="{99DDAB51-22B4-4C28-86F0-0863C9E3759A}" type="presParOf" srcId="{5464EE4C-C1D7-465F-AA98-CB70E7778C22}" destId="{257BB648-3B17-464D-8DF1-731737EE66E1}" srcOrd="0" destOrd="0" presId="urn:microsoft.com/office/officeart/2005/8/layout/list1"/>
     <dgm:cxn modelId="{A4E8149B-E8CB-4AA7-8FF8-0ABC493EF00F}" type="presParOf" srcId="{5464EE4C-C1D7-465F-AA98-CB70E7778C22}" destId="{BFF288B0-BCC0-4B88-AFD0-69AA556C5540}" srcOrd="1" destOrd="0" presId="urn:microsoft.com/office/officeart/2005/8/layout/list1"/>
@@ -4826,8 +4834,8 @@
     <dgm:cxn modelId="{8B895C51-0AA5-4617-B7BD-D17BC0CD87D4}" type="presOf" srcId="{ADC72A1A-B227-4C22-B376-8D6C781FEDA0}" destId="{55671C60-0899-46BE-AD25-6F8A24923BDA}" srcOrd="0" destOrd="0" presId="urn:microsoft.com/office/officeart/2005/8/layout/list1"/>
     <dgm:cxn modelId="{3ECBD1A7-8436-45B1-A179-B2119D1C393E}" srcId="{6B9033F7-6550-44A1-92F6-DD9BFF424EFB}" destId="{0ACDB7B0-7209-405C-B176-B4E79759C6C3}" srcOrd="2" destOrd="0" parTransId="{79FDD5BE-5290-4940-9708-95D44DF8EEC9}" sibTransId="{5ACCCE3E-D79A-4AD9-8990-8E2E7D2F1B5F}"/>
     <dgm:cxn modelId="{A62C5713-BA1F-4039-AF19-16930058AB6D}" srcId="{6B9033F7-6550-44A1-92F6-DD9BFF424EFB}" destId="{ADC72A1A-B227-4C22-B376-8D6C781FEDA0}" srcOrd="1" destOrd="0" parTransId="{61948549-A8F3-40C0-B981-B8C9F7EBDD52}" sibTransId="{E729CDC8-615A-4C19-9DAF-C511E552E9A6}"/>
+    <dgm:cxn modelId="{CCCE4CAC-35BB-4F35-8EC4-17E5AD006DBB}" type="presOf" srcId="{6B9033F7-6550-44A1-92F6-DD9BFF424EFB}" destId="{02674417-894B-4E49-8E8B-32277B0B52BC}" srcOrd="0" destOrd="0" presId="urn:microsoft.com/office/officeart/2005/8/layout/list1"/>
     <dgm:cxn modelId="{C91FB5C6-7F54-4D27-AA30-9F6D6E85AABF}" type="presOf" srcId="{0ACDB7B0-7209-405C-B176-B4E79759C6C3}" destId="{FB754533-A985-425B-98B4-8B1415456C14}" srcOrd="0" destOrd="0" presId="urn:microsoft.com/office/officeart/2005/8/layout/list1"/>
-    <dgm:cxn modelId="{CCCE4CAC-35BB-4F35-8EC4-17E5AD006DBB}" type="presOf" srcId="{6B9033F7-6550-44A1-92F6-DD9BFF424EFB}" destId="{02674417-894B-4E49-8E8B-32277B0B52BC}" srcOrd="0" destOrd="0" presId="urn:microsoft.com/office/officeart/2005/8/layout/list1"/>
     <dgm:cxn modelId="{A31B5036-26CD-4440-A4CA-805345EEF08C}" type="presOf" srcId="{AB19FD7A-A81C-4EA2-BD27-5F6E9DCC1B87}" destId="{66AFA83F-7AA3-4078-BF29-CFCD77DCC512}" srcOrd="1" destOrd="0" presId="urn:microsoft.com/office/officeart/2005/8/layout/list1"/>
     <dgm:cxn modelId="{1BA7E1A3-7482-4843-ADDE-6BD112AE856A}" srcId="{6B9033F7-6550-44A1-92F6-DD9BFF424EFB}" destId="{AB19FD7A-A81C-4EA2-BD27-5F6E9DCC1B87}" srcOrd="3" destOrd="0" parTransId="{EDD0EBC0-7F0D-4B50-8E83-8AFFD806839D}" sibTransId="{6DE35071-99FC-449E-ADDB-8A601CE019B4}"/>
     <dgm:cxn modelId="{D096F04C-7BCD-4021-801B-165B20A504B7}" type="presOf" srcId="{CB9555EF-6DE4-4806-9895-30893BD637CA}" destId="{257BB648-3B17-464D-8DF1-731737EE66E1}" srcOrd="0" destOrd="0" presId="urn:microsoft.com/office/officeart/2005/8/layout/list1"/>
@@ -12020,7 +12028,7 @@
               <a:pPr>
                 <a:defRPr/>
               </a:pPr>
-              <a:t>2016-12-04</a:t>
+              <a:t>2016/12/6</a:t>
             </a:fld>
             <a:endParaRPr lang="zh-CN" altLang="en-US"/>
           </a:p>
@@ -12388,16 +12396,74 @@
           <a:lstStyle/>
           <a:p>
             <a:r>
+              <a:rPr lang="en-US" altLang="zh-CN" dirty="0" smtClean="0"/>
+              <a:t>1</a:t>
+            </a:r>
+            <a:r>
               <a:rPr lang="zh-CN" altLang="en-US" dirty="0" smtClean="0"/>
-              <a:t>移动增值业务是移动运营商在移动基本业务（话音业务）的基础上，针对不同的用户群和市场需求开通的可供用户选择使用的业务。移动增值业务是市场细分的结果，它充分挖掘了移动网络的潜力，满足了用户的多种需求，因此在市场上取得了巨大的成功。如预付费业务（神州行、如意通），短消息增值业务（移动梦网、联通在信）都有着众多的用户，已成为运营商的主要品牌。移动增值业务已成为移动运营商价值链最重要的组成部分，市场前景广阔，需求极大。据预测，中国移动增值业务市场将以每年超过</a:t>
+              <a:t>、运营商提供设备，搭建平台，开放接口让</a:t>
             </a:r>
             <a:r>
               <a:rPr lang="en-US" altLang="zh-CN" dirty="0" smtClean="0"/>
-              <a:t>30%</a:t>
+              <a:t>SP</a:t>
             </a:r>
             <a:r>
               <a:rPr lang="zh-CN" altLang="en-US" dirty="0" smtClean="0"/>
-              <a:t>的速度增长。</a:t>
+              <a:t>和</a:t>
+            </a:r>
+            <a:r>
+              <a:rPr lang="en-US" altLang="zh-CN" dirty="0" smtClean="0"/>
+              <a:t>CP</a:t>
+            </a:r>
+            <a:r>
+              <a:rPr lang="zh-CN" altLang="en-US" dirty="0" smtClean="0"/>
+              <a:t>接入；</a:t>
+            </a:r>
+            <a:r>
+              <a:rPr lang="en-US" altLang="zh-CN" dirty="0" smtClean="0"/>
+              <a:t>SP/CP</a:t>
+            </a:r>
+            <a:r>
+              <a:rPr lang="zh-CN" altLang="en-US" dirty="0" smtClean="0"/>
+              <a:t>必须按照接口进行业务开发，平台对于他们来说就是业务提供的中介。</a:t>
+            </a:r>
+            <a:endParaRPr lang="en-US" altLang="zh-CN" dirty="0" smtClean="0"/>
+          </a:p>
+          <a:p>
+            <a:r>
+              <a:rPr lang="en-US" altLang="zh-CN" dirty="0" smtClean="0"/>
+              <a:t>2</a:t>
+            </a:r>
+            <a:r>
+              <a:rPr lang="zh-CN" altLang="en-US" dirty="0" smtClean="0"/>
+              <a:t>、运营商想取代</a:t>
+            </a:r>
+            <a:r>
+              <a:rPr lang="en-US" altLang="zh-CN" dirty="0" smtClean="0"/>
+              <a:t>SP/CP</a:t>
+            </a:r>
+            <a:r>
+              <a:rPr lang="zh-CN" altLang="en-US" dirty="0" smtClean="0"/>
+              <a:t>的位置，一揽子全包，例如移动推出自己开发的</a:t>
+            </a:r>
+            <a:r>
+              <a:rPr lang="en-US" altLang="zh-CN" dirty="0" smtClean="0"/>
+              <a:t>IM</a:t>
+            </a:r>
+            <a:r>
+              <a:rPr lang="zh-CN" altLang="en-US" dirty="0" smtClean="0"/>
+              <a:t>业务，就是希望替代腾讯。</a:t>
+            </a:r>
+            <a:endParaRPr lang="en-US" altLang="zh-CN" dirty="0" smtClean="0"/>
+          </a:p>
+          <a:p>
+            <a:r>
+              <a:rPr lang="en-US" altLang="zh-CN" dirty="0" smtClean="0"/>
+              <a:t>3</a:t>
+            </a:r>
+            <a:r>
+              <a:rPr lang="zh-CN" altLang="en-US" dirty="0" smtClean="0"/>
+              <a:t>、前期建设由系统提供商所控制，运营权也归属系统提供商，当运营商认可这种平台的试商用，明确看到所提供的的业务能带来盈利后，可以把平台买过来，独立运营。可以说这是一种低投入、高灵活性的新型运营模式。</a:t>
             </a:r>
             <a:endParaRPr lang="zh-CN" altLang="en-US" dirty="0"/>
           </a:p>
@@ -12426,7 +12492,7 @@
               <a:pPr>
                 <a:defRPr/>
               </a:pPr>
-              <a:t>10</a:t>
+              <a:t>8</a:t>
             </a:fld>
             <a:endParaRPr lang="zh-CN" altLang="en-US"/>
           </a:p>
@@ -12435,7 +12501,7 @@
     </p:spTree>
     <p:extLst>
       <p:ext uri="{BB962C8B-B14F-4D97-AF65-F5344CB8AC3E}">
-        <p14:creationId xmlns:p14="http://schemas.microsoft.com/office/powerpoint/2010/main" val="3105388203"/>
+        <p14:creationId xmlns:p14="http://schemas.microsoft.com/office/powerpoint/2010/main" val="393358786"/>
       </p:ext>
     </p:extLst>
   </p:cSld>
@@ -12490,37 +12556,20 @@
           <a:lstStyle/>
           <a:p>
             <a:r>
+              <a:rPr lang="zh-CN" altLang="en-US" b="1" dirty="0" smtClean="0"/>
+              <a:t>移动增值业务</a:t>
+            </a:r>
+            <a:r>
+              <a:rPr lang="zh-CN" altLang="en-US" dirty="0" smtClean="0"/>
+              <a:t>是移动运营商在移动基本业务（话音业务）的基础上，针对不同的用户群和市场需求开通的可供用户选择使用的业务。移动增值业务是市场细分的结果，它充分挖掘了移动网络的潜力，满足了用户的多种需求，因此在市场上取得了巨大的成功。如预付费业务（神州行、如意通），短消息增值业务（移动梦网、联通在信）都有着众多的用户，已成为运营商的主要品牌。移动增值业务已成为移动运营商价值链最重要的组成部分，市场前景广阔，需求极大。据预测，中国移动增值业务市场将以每年超过</a:t>
+            </a:r>
+            <a:r>
               <a:rPr lang="en-US" altLang="zh-CN" dirty="0" smtClean="0"/>
-              <a:t>P2P</a:t>
+              <a:t>30%</a:t>
             </a:r>
             <a:r>
               <a:rPr lang="zh-CN" altLang="en-US" dirty="0" smtClean="0"/>
-              <a:t>不仅是一种技术，更是一种思想，集中体现了互联网平等、开放、自由的本质和特性。</a:t>
-            </a:r>
-            <a:endParaRPr lang="en-US" altLang="zh-CN" dirty="0" smtClean="0"/>
-          </a:p>
-          <a:p>
-            <a:r>
-              <a:rPr lang="en-US" altLang="zh-CN" dirty="0" smtClean="0"/>
-              <a:t>P2P</a:t>
-            </a:r>
-            <a:r>
-              <a:rPr lang="zh-CN" altLang="en-US" dirty="0" smtClean="0"/>
-              <a:t>系统最大的特点就是用户之间直接共享资源，其核心技术就是分布式对象的定位机制，这也是提高网络可扩展性，解决网络带宽被吞噬的关键所在。</a:t>
-            </a:r>
-            <a:endParaRPr lang="en-US" altLang="zh-CN" dirty="0" smtClean="0"/>
-          </a:p>
-          <a:p>
-            <a:r>
-              <a:rPr lang="zh-CN" altLang="en-US" dirty="0" smtClean="0"/>
-              <a:t>比如视频会议系统，服务器只有较少的参与。</a:t>
-            </a:r>
-            <a:endParaRPr lang="en-US" altLang="zh-CN" dirty="0" smtClean="0"/>
-          </a:p>
-          <a:p>
-            <a:r>
-              <a:rPr lang="en-US" altLang="zh-CN" dirty="0" smtClean="0"/>
-              <a:t>P4P Proactive network Provider Participation for P2P</a:t>
+              <a:t>的速度增长。</a:t>
             </a:r>
             <a:endParaRPr lang="zh-CN" altLang="en-US" dirty="0"/>
           </a:p>
@@ -12549,7 +12598,244 @@
               <a:pPr>
                 <a:defRPr/>
               </a:pPr>
-              <a:t>15</a:t>
+              <a:t>10</a:t>
+            </a:fld>
+            <a:endParaRPr lang="zh-CN" altLang="en-US"/>
+          </a:p>
+        </p:txBody>
+      </p:sp>
+    </p:spTree>
+    <p:extLst>
+      <p:ext uri="{BB962C8B-B14F-4D97-AF65-F5344CB8AC3E}">
+        <p14:creationId xmlns:p14="http://schemas.microsoft.com/office/powerpoint/2010/main" val="3105388203"/>
+      </p:ext>
+    </p:extLst>
+  </p:cSld>
+  <p:clrMapOvr>
+    <a:masterClrMapping/>
+  </p:clrMapOvr>
+</p:notes>
+</file>
+
+<file path=ppt/notesSlides/notesSlide3.xml><?xml version="1.0" encoding="utf-8"?>
+<p:notes xmlns:a="http://schemas.openxmlformats.org/drawingml/2006/main" xmlns:r="http://schemas.openxmlformats.org/officeDocument/2006/relationships" xmlns:p="http://schemas.openxmlformats.org/presentationml/2006/main">
+  <p:cSld>
+    <p:spTree>
+      <p:nvGrpSpPr>
+        <p:cNvPr id="1" name=""/>
+        <p:cNvGrpSpPr/>
+        <p:nvPr/>
+      </p:nvGrpSpPr>
+      <p:grpSpPr>
+        <a:xfrm>
+          <a:off x="0" y="0"/>
+          <a:ext cx="0" cy="0"/>
+          <a:chOff x="0" y="0"/>
+          <a:chExt cx="0" cy="0"/>
+        </a:xfrm>
+      </p:grpSpPr>
+      <p:sp>
+        <p:nvSpPr>
+          <p:cNvPr id="2" name="幻灯片图像占位符 1"/>
+          <p:cNvSpPr>
+            <a:spLocks noGrp="1" noRot="1" noChangeAspect="1"/>
+          </p:cNvSpPr>
+          <p:nvPr>
+            <p:ph type="sldImg"/>
+          </p:nvPr>
+        </p:nvSpPr>
+        <p:spPr/>
+      </p:sp>
+      <p:sp>
+        <p:nvSpPr>
+          <p:cNvPr id="3" name="备注占位符 2"/>
+          <p:cNvSpPr>
+            <a:spLocks noGrp="1"/>
+          </p:cNvSpPr>
+          <p:nvPr>
+            <p:ph type="body" idx="1"/>
+          </p:nvPr>
+        </p:nvSpPr>
+        <p:spPr/>
+        <p:txBody>
+          <a:bodyPr/>
+          <a:lstStyle/>
+          <a:p>
+            <a:r>
+              <a:rPr lang="en-US" altLang="zh-CN" sz="1200" b="0" i="0" kern="1200" dirty="0" smtClean="0">
+                <a:solidFill>
+                  <a:schemeClr val="tx1"/>
+                </a:solidFill>
+                <a:effectLst/>
+                <a:latin typeface="+mn-lt"/>
+                <a:ea typeface="+mn-ea"/>
+                <a:cs typeface="+mn-cs"/>
+              </a:rPr>
+              <a:t>Payment Tokenization</a:t>
+            </a:r>
+            <a:r>
+              <a:rPr lang="zh-CN" altLang="en-US" sz="1200" b="0" i="0" kern="1200" dirty="0" smtClean="0">
+                <a:solidFill>
+                  <a:schemeClr val="tx1"/>
+                </a:solidFill>
+                <a:effectLst/>
+                <a:latin typeface="+mn-lt"/>
+                <a:ea typeface="+mn-ea"/>
+                <a:cs typeface="+mn-cs"/>
+              </a:rPr>
+              <a:t>支付标记化</a:t>
+            </a:r>
+            <a:endParaRPr lang="zh-CN" altLang="en-US" dirty="0"/>
+          </a:p>
+        </p:txBody>
+      </p:sp>
+      <p:sp>
+        <p:nvSpPr>
+          <p:cNvPr id="4" name="灯片编号占位符 3"/>
+          <p:cNvSpPr>
+            <a:spLocks noGrp="1"/>
+          </p:cNvSpPr>
+          <p:nvPr>
+            <p:ph type="sldNum" sz="quarter" idx="10"/>
+          </p:nvPr>
+        </p:nvSpPr>
+        <p:spPr/>
+        <p:txBody>
+          <a:bodyPr/>
+          <a:lstStyle/>
+          <a:p>
+            <a:pPr>
+              <a:defRPr/>
+            </a:pPr>
+            <a:fld id="{773E51E6-385F-49C0-B4AF-A459F876696D}" type="slidenum">
+              <a:rPr lang="zh-CN" altLang="en-US" smtClean="0"/>
+              <a:pPr>
+                <a:defRPr/>
+              </a:pPr>
+              <a:t>13</a:t>
+            </a:fld>
+            <a:endParaRPr lang="zh-CN" altLang="en-US"/>
+          </a:p>
+        </p:txBody>
+      </p:sp>
+    </p:spTree>
+    <p:extLst>
+      <p:ext uri="{BB962C8B-B14F-4D97-AF65-F5344CB8AC3E}">
+        <p14:creationId xmlns:p14="http://schemas.microsoft.com/office/powerpoint/2010/main" val="2966887959"/>
+      </p:ext>
+    </p:extLst>
+  </p:cSld>
+  <p:clrMapOvr>
+    <a:masterClrMapping/>
+  </p:clrMapOvr>
+</p:notes>
+</file>
+
+<file path=ppt/notesSlides/notesSlide4.xml><?xml version="1.0" encoding="utf-8"?>
+<p:notes xmlns:a="http://schemas.openxmlformats.org/drawingml/2006/main" xmlns:r="http://schemas.openxmlformats.org/officeDocument/2006/relationships" xmlns:p="http://schemas.openxmlformats.org/presentationml/2006/main">
+  <p:cSld>
+    <p:spTree>
+      <p:nvGrpSpPr>
+        <p:cNvPr id="1" name=""/>
+        <p:cNvGrpSpPr/>
+        <p:nvPr/>
+      </p:nvGrpSpPr>
+      <p:grpSpPr>
+        <a:xfrm>
+          <a:off x="0" y="0"/>
+          <a:ext cx="0" cy="0"/>
+          <a:chOff x="0" y="0"/>
+          <a:chExt cx="0" cy="0"/>
+        </a:xfrm>
+      </p:grpSpPr>
+      <p:sp>
+        <p:nvSpPr>
+          <p:cNvPr id="2" name="幻灯片图像占位符 1"/>
+          <p:cNvSpPr>
+            <a:spLocks noGrp="1" noRot="1" noChangeAspect="1"/>
+          </p:cNvSpPr>
+          <p:nvPr>
+            <p:ph type="sldImg"/>
+          </p:nvPr>
+        </p:nvSpPr>
+        <p:spPr/>
+      </p:sp>
+      <p:sp>
+        <p:nvSpPr>
+          <p:cNvPr id="3" name="备注占位符 2"/>
+          <p:cNvSpPr>
+            <a:spLocks noGrp="1"/>
+          </p:cNvSpPr>
+          <p:nvPr>
+            <p:ph type="body" idx="1"/>
+          </p:nvPr>
+        </p:nvSpPr>
+        <p:spPr/>
+        <p:txBody>
+          <a:bodyPr/>
+          <a:lstStyle/>
+          <a:p>
+            <a:r>
+              <a:rPr lang="en-US" altLang="zh-CN" dirty="0" smtClean="0"/>
+              <a:t>P2P</a:t>
+            </a:r>
+            <a:r>
+              <a:rPr lang="zh-CN" altLang="en-US" dirty="0" smtClean="0"/>
+              <a:t>不仅是一种技术，更是一种思想，集中体现了互联网平等、开放、自由的本质和特性。</a:t>
+            </a:r>
+            <a:endParaRPr lang="en-US" altLang="zh-CN" dirty="0" smtClean="0"/>
+          </a:p>
+          <a:p>
+            <a:r>
+              <a:rPr lang="en-US" altLang="zh-CN" dirty="0" smtClean="0"/>
+              <a:t>P2P</a:t>
+            </a:r>
+            <a:r>
+              <a:rPr lang="zh-CN" altLang="en-US" dirty="0" smtClean="0"/>
+              <a:t>系统最大的特点就是用户之间直接共享资源，其核心技术就是分布式对象的定位机制，这也是提高网络可扩展性，解决网络带宽被吞噬的关键所在。</a:t>
+            </a:r>
+            <a:endParaRPr lang="en-US" altLang="zh-CN" dirty="0" smtClean="0"/>
+          </a:p>
+          <a:p>
+            <a:r>
+              <a:rPr lang="zh-CN" altLang="en-US" dirty="0" smtClean="0"/>
+              <a:t>比如视频会议系统，服务器只有较少的参与。</a:t>
+            </a:r>
+            <a:endParaRPr lang="en-US" altLang="zh-CN" dirty="0" smtClean="0"/>
+          </a:p>
+          <a:p>
+            <a:r>
+              <a:rPr lang="en-US" altLang="zh-CN" dirty="0" smtClean="0"/>
+              <a:t>P4P Proactive network Provider Participation for P2P</a:t>
+            </a:r>
+            <a:endParaRPr lang="zh-CN" altLang="en-US" dirty="0"/>
+          </a:p>
+        </p:txBody>
+      </p:sp>
+      <p:sp>
+        <p:nvSpPr>
+          <p:cNvPr id="4" name="灯片编号占位符 3"/>
+          <p:cNvSpPr>
+            <a:spLocks noGrp="1"/>
+          </p:cNvSpPr>
+          <p:nvPr>
+            <p:ph type="sldNum" sz="quarter" idx="10"/>
+          </p:nvPr>
+        </p:nvSpPr>
+        <p:spPr/>
+        <p:txBody>
+          <a:bodyPr/>
+          <a:lstStyle/>
+          <a:p>
+            <a:pPr>
+              <a:defRPr/>
+            </a:pPr>
+            <a:fld id="{773E51E6-385F-49C0-B4AF-A459F876696D}" type="slidenum">
+              <a:rPr lang="zh-CN" altLang="en-US" smtClean="0"/>
+              <a:pPr>
+                <a:defRPr/>
+              </a:pPr>
+              <a:t>17</a:t>
             </a:fld>
             <a:endParaRPr lang="zh-CN" altLang="en-US"/>
           </a:p>
@@ -12840,7 +13126,7 @@
               <a:pPr>
                 <a:defRPr/>
               </a:pPr>
-              <a:t>2016-12-04</a:t>
+              <a:t>2016/12/6</a:t>
             </a:fld>
             <a:endParaRPr lang="zh-CN" altLang="en-US"/>
           </a:p>
@@ -13037,7 +13323,7 @@
               <a:pPr>
                 <a:defRPr/>
               </a:pPr>
-              <a:t>2016-12-04</a:t>
+              <a:t>2016/12/6</a:t>
             </a:fld>
             <a:endParaRPr lang="zh-CN" altLang="en-US"/>
           </a:p>
@@ -13320,7 +13606,7 @@
               <a:pPr>
                 <a:defRPr/>
               </a:pPr>
-              <a:t>2016-12-04</a:t>
+              <a:t>2016/12/6</a:t>
             </a:fld>
             <a:endParaRPr lang="zh-CN" altLang="en-US"/>
           </a:p>
@@ -13524,7 +13810,7 @@
               <a:pPr>
                 <a:defRPr/>
               </a:pPr>
-              <a:t>2016-12-04</a:t>
+              <a:t>2016/12/6</a:t>
             </a:fld>
             <a:endParaRPr lang="zh-CN" altLang="en-US"/>
           </a:p>
@@ -13922,7 +14208,7 @@
               <a:pPr>
                 <a:defRPr/>
               </a:pPr>
-              <a:t>2016-12-04</a:t>
+              <a:t>2016/12/6</a:t>
             </a:fld>
             <a:endParaRPr lang="zh-CN" altLang="en-US"/>
           </a:p>
@@ -14186,7 +14472,7 @@
               <a:pPr>
                 <a:defRPr/>
               </a:pPr>
-              <a:t>2016-12-04</a:t>
+              <a:t>2016/12/6</a:t>
             </a:fld>
             <a:endParaRPr lang="zh-CN" altLang="en-US"/>
           </a:p>
@@ -14592,7 +14878,7 @@
               <a:pPr>
                 <a:defRPr/>
               </a:pPr>
-              <a:t>2016-12-04</a:t>
+              <a:t>2016/12/6</a:t>
             </a:fld>
             <a:endParaRPr lang="zh-CN" altLang="en-US"/>
           </a:p>
@@ -14737,7 +15023,7 @@
               <a:pPr>
                 <a:defRPr/>
               </a:pPr>
-              <a:t>2016-12-04</a:t>
+              <a:t>2016/12/6</a:t>
             </a:fld>
             <a:endParaRPr lang="zh-CN" altLang="en-US"/>
           </a:p>
@@ -14935,7 +15221,7 @@
               <a:pPr>
                 <a:defRPr/>
               </a:pPr>
-              <a:t>2016-12-04</a:t>
+              <a:t>2016/12/6</a:t>
             </a:fld>
             <a:endParaRPr lang="zh-CN" altLang="en-US"/>
           </a:p>
@@ -15306,7 +15592,7 @@
               <a:pPr>
                 <a:defRPr/>
               </a:pPr>
-              <a:t>2016-12-04</a:t>
+              <a:t>2016/12/6</a:t>
             </a:fld>
             <a:endParaRPr lang="zh-CN" altLang="en-US"/>
           </a:p>
@@ -15710,7 +15996,7 @@
               <a:pPr>
                 <a:defRPr/>
               </a:pPr>
-              <a:t>2016-12-04</a:t>
+              <a:t>2016/12/6</a:t>
             </a:fld>
             <a:endParaRPr lang="zh-CN" altLang="en-US"/>
           </a:p>
@@ -16054,7 +16340,7 @@
               <a:pPr>
                 <a:defRPr/>
               </a:pPr>
-              <a:t>2016-12-04</a:t>
+              <a:t>2016/12/6</a:t>
             </a:fld>
             <a:endParaRPr lang="zh-CN" altLang="en-US"/>
           </a:p>
@@ -17183,7 +17469,12 @@
             <p:ph idx="1"/>
           </p:nvPr>
         </p:nvSpPr>
-        <p:spPr/>
+        <p:spPr>
+          <a:xfrm>
+            <a:off x="822325" y="1872767"/>
+            <a:ext cx="7543800" cy="4022725"/>
+          </a:xfrm>
+        </p:spPr>
         <p:txBody>
           <a:bodyPr/>
           <a:lstStyle/>
@@ -17294,7 +17585,7 @@
       </p:sp>
       <p:pic>
         <p:nvPicPr>
-          <p:cNvPr id="4" name="内容占位符 3"/>
+          <p:cNvPr id="5" name="内容占位符 4"/>
           <p:cNvPicPr>
             <a:picLocks noGrp="1" noChangeAspect="1"/>
           </p:cNvPicPr>
@@ -17303,7 +17594,7 @@
           </p:nvPr>
         </p:nvPicPr>
         <p:blipFill>
-          <a:blip r:embed="rId2">
+          <a:blip r:embed="rId3">
             <a:extLst>
               <a:ext uri="{28A0092B-C50C-407E-A947-70E740481C1C}">
                 <a14:useLocalDpi xmlns:a14="http://schemas.microsoft.com/office/drawing/2010/main" val="0"/>
@@ -17316,8 +17607,8 @@
         </p:blipFill>
         <p:spPr>
           <a:xfrm>
-            <a:off x="2217833" y="1934097"/>
-            <a:ext cx="5198662" cy="2130599"/>
+            <a:off x="1656901" y="1842741"/>
+            <a:ext cx="5603110" cy="4279762"/>
           </a:xfrm>
         </p:spPr>
       </p:pic>
@@ -17367,12 +17658,8 @@
           <a:lstStyle/>
           <a:p>
             <a:r>
-              <a:rPr lang="en-US" altLang="zh-CN" dirty="0" smtClean="0"/>
-              <a:t>HCE</a:t>
-            </a:r>
-            <a:r>
-              <a:rPr lang="zh-CN" altLang="en-US" dirty="0" smtClean="0"/>
-              <a:t>支付架构</a:t>
+              <a:rPr lang="zh-CN" altLang="en-US" dirty="0"/>
+              <a:t>标记请求方注册</a:t>
             </a:r>
             <a:endParaRPr lang="zh-CN" altLang="en-US" dirty="0"/>
           </a:p>
@@ -17380,7 +17667,7 @@
       </p:sp>
       <p:pic>
         <p:nvPicPr>
-          <p:cNvPr id="4" name="内容占位符 3"/>
+          <p:cNvPr id="5" name="内容占位符 4"/>
           <p:cNvPicPr>
             <a:picLocks noGrp="1" noChangeAspect="1"/>
           </p:cNvPicPr>
@@ -17402,8 +17689,8 @@
         </p:blipFill>
         <p:spPr>
           <a:xfrm>
-            <a:off x="1811008" y="1846263"/>
-            <a:ext cx="5566434" cy="4022725"/>
+            <a:off x="3117850" y="2262188"/>
+            <a:ext cx="2952750" cy="3190875"/>
           </a:xfrm>
         </p:spPr>
       </p:pic>
@@ -17449,125 +17736,56 @@
         </p:nvSpPr>
         <p:spPr/>
         <p:txBody>
-          <a:bodyPr>
-            <a:normAutofit/>
-          </a:bodyPr>
+          <a:bodyPr/>
           <a:lstStyle/>
           <a:p>
             <a:r>
-              <a:rPr lang="en-US" altLang="zh-CN" sz="4000" dirty="0" smtClean="0"/>
-              <a:t>P2P</a:t>
-            </a:r>
-            <a:r>
-              <a:rPr lang="zh-CN" altLang="en-US" sz="4000" dirty="0" smtClean="0"/>
-              <a:t>与</a:t>
-            </a:r>
-            <a:r>
-              <a:rPr lang="en-US" altLang="zh-CN" sz="4000" dirty="0" smtClean="0"/>
-              <a:t>P4P</a:t>
-            </a:r>
-            <a:endParaRPr lang="zh-CN" altLang="en-US" sz="4000" dirty="0"/>
+              <a:rPr lang="zh-CN" altLang="en-US" b="0" dirty="0"/>
+              <a:t>标记申请流程</a:t>
+            </a:r>
+            <a:endParaRPr lang="zh-CN" altLang="en-US" dirty="0"/>
           </a:p>
         </p:txBody>
       </p:sp>
-      <p:sp>
-        <p:nvSpPr>
-          <p:cNvPr id="3" name="内容占位符 2"/>
-          <p:cNvSpPr>
-            <a:spLocks noGrp="1"/>
-          </p:cNvSpPr>
+      <p:pic>
+        <p:nvPicPr>
+          <p:cNvPr id="4" name="内容占位符 3"/>
+          <p:cNvPicPr>
+            <a:picLocks noGrp="1" noChangeAspect="1"/>
+          </p:cNvPicPr>
           <p:nvPr>
             <p:ph idx="1"/>
           </p:nvPr>
-        </p:nvSpPr>
-        <p:spPr/>
-        <p:txBody>
-          <a:bodyPr/>
-          <a:lstStyle/>
-          <a:p>
-            <a:pPr>
-              <a:buFont typeface="Wingdings" panose="05000000000000000000" pitchFamily="2" charset="2"/>
-              <a:buChar char="l"/>
-            </a:pPr>
-            <a:r>
-              <a:rPr lang="en-US" altLang="zh-CN" sz="2800" dirty="0" smtClean="0"/>
-              <a:t>P2P</a:t>
-            </a:r>
-            <a:r>
-              <a:rPr lang="zh-CN" altLang="en-US" sz="2800" dirty="0" smtClean="0"/>
-              <a:t>对等网络（</a:t>
-            </a:r>
-            <a:r>
-              <a:rPr lang="en-US" altLang="zh-CN" sz="2800" dirty="0" smtClean="0"/>
-              <a:t>Peer to Peer</a:t>
-            </a:r>
-            <a:r>
-              <a:rPr lang="zh-CN" altLang="en-US" sz="2800" dirty="0" smtClean="0"/>
-              <a:t>）是一种资源（计算、存储、通信与信息等）分布利用与共享的网络体系架构。</a:t>
-            </a:r>
-            <a:endParaRPr lang="en-US" altLang="zh-CN" sz="2800" dirty="0" smtClean="0"/>
-          </a:p>
-          <a:p>
-            <a:pPr>
-              <a:buFont typeface="Wingdings" panose="05000000000000000000" pitchFamily="2" charset="2"/>
-              <a:buChar char="l"/>
-            </a:pPr>
-            <a:r>
-              <a:rPr lang="zh-CN" altLang="en-US" sz="2800" dirty="0" smtClean="0"/>
-              <a:t>采用分布式数据管理能力，发挥对等节点性能，提升系统能力，是移动互联网核心业务和网络节点扁平化自组织管理的重要方式。</a:t>
-            </a:r>
-            <a:endParaRPr lang="en-US" altLang="zh-CN" sz="2800" dirty="0" smtClean="0"/>
-          </a:p>
-          <a:p>
-            <a:pPr>
-              <a:buFont typeface="Wingdings" panose="05000000000000000000" pitchFamily="2" charset="2"/>
-              <a:buChar char="l"/>
-            </a:pPr>
-            <a:r>
-              <a:rPr lang="en-US" altLang="zh-CN" sz="2800" dirty="0" smtClean="0"/>
-              <a:t>P4P</a:t>
-            </a:r>
-            <a:r>
-              <a:rPr lang="zh-CN" altLang="en-US" sz="2800" dirty="0" smtClean="0"/>
-              <a:t>是改良的</a:t>
-            </a:r>
-            <a:r>
-              <a:rPr lang="en-US" altLang="zh-CN" sz="2800" dirty="0" smtClean="0"/>
-              <a:t>P2P</a:t>
-            </a:r>
-            <a:r>
-              <a:rPr lang="zh-CN" altLang="en-US" sz="2800" dirty="0" smtClean="0"/>
-              <a:t>，强调效率和可管理，可以协调网络拓扑数据，提供网络路由效率，可以应用在流媒体、内容下载、</a:t>
-            </a:r>
-            <a:r>
-              <a:rPr lang="en-US" altLang="zh-CN" sz="2800" dirty="0" smtClean="0"/>
-              <a:t>CDN</a:t>
-            </a:r>
-            <a:r>
-              <a:rPr lang="zh-CN" altLang="en-US" sz="2800" dirty="0" smtClean="0"/>
-              <a:t>和业务调度等方面。</a:t>
-            </a:r>
-            <a:endParaRPr lang="zh-CN" altLang="en-US" sz="2800" dirty="0"/>
-          </a:p>
-        </p:txBody>
-      </p:sp>
+        </p:nvPicPr>
+        <p:blipFill>
+          <a:blip r:embed="rId2">
+            <a:extLst>
+              <a:ext uri="{28A0092B-C50C-407E-A947-70E740481C1C}">
+                <a14:useLocalDpi xmlns:a14="http://schemas.microsoft.com/office/drawing/2010/main" val="0"/>
+              </a:ext>
+            </a:extLst>
+          </a:blip>
+          <a:stretch>
+            <a:fillRect/>
+          </a:stretch>
+        </p:blipFill>
+        <p:spPr>
+          <a:xfrm>
+            <a:off x="1356850" y="3288196"/>
+            <a:ext cx="6474749" cy="1681370"/>
+          </a:xfrm>
+        </p:spPr>
+      </p:pic>
     </p:spTree>
     <p:extLst>
       <p:ext uri="{BB962C8B-B14F-4D97-AF65-F5344CB8AC3E}">
-        <p14:creationId xmlns:p14="http://schemas.microsoft.com/office/powerpoint/2010/main" val="729830264"/>
+        <p14:creationId xmlns:p14="http://schemas.microsoft.com/office/powerpoint/2010/main" val="1084047972"/>
       </p:ext>
     </p:extLst>
   </p:cSld>
   <p:clrMapOvr>
     <a:masterClrMapping/>
   </p:clrMapOvr>
-  <p:timing>
-    <p:tnLst>
-      <p:par>
-        <p:cTn id="1" dur="indefinite" restart="never" nodeType="tmRoot"/>
-      </p:par>
-    </p:tnLst>
-  </p:timing>
 </p:sld>
 </file>
 
@@ -17604,6 +17822,239 @@
           <a:lstStyle/>
           <a:p>
             <a:r>
+              <a:rPr lang="zh-CN" altLang="en-US" b="0" dirty="0"/>
+              <a:t>标记的交易流程</a:t>
+            </a:r>
+            <a:endParaRPr lang="zh-CN" altLang="en-US" dirty="0"/>
+          </a:p>
+        </p:txBody>
+      </p:sp>
+      <p:pic>
+        <p:nvPicPr>
+          <p:cNvPr id="4" name="内容占位符 3"/>
+          <p:cNvPicPr>
+            <a:picLocks noGrp="1" noChangeAspect="1"/>
+          </p:cNvPicPr>
+          <p:nvPr>
+            <p:ph idx="1"/>
+          </p:nvPr>
+        </p:nvPicPr>
+        <p:blipFill>
+          <a:blip r:embed="rId2">
+            <a:extLst>
+              <a:ext uri="{28A0092B-C50C-407E-A947-70E740481C1C}">
+                <a14:useLocalDpi xmlns:a14="http://schemas.microsoft.com/office/drawing/2010/main" val="0"/>
+              </a:ext>
+            </a:extLst>
+          </a:blip>
+          <a:stretch>
+            <a:fillRect/>
+          </a:stretch>
+        </p:blipFill>
+        <p:spPr>
+          <a:xfrm>
+            <a:off x="2222500" y="2762250"/>
+            <a:ext cx="4743450" cy="2190750"/>
+          </a:xfrm>
+        </p:spPr>
+      </p:pic>
+    </p:spTree>
+    <p:extLst>
+      <p:ext uri="{BB962C8B-B14F-4D97-AF65-F5344CB8AC3E}">
+        <p14:creationId xmlns:p14="http://schemas.microsoft.com/office/powerpoint/2010/main" val="1918949546"/>
+      </p:ext>
+    </p:extLst>
+  </p:cSld>
+  <p:clrMapOvr>
+    <a:masterClrMapping/>
+  </p:clrMapOvr>
+</p:sld>
+</file>
+
+<file path=ppt/slides/slide17.xml><?xml version="1.0" encoding="utf-8"?>
+<p:sld xmlns:a="http://schemas.openxmlformats.org/drawingml/2006/main" xmlns:r="http://schemas.openxmlformats.org/officeDocument/2006/relationships" xmlns:p="http://schemas.openxmlformats.org/presentationml/2006/main">
+  <p:cSld>
+    <p:spTree>
+      <p:nvGrpSpPr>
+        <p:cNvPr id="1" name=""/>
+        <p:cNvGrpSpPr/>
+        <p:nvPr/>
+      </p:nvGrpSpPr>
+      <p:grpSpPr>
+        <a:xfrm>
+          <a:off x="0" y="0"/>
+          <a:ext cx="0" cy="0"/>
+          <a:chOff x="0" y="0"/>
+          <a:chExt cx="0" cy="0"/>
+        </a:xfrm>
+      </p:grpSpPr>
+      <p:sp>
+        <p:nvSpPr>
+          <p:cNvPr id="2" name="标题 1"/>
+          <p:cNvSpPr>
+            <a:spLocks noGrp="1"/>
+          </p:cNvSpPr>
+          <p:nvPr>
+            <p:ph type="title"/>
+          </p:nvPr>
+        </p:nvSpPr>
+        <p:spPr/>
+        <p:txBody>
+          <a:bodyPr>
+            <a:normAutofit/>
+          </a:bodyPr>
+          <a:lstStyle/>
+          <a:p>
+            <a:r>
+              <a:rPr lang="en-US" altLang="zh-CN" sz="4000" dirty="0" smtClean="0"/>
+              <a:t>P2P</a:t>
+            </a:r>
+            <a:r>
+              <a:rPr lang="zh-CN" altLang="en-US" sz="4000" dirty="0" smtClean="0"/>
+              <a:t>与</a:t>
+            </a:r>
+            <a:r>
+              <a:rPr lang="en-US" altLang="zh-CN" sz="4000" dirty="0" smtClean="0"/>
+              <a:t>P4P</a:t>
+            </a:r>
+            <a:endParaRPr lang="zh-CN" altLang="en-US" sz="4000" dirty="0"/>
+          </a:p>
+        </p:txBody>
+      </p:sp>
+      <p:sp>
+        <p:nvSpPr>
+          <p:cNvPr id="3" name="内容占位符 2"/>
+          <p:cNvSpPr>
+            <a:spLocks noGrp="1"/>
+          </p:cNvSpPr>
+          <p:nvPr>
+            <p:ph idx="1"/>
+          </p:nvPr>
+        </p:nvSpPr>
+        <p:spPr/>
+        <p:txBody>
+          <a:bodyPr/>
+          <a:lstStyle/>
+          <a:p>
+            <a:pPr>
+              <a:buFont typeface="Wingdings" panose="05000000000000000000" pitchFamily="2" charset="2"/>
+              <a:buChar char="l"/>
+            </a:pPr>
+            <a:r>
+              <a:rPr lang="en-US" altLang="zh-CN" sz="2800" dirty="0" smtClean="0"/>
+              <a:t>P2P</a:t>
+            </a:r>
+            <a:r>
+              <a:rPr lang="zh-CN" altLang="en-US" sz="2800" dirty="0" smtClean="0"/>
+              <a:t>对等网络（</a:t>
+            </a:r>
+            <a:r>
+              <a:rPr lang="en-US" altLang="zh-CN" sz="2800" dirty="0" smtClean="0"/>
+              <a:t>Peer to Peer</a:t>
+            </a:r>
+            <a:r>
+              <a:rPr lang="zh-CN" altLang="en-US" sz="2800" dirty="0" smtClean="0"/>
+              <a:t>）是一种资源（计算、存储、通信与信息等）分布利用与共享的网络体系架构。</a:t>
+            </a:r>
+            <a:endParaRPr lang="en-US" altLang="zh-CN" sz="2800" dirty="0" smtClean="0"/>
+          </a:p>
+          <a:p>
+            <a:pPr>
+              <a:buFont typeface="Wingdings" panose="05000000000000000000" pitchFamily="2" charset="2"/>
+              <a:buChar char="l"/>
+            </a:pPr>
+            <a:r>
+              <a:rPr lang="zh-CN" altLang="en-US" sz="2800" dirty="0" smtClean="0"/>
+              <a:t>采用分布式数据管理能力，发挥对等节点性能，提升系统能力，是移动互联网核心业务和网络节点扁平化自组织管理的重要方式。</a:t>
+            </a:r>
+            <a:endParaRPr lang="en-US" altLang="zh-CN" sz="2800" dirty="0" smtClean="0"/>
+          </a:p>
+          <a:p>
+            <a:pPr>
+              <a:buFont typeface="Wingdings" panose="05000000000000000000" pitchFamily="2" charset="2"/>
+              <a:buChar char="l"/>
+            </a:pPr>
+            <a:r>
+              <a:rPr lang="en-US" altLang="zh-CN" sz="2800" dirty="0" smtClean="0"/>
+              <a:t>P4P</a:t>
+            </a:r>
+            <a:r>
+              <a:rPr lang="zh-CN" altLang="en-US" sz="2800" dirty="0" smtClean="0"/>
+              <a:t>是改良的</a:t>
+            </a:r>
+            <a:r>
+              <a:rPr lang="en-US" altLang="zh-CN" sz="2800" dirty="0" smtClean="0"/>
+              <a:t>P2P</a:t>
+            </a:r>
+            <a:r>
+              <a:rPr lang="zh-CN" altLang="en-US" sz="2800" dirty="0" smtClean="0"/>
+              <a:t>，强调效率和可管理，可以协调网络拓扑数据，提供网络路由效率，可以应用在流媒体、内容下载、</a:t>
+            </a:r>
+            <a:r>
+              <a:rPr lang="en-US" altLang="zh-CN" sz="2800" dirty="0" smtClean="0"/>
+              <a:t>CDN</a:t>
+            </a:r>
+            <a:r>
+              <a:rPr lang="zh-CN" altLang="en-US" sz="2800" dirty="0" smtClean="0"/>
+              <a:t>和业务调度等方面。</a:t>
+            </a:r>
+            <a:endParaRPr lang="zh-CN" altLang="en-US" sz="2800" dirty="0"/>
+          </a:p>
+        </p:txBody>
+      </p:sp>
+    </p:spTree>
+    <p:extLst>
+      <p:ext uri="{BB962C8B-B14F-4D97-AF65-F5344CB8AC3E}">
+        <p14:creationId xmlns:p14="http://schemas.microsoft.com/office/powerpoint/2010/main" val="729830264"/>
+      </p:ext>
+    </p:extLst>
+  </p:cSld>
+  <p:clrMapOvr>
+    <a:masterClrMapping/>
+  </p:clrMapOvr>
+  <p:timing>
+    <p:tnLst>
+      <p:par>
+        <p:cTn id="1" dur="indefinite" restart="never" nodeType="tmRoot"/>
+      </p:par>
+    </p:tnLst>
+  </p:timing>
+</p:sld>
+</file>
+
+<file path=ppt/slides/slide18.xml><?xml version="1.0" encoding="utf-8"?>
+<p:sld xmlns:a="http://schemas.openxmlformats.org/drawingml/2006/main" xmlns:r="http://schemas.openxmlformats.org/officeDocument/2006/relationships" xmlns:p="http://schemas.openxmlformats.org/presentationml/2006/main">
+  <p:cSld>
+    <p:spTree>
+      <p:nvGrpSpPr>
+        <p:cNvPr id="1" name=""/>
+        <p:cNvGrpSpPr/>
+        <p:nvPr/>
+      </p:nvGrpSpPr>
+      <p:grpSpPr>
+        <a:xfrm>
+          <a:off x="0" y="0"/>
+          <a:ext cx="0" cy="0"/>
+          <a:chOff x="0" y="0"/>
+          <a:chExt cx="0" cy="0"/>
+        </a:xfrm>
+      </p:grpSpPr>
+      <p:sp>
+        <p:nvSpPr>
+          <p:cNvPr id="2" name="标题 1"/>
+          <p:cNvSpPr>
+            <a:spLocks noGrp="1"/>
+          </p:cNvSpPr>
+          <p:nvPr>
+            <p:ph type="title"/>
+          </p:nvPr>
+        </p:nvSpPr>
+        <p:spPr/>
+        <p:txBody>
+          <a:bodyPr/>
+          <a:lstStyle/>
+          <a:p>
+            <a:r>
               <a:rPr lang="en-US" altLang="zh-CN" dirty="0" smtClean="0"/>
               <a:t>P2P</a:t>
             </a:r>
@@ -17697,7 +18148,7 @@
 </p:sld>
 </file>
 
-<file path=ppt/slides/slide17.xml><?xml version="1.0" encoding="utf-8"?>
+<file path=ppt/slides/slide19.xml><?xml version="1.0" encoding="utf-8"?>
 <p:sld xmlns:a="http://schemas.openxmlformats.org/drawingml/2006/main" xmlns:r="http://schemas.openxmlformats.org/officeDocument/2006/relationships" xmlns:p="http://schemas.openxmlformats.org/presentationml/2006/main">
   <p:cSld>
     <p:spTree>
@@ -17987,200 +18438,6 @@
 </p:sld>
 </file>
 
-<file path=ppt/slides/slide18.xml><?xml version="1.0" encoding="utf-8"?>
-<p:sld xmlns:a="http://schemas.openxmlformats.org/drawingml/2006/main" xmlns:r="http://schemas.openxmlformats.org/officeDocument/2006/relationships" xmlns:p="http://schemas.openxmlformats.org/presentationml/2006/main">
-  <p:cSld>
-    <p:spTree>
-      <p:nvGrpSpPr>
-        <p:cNvPr id="1" name=""/>
-        <p:cNvGrpSpPr/>
-        <p:nvPr/>
-      </p:nvGrpSpPr>
-      <p:grpSpPr>
-        <a:xfrm>
-          <a:off x="0" y="0"/>
-          <a:ext cx="0" cy="0"/>
-          <a:chOff x="0" y="0"/>
-          <a:chExt cx="0" cy="0"/>
-        </a:xfrm>
-      </p:grpSpPr>
-      <p:sp>
-        <p:nvSpPr>
-          <p:cNvPr id="2" name="标题 1"/>
-          <p:cNvSpPr>
-            <a:spLocks noGrp="1"/>
-          </p:cNvSpPr>
-          <p:nvPr>
-            <p:ph type="title"/>
-          </p:nvPr>
-        </p:nvSpPr>
-        <p:spPr/>
-        <p:txBody>
-          <a:bodyPr/>
-          <a:lstStyle/>
-          <a:p>
-            <a:r>
-              <a:rPr lang="zh-CN" altLang="en-US" dirty="0" smtClean="0"/>
-              <a:t>云计算技术</a:t>
-            </a:r>
-            <a:endParaRPr lang="zh-CN" altLang="en-US" dirty="0"/>
-          </a:p>
-        </p:txBody>
-      </p:sp>
-      <p:sp>
-        <p:nvSpPr>
-          <p:cNvPr id="3" name="内容占位符 2"/>
-          <p:cNvSpPr>
-            <a:spLocks noGrp="1"/>
-          </p:cNvSpPr>
-          <p:nvPr>
-            <p:ph idx="1"/>
-          </p:nvPr>
-        </p:nvSpPr>
-        <p:spPr/>
-        <p:txBody>
-          <a:bodyPr/>
-          <a:lstStyle/>
-          <a:p>
-            <a:pPr>
-              <a:buFont typeface="Wingdings" panose="05000000000000000000" pitchFamily="2" charset="2"/>
-              <a:buChar char="l"/>
-            </a:pPr>
-            <a:r>
-              <a:rPr lang="zh-CN" altLang="en-US" sz="2800" dirty="0" smtClean="0"/>
-              <a:t>云计算（</a:t>
-            </a:r>
-            <a:r>
-              <a:rPr lang="en-US" altLang="zh-CN" sz="2800" dirty="0" smtClean="0"/>
-              <a:t>Cloud Computing</a:t>
-            </a:r>
-            <a:r>
-              <a:rPr lang="zh-CN" altLang="en-US" sz="2800" dirty="0" smtClean="0"/>
-              <a:t>）是分布式计算技术的一种，基本概念是透过网络将庞大的计算处理程序自动分拆成无数个较小的子程序，再交由多部服务器所组成的庞大系统经过搜寻、计算分析之后将处理结果回传给用户。</a:t>
-            </a:r>
-            <a:endParaRPr lang="en-US" altLang="zh-CN" sz="2800" dirty="0" smtClean="0"/>
-          </a:p>
-          <a:p>
-            <a:pPr>
-              <a:buFont typeface="Wingdings" panose="05000000000000000000" pitchFamily="2" charset="2"/>
-              <a:buChar char="l"/>
-            </a:pPr>
-            <a:r>
-              <a:rPr lang="zh-CN" altLang="en-US" sz="2800" dirty="0" smtClean="0"/>
-              <a:t>云计算是一种自愿交付和使用模式，通过网络获得应用所需的资源，提供资源的网络被称之为“云”。</a:t>
-            </a:r>
-            <a:endParaRPr lang="zh-CN" altLang="en-US" sz="2800" dirty="0"/>
-          </a:p>
-        </p:txBody>
-      </p:sp>
-    </p:spTree>
-    <p:extLst>
-      <p:ext uri="{BB962C8B-B14F-4D97-AF65-F5344CB8AC3E}">
-        <p14:creationId xmlns:p14="http://schemas.microsoft.com/office/powerpoint/2010/main" val="4248618819"/>
-      </p:ext>
-    </p:extLst>
-  </p:cSld>
-  <p:clrMapOvr>
-    <a:masterClrMapping/>
-  </p:clrMapOvr>
-  <p:timing>
-    <p:tnLst>
-      <p:par>
-        <p:cTn id="1" dur="indefinite" restart="never" nodeType="tmRoot"/>
-      </p:par>
-    </p:tnLst>
-  </p:timing>
-</p:sld>
-</file>
-
-<file path=ppt/slides/slide19.xml><?xml version="1.0" encoding="utf-8"?>
-<p:sld xmlns:a="http://schemas.openxmlformats.org/drawingml/2006/main" xmlns:r="http://schemas.openxmlformats.org/officeDocument/2006/relationships" xmlns:p="http://schemas.openxmlformats.org/presentationml/2006/main">
-  <p:cSld>
-    <p:spTree>
-      <p:nvGrpSpPr>
-        <p:cNvPr id="1" name=""/>
-        <p:cNvGrpSpPr/>
-        <p:nvPr/>
-      </p:nvGrpSpPr>
-      <p:grpSpPr>
-        <a:xfrm>
-          <a:off x="0" y="0"/>
-          <a:ext cx="0" cy="0"/>
-          <a:chOff x="0" y="0"/>
-          <a:chExt cx="0" cy="0"/>
-        </a:xfrm>
-      </p:grpSpPr>
-      <p:sp>
-        <p:nvSpPr>
-          <p:cNvPr id="2" name="标题 1"/>
-          <p:cNvSpPr>
-            <a:spLocks noGrp="1"/>
-          </p:cNvSpPr>
-          <p:nvPr>
-            <p:ph type="title"/>
-          </p:nvPr>
-        </p:nvSpPr>
-        <p:spPr/>
-        <p:txBody>
-          <a:bodyPr/>
-          <a:lstStyle/>
-          <a:p>
-            <a:r>
-              <a:rPr lang="en-US" altLang="zh-CN" dirty="0" smtClean="0"/>
-              <a:t>Map-Reduce</a:t>
-            </a:r>
-            <a:endParaRPr lang="zh-CN" altLang="en-US" dirty="0"/>
-          </a:p>
-        </p:txBody>
-      </p:sp>
-      <p:pic>
-        <p:nvPicPr>
-          <p:cNvPr id="4" name="内容占位符 3"/>
-          <p:cNvPicPr>
-            <a:picLocks noGrp="1" noChangeAspect="1"/>
-          </p:cNvPicPr>
-          <p:nvPr>
-            <p:ph idx="1"/>
-          </p:nvPr>
-        </p:nvPicPr>
-        <p:blipFill rotWithShape="1">
-          <a:blip r:embed="rId2">
-            <a:extLst>
-              <a:ext uri="{28A0092B-C50C-407E-A947-70E740481C1C}">
-                <a14:useLocalDpi xmlns:a14="http://schemas.microsoft.com/office/drawing/2010/main" val="0"/>
-              </a:ext>
-            </a:extLst>
-          </a:blip>
-          <a:srcRect l="2249" t="2718" r="2058" b="5694"/>
-          <a:stretch/>
-        </p:blipFill>
-        <p:spPr>
-          <a:xfrm>
-            <a:off x="1490597" y="2016691"/>
-            <a:ext cx="5956127" cy="3444657"/>
-          </a:xfrm>
-        </p:spPr>
-      </p:pic>
-    </p:spTree>
-    <p:extLst>
-      <p:ext uri="{BB962C8B-B14F-4D97-AF65-F5344CB8AC3E}">
-        <p14:creationId xmlns:p14="http://schemas.microsoft.com/office/powerpoint/2010/main" val="2175163133"/>
-      </p:ext>
-    </p:extLst>
-  </p:cSld>
-  <p:clrMapOvr>
-    <a:masterClrMapping/>
-  </p:clrMapOvr>
-  <p:timing>
-    <p:tnLst>
-      <p:par>
-        <p:cTn id="1" dur="indefinite" restart="never" nodeType="tmRoot"/>
-      </p:par>
-    </p:tnLst>
-  </p:timing>
-</p:sld>
-</file>
-
 <file path=ppt/slides/slide2.xml><?xml version="1.0" encoding="utf-8"?>
 <p:sld xmlns:a="http://schemas.openxmlformats.org/drawingml/2006/main" xmlns:r="http://schemas.openxmlformats.org/officeDocument/2006/relationships" xmlns:p="http://schemas.openxmlformats.org/presentationml/2006/main">
   <p:cSld>
@@ -18273,6 +18530,200 @@
           <a:lstStyle/>
           <a:p>
             <a:r>
+              <a:rPr lang="zh-CN" altLang="en-US" dirty="0" smtClean="0"/>
+              <a:t>云计算技术</a:t>
+            </a:r>
+            <a:endParaRPr lang="zh-CN" altLang="en-US" dirty="0"/>
+          </a:p>
+        </p:txBody>
+      </p:sp>
+      <p:sp>
+        <p:nvSpPr>
+          <p:cNvPr id="3" name="内容占位符 2"/>
+          <p:cNvSpPr>
+            <a:spLocks noGrp="1"/>
+          </p:cNvSpPr>
+          <p:nvPr>
+            <p:ph idx="1"/>
+          </p:nvPr>
+        </p:nvSpPr>
+        <p:spPr/>
+        <p:txBody>
+          <a:bodyPr/>
+          <a:lstStyle/>
+          <a:p>
+            <a:pPr>
+              <a:buFont typeface="Wingdings" panose="05000000000000000000" pitchFamily="2" charset="2"/>
+              <a:buChar char="l"/>
+            </a:pPr>
+            <a:r>
+              <a:rPr lang="zh-CN" altLang="en-US" sz="2800" dirty="0" smtClean="0"/>
+              <a:t>云计算（</a:t>
+            </a:r>
+            <a:r>
+              <a:rPr lang="en-US" altLang="zh-CN" sz="2800" dirty="0" smtClean="0"/>
+              <a:t>Cloud Computing</a:t>
+            </a:r>
+            <a:r>
+              <a:rPr lang="zh-CN" altLang="en-US" sz="2800" dirty="0" smtClean="0"/>
+              <a:t>）是分布式计算技术的一种，基本概念是透过网络将庞大的计算处理程序自动分拆成无数个较小的子程序，再交由多部服务器所组成的庞大系统经过搜寻、计算分析之后将处理结果回传给用户。</a:t>
+            </a:r>
+            <a:endParaRPr lang="en-US" altLang="zh-CN" sz="2800" dirty="0" smtClean="0"/>
+          </a:p>
+          <a:p>
+            <a:pPr>
+              <a:buFont typeface="Wingdings" panose="05000000000000000000" pitchFamily="2" charset="2"/>
+              <a:buChar char="l"/>
+            </a:pPr>
+            <a:r>
+              <a:rPr lang="zh-CN" altLang="en-US" sz="2800" dirty="0" smtClean="0"/>
+              <a:t>云计算是一种自愿交付和使用模式，通过网络获得应用所需的资源，提供资源的网络被称之为“云”。</a:t>
+            </a:r>
+            <a:endParaRPr lang="zh-CN" altLang="en-US" sz="2800" dirty="0"/>
+          </a:p>
+        </p:txBody>
+      </p:sp>
+    </p:spTree>
+    <p:extLst>
+      <p:ext uri="{BB962C8B-B14F-4D97-AF65-F5344CB8AC3E}">
+        <p14:creationId xmlns:p14="http://schemas.microsoft.com/office/powerpoint/2010/main" val="4248618819"/>
+      </p:ext>
+    </p:extLst>
+  </p:cSld>
+  <p:clrMapOvr>
+    <a:masterClrMapping/>
+  </p:clrMapOvr>
+  <p:timing>
+    <p:tnLst>
+      <p:par>
+        <p:cTn id="1" dur="indefinite" restart="never" nodeType="tmRoot"/>
+      </p:par>
+    </p:tnLst>
+  </p:timing>
+</p:sld>
+</file>
+
+<file path=ppt/slides/slide21.xml><?xml version="1.0" encoding="utf-8"?>
+<p:sld xmlns:a="http://schemas.openxmlformats.org/drawingml/2006/main" xmlns:r="http://schemas.openxmlformats.org/officeDocument/2006/relationships" xmlns:p="http://schemas.openxmlformats.org/presentationml/2006/main">
+  <p:cSld>
+    <p:spTree>
+      <p:nvGrpSpPr>
+        <p:cNvPr id="1" name=""/>
+        <p:cNvGrpSpPr/>
+        <p:nvPr/>
+      </p:nvGrpSpPr>
+      <p:grpSpPr>
+        <a:xfrm>
+          <a:off x="0" y="0"/>
+          <a:ext cx="0" cy="0"/>
+          <a:chOff x="0" y="0"/>
+          <a:chExt cx="0" cy="0"/>
+        </a:xfrm>
+      </p:grpSpPr>
+      <p:sp>
+        <p:nvSpPr>
+          <p:cNvPr id="2" name="标题 1"/>
+          <p:cNvSpPr>
+            <a:spLocks noGrp="1"/>
+          </p:cNvSpPr>
+          <p:nvPr>
+            <p:ph type="title"/>
+          </p:nvPr>
+        </p:nvSpPr>
+        <p:spPr/>
+        <p:txBody>
+          <a:bodyPr/>
+          <a:lstStyle/>
+          <a:p>
+            <a:r>
+              <a:rPr lang="en-US" altLang="zh-CN" dirty="0" smtClean="0"/>
+              <a:t>Map-Reduce</a:t>
+            </a:r>
+            <a:endParaRPr lang="zh-CN" altLang="en-US" dirty="0"/>
+          </a:p>
+        </p:txBody>
+      </p:sp>
+      <p:pic>
+        <p:nvPicPr>
+          <p:cNvPr id="4" name="内容占位符 3"/>
+          <p:cNvPicPr>
+            <a:picLocks noGrp="1" noChangeAspect="1"/>
+          </p:cNvPicPr>
+          <p:nvPr>
+            <p:ph idx="1"/>
+          </p:nvPr>
+        </p:nvPicPr>
+        <p:blipFill rotWithShape="1">
+          <a:blip r:embed="rId2">
+            <a:extLst>
+              <a:ext uri="{28A0092B-C50C-407E-A947-70E740481C1C}">
+                <a14:useLocalDpi xmlns:a14="http://schemas.microsoft.com/office/drawing/2010/main" val="0"/>
+              </a:ext>
+            </a:extLst>
+          </a:blip>
+          <a:srcRect l="2249" t="2718" r="2058" b="5694"/>
+          <a:stretch/>
+        </p:blipFill>
+        <p:spPr>
+          <a:xfrm>
+            <a:off x="1490597" y="2016691"/>
+            <a:ext cx="5956127" cy="3444657"/>
+          </a:xfrm>
+        </p:spPr>
+      </p:pic>
+    </p:spTree>
+    <p:extLst>
+      <p:ext uri="{BB962C8B-B14F-4D97-AF65-F5344CB8AC3E}">
+        <p14:creationId xmlns:p14="http://schemas.microsoft.com/office/powerpoint/2010/main" val="2175163133"/>
+      </p:ext>
+    </p:extLst>
+  </p:cSld>
+  <p:clrMapOvr>
+    <a:masterClrMapping/>
+  </p:clrMapOvr>
+  <p:timing>
+    <p:tnLst>
+      <p:par>
+        <p:cTn id="1" dur="indefinite" restart="never" nodeType="tmRoot"/>
+      </p:par>
+    </p:tnLst>
+  </p:timing>
+</p:sld>
+</file>
+
+<file path=ppt/slides/slide22.xml><?xml version="1.0" encoding="utf-8"?>
+<p:sld xmlns:a="http://schemas.openxmlformats.org/drawingml/2006/main" xmlns:r="http://schemas.openxmlformats.org/officeDocument/2006/relationships" xmlns:p="http://schemas.openxmlformats.org/presentationml/2006/main">
+  <p:cSld>
+    <p:spTree>
+      <p:nvGrpSpPr>
+        <p:cNvPr id="1" name=""/>
+        <p:cNvGrpSpPr/>
+        <p:nvPr/>
+      </p:nvGrpSpPr>
+      <p:grpSpPr>
+        <a:xfrm>
+          <a:off x="0" y="0"/>
+          <a:ext cx="0" cy="0"/>
+          <a:chOff x="0" y="0"/>
+          <a:chExt cx="0" cy="0"/>
+        </a:xfrm>
+      </p:grpSpPr>
+      <p:sp>
+        <p:nvSpPr>
+          <p:cNvPr id="2" name="标题 1"/>
+          <p:cNvSpPr>
+            <a:spLocks noGrp="1"/>
+          </p:cNvSpPr>
+          <p:nvPr>
+            <p:ph type="title"/>
+          </p:nvPr>
+        </p:nvSpPr>
+        <p:spPr/>
+        <p:txBody>
+          <a:bodyPr/>
+          <a:lstStyle/>
+          <a:p>
+            <a:r>
               <a:rPr lang="zh-CN" altLang="en-US" dirty="0"/>
               <a:t>云</a:t>
             </a:r>
@@ -18437,7 +18888,7 @@
 </p:sld>
 </file>
 
-<file path=ppt/slides/slide21.xml><?xml version="1.0" encoding="utf-8"?>
+<file path=ppt/slides/slide23.xml><?xml version="1.0" encoding="utf-8"?>
 <p:sld xmlns:a="http://schemas.openxmlformats.org/drawingml/2006/main" xmlns:r="http://schemas.openxmlformats.org/officeDocument/2006/relationships" xmlns:p="http://schemas.openxmlformats.org/presentationml/2006/main">
   <p:cSld>
     <p:spTree>
@@ -18526,7 +18977,7 @@
 </p:sld>
 </file>
 
-<file path=ppt/slides/slide22.xml><?xml version="1.0" encoding="utf-8"?>
+<file path=ppt/slides/slide24.xml><?xml version="1.0" encoding="utf-8"?>
 <p:sld xmlns:a="http://schemas.openxmlformats.org/drawingml/2006/main" xmlns:r="http://schemas.openxmlformats.org/officeDocument/2006/relationships" xmlns:p="http://schemas.openxmlformats.org/presentationml/2006/main">
   <p:cSld>
     <p:spTree>
@@ -18615,7 +19066,7 @@
 </p:sld>
 </file>
 
-<file path=ppt/slides/slide23.xml><?xml version="1.0" encoding="utf-8"?>
+<file path=ppt/slides/slide25.xml><?xml version="1.0" encoding="utf-8"?>
 <p:sld xmlns:a="http://schemas.openxmlformats.org/drawingml/2006/main" xmlns:r="http://schemas.openxmlformats.org/officeDocument/2006/relationships" xmlns:p="http://schemas.openxmlformats.org/presentationml/2006/main">
   <p:cSld>
     <p:spTree>
@@ -18935,7 +19386,7 @@
 </p:sld>
 </file>
 
-<file path=ppt/slides/slide24.xml><?xml version="1.0" encoding="utf-8"?>
+<file path=ppt/slides/slide26.xml><?xml version="1.0" encoding="utf-8"?>
 <p:sld xmlns:a="http://schemas.openxmlformats.org/drawingml/2006/main" xmlns:r="http://schemas.openxmlformats.org/officeDocument/2006/relationships" xmlns:p="http://schemas.openxmlformats.org/presentationml/2006/main">
   <p:cSld>
     <p:spTree>
@@ -18994,315 +19445,6 @@
 </p:sld>
 </file>
 
-<file path=ppt/slides/slide25.xml><?xml version="1.0" encoding="utf-8"?>
-<p:sld xmlns:a="http://schemas.openxmlformats.org/drawingml/2006/main" xmlns:r="http://schemas.openxmlformats.org/officeDocument/2006/relationships" xmlns:p="http://schemas.openxmlformats.org/presentationml/2006/main">
-  <p:cSld>
-    <p:spTree>
-      <p:nvGrpSpPr>
-        <p:cNvPr id="1" name=""/>
-        <p:cNvGrpSpPr/>
-        <p:nvPr/>
-      </p:nvGrpSpPr>
-      <p:grpSpPr>
-        <a:xfrm>
-          <a:off x="0" y="0"/>
-          <a:ext cx="0" cy="0"/>
-          <a:chOff x="0" y="0"/>
-          <a:chExt cx="0" cy="0"/>
-        </a:xfrm>
-      </p:grpSpPr>
-      <p:sp>
-        <p:nvSpPr>
-          <p:cNvPr id="2" name="标题 1"/>
-          <p:cNvSpPr>
-            <a:spLocks noGrp="1"/>
-          </p:cNvSpPr>
-          <p:nvPr>
-            <p:ph type="title"/>
-          </p:nvPr>
-        </p:nvSpPr>
-        <p:spPr/>
-        <p:txBody>
-          <a:bodyPr/>
-          <a:lstStyle/>
-          <a:p>
-            <a:r>
-              <a:rPr lang="zh-CN" altLang="en-US" dirty="0" smtClean="0"/>
-              <a:t>移动互联网的运营支撑系统</a:t>
-            </a:r>
-            <a:endParaRPr lang="zh-CN" altLang="en-US" dirty="0"/>
-          </a:p>
-        </p:txBody>
-      </p:sp>
-      <p:sp>
-        <p:nvSpPr>
-          <p:cNvPr id="3" name="内容占位符 2"/>
-          <p:cNvSpPr>
-            <a:spLocks noGrp="1"/>
-          </p:cNvSpPr>
-          <p:nvPr>
-            <p:ph idx="1"/>
-          </p:nvPr>
-        </p:nvSpPr>
-        <p:spPr/>
-        <p:txBody>
-          <a:bodyPr/>
-          <a:lstStyle/>
-          <a:p>
-            <a:pPr>
-              <a:lnSpc>
-                <a:spcPct val="150000"/>
-              </a:lnSpc>
-              <a:buFont typeface="Wingdings" panose="05000000000000000000" pitchFamily="2" charset="2"/>
-              <a:buChar char="l"/>
-            </a:pPr>
-            <a:r>
-              <a:rPr lang="zh-CN" altLang="en-US" sz="2400" dirty="0" smtClean="0"/>
-              <a:t>运营支撑系统包括</a:t>
-            </a:r>
-            <a:r>
-              <a:rPr lang="en-US" altLang="zh-CN" sz="2400" dirty="0" smtClean="0"/>
-              <a:t>BSS</a:t>
-            </a:r>
-            <a:r>
-              <a:rPr lang="zh-CN" altLang="en-US" sz="2400" dirty="0" smtClean="0"/>
-              <a:t>（</a:t>
-            </a:r>
-            <a:r>
-              <a:rPr lang="en-US" altLang="zh-CN" sz="2400" dirty="0" smtClean="0"/>
-              <a:t>Business Support System</a:t>
-            </a:r>
-            <a:r>
-              <a:rPr lang="zh-CN" altLang="en-US" sz="2400" dirty="0" smtClean="0"/>
-              <a:t>）和</a:t>
-            </a:r>
-            <a:r>
-              <a:rPr lang="en-US" altLang="zh-CN" sz="2400" dirty="0" smtClean="0"/>
-              <a:t>OSS</a:t>
-            </a:r>
-            <a:r>
-              <a:rPr lang="zh-CN" altLang="en-US" sz="2400" dirty="0" smtClean="0"/>
-              <a:t>（</a:t>
-            </a:r>
-            <a:r>
-              <a:rPr lang="en-US" altLang="zh-CN" sz="2400" dirty="0" smtClean="0"/>
-              <a:t>Operation Support System</a:t>
-            </a:r>
-            <a:r>
-              <a:rPr lang="zh-CN" altLang="en-US" sz="2400" dirty="0" smtClean="0"/>
-              <a:t>），已经成为电信运营管理本科缺少的组成部分。</a:t>
-            </a:r>
-            <a:endParaRPr lang="zh-CN" altLang="en-US" sz="2400" dirty="0"/>
-          </a:p>
-        </p:txBody>
-      </p:sp>
-    </p:spTree>
-    <p:extLst>
-      <p:ext uri="{BB962C8B-B14F-4D97-AF65-F5344CB8AC3E}">
-        <p14:creationId xmlns:p14="http://schemas.microsoft.com/office/powerpoint/2010/main" val="425601118"/>
-      </p:ext>
-    </p:extLst>
-  </p:cSld>
-  <p:clrMapOvr>
-    <a:masterClrMapping/>
-  </p:clrMapOvr>
-  <p:timing>
-    <p:tnLst>
-      <p:par>
-        <p:cTn id="1" dur="indefinite" restart="never" nodeType="tmRoot"/>
-      </p:par>
-    </p:tnLst>
-  </p:timing>
-</p:sld>
-</file>
-
-<file path=ppt/slides/slide26.xml><?xml version="1.0" encoding="utf-8"?>
-<p:sld xmlns:a="http://schemas.openxmlformats.org/drawingml/2006/main" xmlns:r="http://schemas.openxmlformats.org/officeDocument/2006/relationships" xmlns:p="http://schemas.openxmlformats.org/presentationml/2006/main">
-  <p:cSld>
-    <p:spTree>
-      <p:nvGrpSpPr>
-        <p:cNvPr id="1" name=""/>
-        <p:cNvGrpSpPr/>
-        <p:nvPr/>
-      </p:nvGrpSpPr>
-      <p:grpSpPr>
-        <a:xfrm>
-          <a:off x="0" y="0"/>
-          <a:ext cx="0" cy="0"/>
-          <a:chOff x="0" y="0"/>
-          <a:chExt cx="0" cy="0"/>
-        </a:xfrm>
-      </p:grpSpPr>
-      <p:sp>
-        <p:nvSpPr>
-          <p:cNvPr id="2" name="标题 1"/>
-          <p:cNvSpPr>
-            <a:spLocks noGrp="1"/>
-          </p:cNvSpPr>
-          <p:nvPr>
-            <p:ph type="title"/>
-          </p:nvPr>
-        </p:nvSpPr>
-        <p:spPr/>
-        <p:txBody>
-          <a:bodyPr/>
-          <a:lstStyle/>
-          <a:p>
-            <a:r>
-              <a:rPr lang="en-US" altLang="zh-CN" dirty="0" smtClean="0"/>
-              <a:t>BSSS/OSS</a:t>
-            </a:r>
-            <a:r>
-              <a:rPr lang="zh-CN" altLang="en-US" dirty="0" smtClean="0"/>
-              <a:t>介绍</a:t>
-            </a:r>
-            <a:endParaRPr lang="zh-CN" altLang="en-US" dirty="0"/>
-          </a:p>
-        </p:txBody>
-      </p:sp>
-      <p:sp>
-        <p:nvSpPr>
-          <p:cNvPr id="3" name="内容占位符 2"/>
-          <p:cNvSpPr>
-            <a:spLocks noGrp="1"/>
-          </p:cNvSpPr>
-          <p:nvPr>
-            <p:ph idx="1"/>
-          </p:nvPr>
-        </p:nvSpPr>
-        <p:spPr/>
-        <p:txBody>
-          <a:bodyPr/>
-          <a:lstStyle/>
-          <a:p>
-            <a:pPr>
-              <a:lnSpc>
-                <a:spcPct val="150000"/>
-              </a:lnSpc>
-              <a:buFont typeface="Wingdings" panose="05000000000000000000" pitchFamily="2" charset="2"/>
-              <a:buChar char="l"/>
-            </a:pPr>
-            <a:r>
-              <a:rPr lang="zh-CN" altLang="en-US" sz="2400" dirty="0"/>
-              <a:t>运营支持系统（</a:t>
-            </a:r>
-            <a:r>
-              <a:rPr lang="en-US" altLang="zh-CN" sz="2400" dirty="0"/>
-              <a:t>Operation Support System</a:t>
-            </a:r>
-            <a:r>
-              <a:rPr lang="zh-CN" altLang="en-US" sz="2400" dirty="0"/>
-              <a:t>，</a:t>
-            </a:r>
-            <a:r>
-              <a:rPr lang="en-US" altLang="zh-CN" sz="2400" dirty="0"/>
-              <a:t>OSS</a:t>
-            </a:r>
-            <a:r>
-              <a:rPr lang="zh-CN" altLang="en-US" sz="2400" dirty="0"/>
-              <a:t>）和业务支撑系统（</a:t>
-            </a:r>
-            <a:r>
-              <a:rPr lang="en-US" altLang="zh-CN" sz="2400" dirty="0"/>
-              <a:t>Business Support System</a:t>
-            </a:r>
-            <a:r>
-              <a:rPr lang="zh-CN" altLang="en-US" sz="2400" dirty="0"/>
-              <a:t>，</a:t>
-            </a:r>
-            <a:r>
-              <a:rPr lang="en-US" altLang="zh-CN" sz="2400" dirty="0"/>
-              <a:t>BSS</a:t>
-            </a:r>
-            <a:r>
-              <a:rPr lang="zh-CN" altLang="en-US" sz="2400" dirty="0"/>
-              <a:t>）是电信运营商的一体化、信息资源共享的支持系统</a:t>
-            </a:r>
-            <a:r>
-              <a:rPr lang="zh-CN" altLang="en-US" sz="2400" dirty="0" smtClean="0"/>
-              <a:t>。</a:t>
-            </a:r>
-            <a:endParaRPr lang="en-US" altLang="zh-CN" sz="2400" dirty="0" smtClean="0"/>
-          </a:p>
-          <a:p>
-            <a:pPr>
-              <a:lnSpc>
-                <a:spcPct val="150000"/>
-              </a:lnSpc>
-              <a:buFont typeface="Wingdings" panose="05000000000000000000" pitchFamily="2" charset="2"/>
-              <a:buChar char="l"/>
-            </a:pPr>
-            <a:r>
-              <a:rPr lang="en-US" altLang="zh-CN" sz="2400" dirty="0"/>
-              <a:t>OSS</a:t>
-            </a:r>
-            <a:r>
-              <a:rPr lang="zh-CN" altLang="en-US" sz="2400" dirty="0"/>
-              <a:t>是主体，</a:t>
-            </a:r>
-            <a:r>
-              <a:rPr lang="en-US" altLang="zh-CN" sz="2400" dirty="0"/>
-              <a:t>BSS</a:t>
-            </a:r>
-            <a:r>
-              <a:rPr lang="zh-CN" altLang="en-US" sz="2400" dirty="0"/>
-              <a:t>是基础。从客户的角度看，</a:t>
-            </a:r>
-            <a:r>
-              <a:rPr lang="en-US" altLang="zh-CN" sz="2400" dirty="0"/>
-              <a:t>OSS</a:t>
-            </a:r>
-            <a:r>
-              <a:rPr lang="zh-CN" altLang="en-US" sz="2400" dirty="0"/>
-              <a:t>和</a:t>
-            </a:r>
-            <a:r>
-              <a:rPr lang="en-US" altLang="zh-CN" sz="2400" dirty="0"/>
-              <a:t>BSS</a:t>
-            </a:r>
-            <a:r>
-              <a:rPr lang="zh-CN" altLang="en-US" sz="2400" dirty="0"/>
-              <a:t>之间没有区别。随着以客户为中心理念的盛行，服务商也渐渐淡化</a:t>
-            </a:r>
-            <a:r>
-              <a:rPr lang="en-US" altLang="zh-CN" sz="2400" dirty="0"/>
-              <a:t>OSS</a:t>
-            </a:r>
-            <a:r>
-              <a:rPr lang="zh-CN" altLang="en-US" sz="2400" dirty="0"/>
-              <a:t>和</a:t>
-            </a:r>
-            <a:r>
-              <a:rPr lang="en-US" altLang="zh-CN" sz="2400" dirty="0"/>
-              <a:t>BSS</a:t>
-            </a:r>
-            <a:r>
-              <a:rPr lang="zh-CN" altLang="en-US" sz="2400" dirty="0"/>
-              <a:t>之间的区别。</a:t>
-            </a:r>
-          </a:p>
-        </p:txBody>
-      </p:sp>
-    </p:spTree>
-    <p:extLst>
-      <p:ext uri="{BB962C8B-B14F-4D97-AF65-F5344CB8AC3E}">
-        <p14:creationId xmlns:p14="http://schemas.microsoft.com/office/powerpoint/2010/main" val="1829174404"/>
-      </p:ext>
-    </p:extLst>
-  </p:cSld>
-  <p:clrMapOvr>
-    <a:masterClrMapping/>
-  </p:clrMapOvr>
-  <p:timing>
-    <p:tnLst>
-      <p:par>
-        <p:cTn id="1" dur="indefinite" restart="never" nodeType="tmRoot"/>
-      </p:par>
-    </p:tnLst>
-  </p:timing>
-</p:sld>
-</file>
-
 <file path=ppt/slides/slide27.xml><?xml version="1.0" encoding="utf-8"?>
 <p:sld xmlns:a="http://schemas.openxmlformats.org/drawingml/2006/main" xmlns:r="http://schemas.openxmlformats.org/officeDocument/2006/relationships" xmlns:p="http://schemas.openxmlformats.org/presentationml/2006/main">
   <p:cSld>
@@ -19336,6 +19478,315 @@
           <a:lstStyle/>
           <a:p>
             <a:r>
+              <a:rPr lang="zh-CN" altLang="en-US" dirty="0" smtClean="0"/>
+              <a:t>移动互联网的运营支撑系统</a:t>
+            </a:r>
+            <a:endParaRPr lang="zh-CN" altLang="en-US" dirty="0"/>
+          </a:p>
+        </p:txBody>
+      </p:sp>
+      <p:sp>
+        <p:nvSpPr>
+          <p:cNvPr id="3" name="内容占位符 2"/>
+          <p:cNvSpPr>
+            <a:spLocks noGrp="1"/>
+          </p:cNvSpPr>
+          <p:nvPr>
+            <p:ph idx="1"/>
+          </p:nvPr>
+        </p:nvSpPr>
+        <p:spPr/>
+        <p:txBody>
+          <a:bodyPr/>
+          <a:lstStyle/>
+          <a:p>
+            <a:pPr>
+              <a:lnSpc>
+                <a:spcPct val="150000"/>
+              </a:lnSpc>
+              <a:buFont typeface="Wingdings" panose="05000000000000000000" pitchFamily="2" charset="2"/>
+              <a:buChar char="l"/>
+            </a:pPr>
+            <a:r>
+              <a:rPr lang="zh-CN" altLang="en-US" sz="2400" dirty="0" smtClean="0"/>
+              <a:t>运营支撑系统包括</a:t>
+            </a:r>
+            <a:r>
+              <a:rPr lang="en-US" altLang="zh-CN" sz="2400" dirty="0" smtClean="0"/>
+              <a:t>BSS</a:t>
+            </a:r>
+            <a:r>
+              <a:rPr lang="zh-CN" altLang="en-US" sz="2400" dirty="0" smtClean="0"/>
+              <a:t>（</a:t>
+            </a:r>
+            <a:r>
+              <a:rPr lang="en-US" altLang="zh-CN" sz="2400" dirty="0" smtClean="0"/>
+              <a:t>Business Support System</a:t>
+            </a:r>
+            <a:r>
+              <a:rPr lang="zh-CN" altLang="en-US" sz="2400" dirty="0" smtClean="0"/>
+              <a:t>）和</a:t>
+            </a:r>
+            <a:r>
+              <a:rPr lang="en-US" altLang="zh-CN" sz="2400" dirty="0" smtClean="0"/>
+              <a:t>OSS</a:t>
+            </a:r>
+            <a:r>
+              <a:rPr lang="zh-CN" altLang="en-US" sz="2400" dirty="0" smtClean="0"/>
+              <a:t>（</a:t>
+            </a:r>
+            <a:r>
+              <a:rPr lang="en-US" altLang="zh-CN" sz="2400" dirty="0" smtClean="0"/>
+              <a:t>Operation Support System</a:t>
+            </a:r>
+            <a:r>
+              <a:rPr lang="zh-CN" altLang="en-US" sz="2400" dirty="0" smtClean="0"/>
+              <a:t>），已经成为电信运营管理本科缺少的组成部分。</a:t>
+            </a:r>
+            <a:endParaRPr lang="zh-CN" altLang="en-US" sz="2400" dirty="0"/>
+          </a:p>
+        </p:txBody>
+      </p:sp>
+    </p:spTree>
+    <p:extLst>
+      <p:ext uri="{BB962C8B-B14F-4D97-AF65-F5344CB8AC3E}">
+        <p14:creationId xmlns:p14="http://schemas.microsoft.com/office/powerpoint/2010/main" val="425601118"/>
+      </p:ext>
+    </p:extLst>
+  </p:cSld>
+  <p:clrMapOvr>
+    <a:masterClrMapping/>
+  </p:clrMapOvr>
+  <p:timing>
+    <p:tnLst>
+      <p:par>
+        <p:cTn id="1" dur="indefinite" restart="never" nodeType="tmRoot"/>
+      </p:par>
+    </p:tnLst>
+  </p:timing>
+</p:sld>
+</file>
+
+<file path=ppt/slides/slide28.xml><?xml version="1.0" encoding="utf-8"?>
+<p:sld xmlns:a="http://schemas.openxmlformats.org/drawingml/2006/main" xmlns:r="http://schemas.openxmlformats.org/officeDocument/2006/relationships" xmlns:p="http://schemas.openxmlformats.org/presentationml/2006/main">
+  <p:cSld>
+    <p:spTree>
+      <p:nvGrpSpPr>
+        <p:cNvPr id="1" name=""/>
+        <p:cNvGrpSpPr/>
+        <p:nvPr/>
+      </p:nvGrpSpPr>
+      <p:grpSpPr>
+        <a:xfrm>
+          <a:off x="0" y="0"/>
+          <a:ext cx="0" cy="0"/>
+          <a:chOff x="0" y="0"/>
+          <a:chExt cx="0" cy="0"/>
+        </a:xfrm>
+      </p:grpSpPr>
+      <p:sp>
+        <p:nvSpPr>
+          <p:cNvPr id="2" name="标题 1"/>
+          <p:cNvSpPr>
+            <a:spLocks noGrp="1"/>
+          </p:cNvSpPr>
+          <p:nvPr>
+            <p:ph type="title"/>
+          </p:nvPr>
+        </p:nvSpPr>
+        <p:spPr/>
+        <p:txBody>
+          <a:bodyPr/>
+          <a:lstStyle/>
+          <a:p>
+            <a:r>
+              <a:rPr lang="en-US" altLang="zh-CN" dirty="0" smtClean="0"/>
+              <a:t>BSSS/OSS</a:t>
+            </a:r>
+            <a:r>
+              <a:rPr lang="zh-CN" altLang="en-US" dirty="0" smtClean="0"/>
+              <a:t>介绍</a:t>
+            </a:r>
+            <a:endParaRPr lang="zh-CN" altLang="en-US" dirty="0"/>
+          </a:p>
+        </p:txBody>
+      </p:sp>
+      <p:sp>
+        <p:nvSpPr>
+          <p:cNvPr id="3" name="内容占位符 2"/>
+          <p:cNvSpPr>
+            <a:spLocks noGrp="1"/>
+          </p:cNvSpPr>
+          <p:nvPr>
+            <p:ph idx="1"/>
+          </p:nvPr>
+        </p:nvSpPr>
+        <p:spPr/>
+        <p:txBody>
+          <a:bodyPr/>
+          <a:lstStyle/>
+          <a:p>
+            <a:pPr>
+              <a:lnSpc>
+                <a:spcPct val="150000"/>
+              </a:lnSpc>
+              <a:buFont typeface="Wingdings" panose="05000000000000000000" pitchFamily="2" charset="2"/>
+              <a:buChar char="l"/>
+            </a:pPr>
+            <a:r>
+              <a:rPr lang="zh-CN" altLang="en-US" sz="2400" dirty="0"/>
+              <a:t>运营支持系统（</a:t>
+            </a:r>
+            <a:r>
+              <a:rPr lang="en-US" altLang="zh-CN" sz="2400" dirty="0"/>
+              <a:t>Operation Support System</a:t>
+            </a:r>
+            <a:r>
+              <a:rPr lang="zh-CN" altLang="en-US" sz="2400" dirty="0"/>
+              <a:t>，</a:t>
+            </a:r>
+            <a:r>
+              <a:rPr lang="en-US" altLang="zh-CN" sz="2400" dirty="0"/>
+              <a:t>OSS</a:t>
+            </a:r>
+            <a:r>
+              <a:rPr lang="zh-CN" altLang="en-US" sz="2400" dirty="0"/>
+              <a:t>）和业务支撑系统（</a:t>
+            </a:r>
+            <a:r>
+              <a:rPr lang="en-US" altLang="zh-CN" sz="2400" dirty="0"/>
+              <a:t>Business Support System</a:t>
+            </a:r>
+            <a:r>
+              <a:rPr lang="zh-CN" altLang="en-US" sz="2400" dirty="0"/>
+              <a:t>，</a:t>
+            </a:r>
+            <a:r>
+              <a:rPr lang="en-US" altLang="zh-CN" sz="2400" dirty="0"/>
+              <a:t>BSS</a:t>
+            </a:r>
+            <a:r>
+              <a:rPr lang="zh-CN" altLang="en-US" sz="2400" dirty="0"/>
+              <a:t>）是电信运营商的一体化、信息资源共享的支持系统</a:t>
+            </a:r>
+            <a:r>
+              <a:rPr lang="zh-CN" altLang="en-US" sz="2400" dirty="0" smtClean="0"/>
+              <a:t>。</a:t>
+            </a:r>
+            <a:endParaRPr lang="en-US" altLang="zh-CN" sz="2400" dirty="0" smtClean="0"/>
+          </a:p>
+          <a:p>
+            <a:pPr>
+              <a:lnSpc>
+                <a:spcPct val="150000"/>
+              </a:lnSpc>
+              <a:buFont typeface="Wingdings" panose="05000000000000000000" pitchFamily="2" charset="2"/>
+              <a:buChar char="l"/>
+            </a:pPr>
+            <a:r>
+              <a:rPr lang="en-US" altLang="zh-CN" sz="2400" dirty="0"/>
+              <a:t>OSS</a:t>
+            </a:r>
+            <a:r>
+              <a:rPr lang="zh-CN" altLang="en-US" sz="2400" dirty="0"/>
+              <a:t>是主体，</a:t>
+            </a:r>
+            <a:r>
+              <a:rPr lang="en-US" altLang="zh-CN" sz="2400" dirty="0"/>
+              <a:t>BSS</a:t>
+            </a:r>
+            <a:r>
+              <a:rPr lang="zh-CN" altLang="en-US" sz="2400" dirty="0"/>
+              <a:t>是基础。从客户的角度看，</a:t>
+            </a:r>
+            <a:r>
+              <a:rPr lang="en-US" altLang="zh-CN" sz="2400" dirty="0"/>
+              <a:t>OSS</a:t>
+            </a:r>
+            <a:r>
+              <a:rPr lang="zh-CN" altLang="en-US" sz="2400" dirty="0"/>
+              <a:t>和</a:t>
+            </a:r>
+            <a:r>
+              <a:rPr lang="en-US" altLang="zh-CN" sz="2400" dirty="0"/>
+              <a:t>BSS</a:t>
+            </a:r>
+            <a:r>
+              <a:rPr lang="zh-CN" altLang="en-US" sz="2400" dirty="0"/>
+              <a:t>之间没有区别。随着以客户为中心理念的盛行，服务商也渐渐淡化</a:t>
+            </a:r>
+            <a:r>
+              <a:rPr lang="en-US" altLang="zh-CN" sz="2400" dirty="0"/>
+              <a:t>OSS</a:t>
+            </a:r>
+            <a:r>
+              <a:rPr lang="zh-CN" altLang="en-US" sz="2400" dirty="0"/>
+              <a:t>和</a:t>
+            </a:r>
+            <a:r>
+              <a:rPr lang="en-US" altLang="zh-CN" sz="2400" dirty="0"/>
+              <a:t>BSS</a:t>
+            </a:r>
+            <a:r>
+              <a:rPr lang="zh-CN" altLang="en-US" sz="2400" dirty="0"/>
+              <a:t>之间的区别。</a:t>
+            </a:r>
+          </a:p>
+        </p:txBody>
+      </p:sp>
+    </p:spTree>
+    <p:extLst>
+      <p:ext uri="{BB962C8B-B14F-4D97-AF65-F5344CB8AC3E}">
+        <p14:creationId xmlns:p14="http://schemas.microsoft.com/office/powerpoint/2010/main" val="1829174404"/>
+      </p:ext>
+    </p:extLst>
+  </p:cSld>
+  <p:clrMapOvr>
+    <a:masterClrMapping/>
+  </p:clrMapOvr>
+  <p:timing>
+    <p:tnLst>
+      <p:par>
+        <p:cTn id="1" dur="indefinite" restart="never" nodeType="tmRoot"/>
+      </p:par>
+    </p:tnLst>
+  </p:timing>
+</p:sld>
+</file>
+
+<file path=ppt/slides/slide29.xml><?xml version="1.0" encoding="utf-8"?>
+<p:sld xmlns:a="http://schemas.openxmlformats.org/drawingml/2006/main" xmlns:r="http://schemas.openxmlformats.org/officeDocument/2006/relationships" xmlns:p="http://schemas.openxmlformats.org/presentationml/2006/main">
+  <p:cSld>
+    <p:spTree>
+      <p:nvGrpSpPr>
+        <p:cNvPr id="1" name=""/>
+        <p:cNvGrpSpPr/>
+        <p:nvPr/>
+      </p:nvGrpSpPr>
+      <p:grpSpPr>
+        <a:xfrm>
+          <a:off x="0" y="0"/>
+          <a:ext cx="0" cy="0"/>
+          <a:chOff x="0" y="0"/>
+          <a:chExt cx="0" cy="0"/>
+        </a:xfrm>
+      </p:grpSpPr>
+      <p:sp>
+        <p:nvSpPr>
+          <p:cNvPr id="2" name="标题 1"/>
+          <p:cNvSpPr>
+            <a:spLocks noGrp="1"/>
+          </p:cNvSpPr>
+          <p:nvPr>
+            <p:ph type="title"/>
+          </p:nvPr>
+        </p:nvSpPr>
+        <p:spPr/>
+        <p:txBody>
+          <a:bodyPr/>
+          <a:lstStyle/>
+          <a:p>
+            <a:r>
               <a:rPr lang="en-US" altLang="zh-CN" dirty="0" smtClean="0"/>
               <a:t>NGBSS</a:t>
             </a:r>
@@ -19371,8 +19822,8 @@
         </p:blipFill>
         <p:spPr>
           <a:xfrm>
-            <a:off x="1512887" y="2252663"/>
-            <a:ext cx="6162675" cy="3209925"/>
+            <a:off x="968479" y="2265915"/>
+            <a:ext cx="7251492" cy="3777052"/>
           </a:xfrm>
         </p:spPr>
       </p:pic>
@@ -19396,7 +19847,97 @@
 </p:sld>
 </file>
 
-<file path=ppt/slides/slide28.xml><?xml version="1.0" encoding="utf-8"?>
+<file path=ppt/slides/slide3.xml><?xml version="1.0" encoding="utf-8"?>
+<p:sld xmlns:a="http://schemas.openxmlformats.org/drawingml/2006/main" xmlns:r="http://schemas.openxmlformats.org/officeDocument/2006/relationships" xmlns:p="http://schemas.openxmlformats.org/presentationml/2006/main">
+  <p:cSld>
+    <p:spTree>
+      <p:nvGrpSpPr>
+        <p:cNvPr id="1" name=""/>
+        <p:cNvGrpSpPr/>
+        <p:nvPr/>
+      </p:nvGrpSpPr>
+      <p:grpSpPr>
+        <a:xfrm>
+          <a:off x="0" y="0"/>
+          <a:ext cx="0" cy="0"/>
+          <a:chOff x="0" y="0"/>
+          <a:chExt cx="0" cy="0"/>
+        </a:xfrm>
+      </p:grpSpPr>
+      <p:sp>
+        <p:nvSpPr>
+          <p:cNvPr id="2" name="标题 1"/>
+          <p:cNvSpPr>
+            <a:spLocks noGrp="1"/>
+          </p:cNvSpPr>
+          <p:nvPr>
+            <p:ph type="title"/>
+          </p:nvPr>
+        </p:nvSpPr>
+        <p:spPr/>
+        <p:txBody>
+          <a:bodyPr/>
+          <a:lstStyle/>
+          <a:p>
+            <a:r>
+              <a:rPr lang="zh-CN" altLang="en-US" dirty="0" smtClean="0"/>
+              <a:t>支撑技术和运营管理系统</a:t>
+            </a:r>
+            <a:endParaRPr lang="zh-CN" altLang="en-US" dirty="0"/>
+          </a:p>
+        </p:txBody>
+      </p:sp>
+      <p:sp>
+        <p:nvSpPr>
+          <p:cNvPr id="3" name="内容占位符 2"/>
+          <p:cNvSpPr>
+            <a:spLocks noGrp="1"/>
+          </p:cNvSpPr>
+          <p:nvPr>
+            <p:ph idx="1"/>
+          </p:nvPr>
+        </p:nvSpPr>
+        <p:spPr/>
+        <p:txBody>
+          <a:bodyPr/>
+          <a:lstStyle/>
+          <a:p>
+            <a:pPr>
+              <a:lnSpc>
+                <a:spcPct val="150000"/>
+              </a:lnSpc>
+              <a:buFont typeface="Wingdings" panose="05000000000000000000" pitchFamily="2" charset="2"/>
+              <a:buChar char="l"/>
+            </a:pPr>
+            <a:r>
+              <a:rPr lang="zh-CN" altLang="en-US" sz="2400" dirty="0" smtClean="0"/>
+              <a:t>区别于传统的电信和互联网，移动互联网是一种基于用户身份认证、环境感知、终端智能、无线泛在的互联网应用业务集成，最终目标是以用户需求为中心，将互联网的各种应用通过一定的变换，在各种用户终端商进行定制化和个性化的展现，有典型的技术开放性、业务融合化的特征。</a:t>
+            </a:r>
+            <a:endParaRPr lang="en-US" altLang="zh-CN" sz="2400" dirty="0" smtClean="0"/>
+          </a:p>
+        </p:txBody>
+      </p:sp>
+    </p:spTree>
+    <p:extLst>
+      <p:ext uri="{BB962C8B-B14F-4D97-AF65-F5344CB8AC3E}">
+        <p14:creationId xmlns:p14="http://schemas.microsoft.com/office/powerpoint/2010/main" val="3435622714"/>
+      </p:ext>
+    </p:extLst>
+  </p:cSld>
+  <p:clrMapOvr>
+    <a:masterClrMapping/>
+  </p:clrMapOvr>
+  <p:timing>
+    <p:tnLst>
+      <p:par>
+        <p:cTn id="1" dur="indefinite" restart="never" nodeType="tmRoot"/>
+      </p:par>
+    </p:tnLst>
+  </p:timing>
+</p:sld>
+</file>
+
+<file path=ppt/slides/slide30.xml><?xml version="1.0" encoding="utf-8"?>
 <p:sld xmlns:a="http://schemas.openxmlformats.org/drawingml/2006/main" xmlns:r="http://schemas.openxmlformats.org/officeDocument/2006/relationships" xmlns:p="http://schemas.openxmlformats.org/presentationml/2006/main">
   <p:cSld>
     <p:spTree>
@@ -19455,313 +19996,6 @@
 </p:sld>
 </file>
 
-<file path=ppt/slides/slide29.xml><?xml version="1.0" encoding="utf-8"?>
-<p:sld xmlns:a="http://schemas.openxmlformats.org/drawingml/2006/main" xmlns:r="http://schemas.openxmlformats.org/officeDocument/2006/relationships" xmlns:p="http://schemas.openxmlformats.org/presentationml/2006/main">
-  <p:cSld>
-    <p:spTree>
-      <p:nvGrpSpPr>
-        <p:cNvPr id="1" name=""/>
-        <p:cNvGrpSpPr/>
-        <p:nvPr/>
-      </p:nvGrpSpPr>
-      <p:grpSpPr>
-        <a:xfrm>
-          <a:off x="0" y="0"/>
-          <a:ext cx="0" cy="0"/>
-          <a:chOff x="0" y="0"/>
-          <a:chExt cx="0" cy="0"/>
-        </a:xfrm>
-      </p:grpSpPr>
-      <p:sp>
-        <p:nvSpPr>
-          <p:cNvPr id="2" name="标题 1"/>
-          <p:cNvSpPr>
-            <a:spLocks noGrp="1"/>
-          </p:cNvSpPr>
-          <p:nvPr>
-            <p:ph type="title"/>
-          </p:nvPr>
-        </p:nvSpPr>
-        <p:spPr/>
-        <p:txBody>
-          <a:bodyPr/>
-          <a:lstStyle/>
-          <a:p>
-            <a:pPr lvl="0"/>
-            <a:r>
-              <a:rPr lang="zh-CN" altLang="en-US" dirty="0" smtClean="0"/>
-              <a:t>移动互联网的</a:t>
-            </a:r>
-            <a:r>
-              <a:rPr lang="zh-CN" altLang="en-US" dirty="0"/>
-              <a:t>网络管理</a:t>
-            </a:r>
-            <a:r>
-              <a:rPr lang="zh-CN" altLang="en-US" dirty="0" smtClean="0"/>
-              <a:t>系统</a:t>
-            </a:r>
-            <a:endParaRPr lang="zh-CN" altLang="en-US" dirty="0"/>
-          </a:p>
-        </p:txBody>
-      </p:sp>
-      <p:sp>
-        <p:nvSpPr>
-          <p:cNvPr id="3" name="内容占位符 2"/>
-          <p:cNvSpPr>
-            <a:spLocks noGrp="1"/>
-          </p:cNvSpPr>
-          <p:nvPr>
-            <p:ph idx="1"/>
-          </p:nvPr>
-        </p:nvSpPr>
-        <p:spPr/>
-        <p:txBody>
-          <a:bodyPr/>
-          <a:lstStyle/>
-          <a:p>
-            <a:pPr>
-              <a:lnSpc>
-                <a:spcPct val="150000"/>
-              </a:lnSpc>
-              <a:buFont typeface="Wingdings" panose="05000000000000000000" pitchFamily="2" charset="2"/>
-              <a:buChar char="l"/>
-            </a:pPr>
-            <a:r>
-              <a:rPr lang="zh-CN" altLang="en-US" sz="2400" dirty="0" smtClean="0"/>
-              <a:t>移动互联网国模的不断扩大，技术复杂性逐渐增加，对移动互联网业务范围和服务质量的要求也越来越高，对网络管理提出了新挑战。</a:t>
-            </a:r>
-            <a:endParaRPr lang="en-US" altLang="zh-CN" sz="2400" dirty="0" smtClean="0"/>
-          </a:p>
-          <a:p>
-            <a:pPr>
-              <a:lnSpc>
-                <a:spcPct val="150000"/>
-              </a:lnSpc>
-              <a:buFont typeface="Wingdings" panose="05000000000000000000" pitchFamily="2" charset="2"/>
-              <a:buChar char="l"/>
-            </a:pPr>
-            <a:r>
-              <a:rPr lang="zh-CN" altLang="en-US" sz="2400" dirty="0" smtClean="0"/>
-              <a:t>所谓网络管理指的是用先进的手段和工具对网络进行管理的一种行为，通过对通讯网络的合理规划、协调和控制，使网络的资源得到充分而有效的利用，保证网络的安全、可靠和高效，为用户提供满意的通信业务服务。</a:t>
-            </a:r>
-            <a:endParaRPr lang="zh-CN" altLang="en-US" sz="2400" dirty="0"/>
-          </a:p>
-        </p:txBody>
-      </p:sp>
-    </p:spTree>
-    <p:extLst>
-      <p:ext uri="{BB962C8B-B14F-4D97-AF65-F5344CB8AC3E}">
-        <p14:creationId xmlns:p14="http://schemas.microsoft.com/office/powerpoint/2010/main" val="2159676394"/>
-      </p:ext>
-    </p:extLst>
-  </p:cSld>
-  <p:clrMapOvr>
-    <a:masterClrMapping/>
-  </p:clrMapOvr>
-  <p:timing>
-    <p:tnLst>
-      <p:par>
-        <p:cTn id="1" dur="indefinite" restart="never" nodeType="tmRoot"/>
-      </p:par>
-    </p:tnLst>
-  </p:timing>
-</p:sld>
-</file>
-
-<file path=ppt/slides/slide3.xml><?xml version="1.0" encoding="utf-8"?>
-<p:sld xmlns:a="http://schemas.openxmlformats.org/drawingml/2006/main" xmlns:r="http://schemas.openxmlformats.org/officeDocument/2006/relationships" xmlns:p="http://schemas.openxmlformats.org/presentationml/2006/main">
-  <p:cSld>
-    <p:spTree>
-      <p:nvGrpSpPr>
-        <p:cNvPr id="1" name=""/>
-        <p:cNvGrpSpPr/>
-        <p:nvPr/>
-      </p:nvGrpSpPr>
-      <p:grpSpPr>
-        <a:xfrm>
-          <a:off x="0" y="0"/>
-          <a:ext cx="0" cy="0"/>
-          <a:chOff x="0" y="0"/>
-          <a:chExt cx="0" cy="0"/>
-        </a:xfrm>
-      </p:grpSpPr>
-      <p:sp>
-        <p:nvSpPr>
-          <p:cNvPr id="2" name="标题 1"/>
-          <p:cNvSpPr>
-            <a:spLocks noGrp="1"/>
-          </p:cNvSpPr>
-          <p:nvPr>
-            <p:ph type="title"/>
-          </p:nvPr>
-        </p:nvSpPr>
-        <p:spPr/>
-        <p:txBody>
-          <a:bodyPr/>
-          <a:lstStyle/>
-          <a:p>
-            <a:r>
-              <a:rPr lang="zh-CN" altLang="en-US" dirty="0" smtClean="0"/>
-              <a:t>支撑技术和运营管理系统</a:t>
-            </a:r>
-            <a:endParaRPr lang="zh-CN" altLang="en-US" dirty="0"/>
-          </a:p>
-        </p:txBody>
-      </p:sp>
-      <p:sp>
-        <p:nvSpPr>
-          <p:cNvPr id="3" name="内容占位符 2"/>
-          <p:cNvSpPr>
-            <a:spLocks noGrp="1"/>
-          </p:cNvSpPr>
-          <p:nvPr>
-            <p:ph idx="1"/>
-          </p:nvPr>
-        </p:nvSpPr>
-        <p:spPr/>
-        <p:txBody>
-          <a:bodyPr/>
-          <a:lstStyle/>
-          <a:p>
-            <a:pPr>
-              <a:lnSpc>
-                <a:spcPct val="150000"/>
-              </a:lnSpc>
-              <a:buFont typeface="Wingdings" panose="05000000000000000000" pitchFamily="2" charset="2"/>
-              <a:buChar char="l"/>
-            </a:pPr>
-            <a:r>
-              <a:rPr lang="zh-CN" altLang="en-US" sz="2400" dirty="0" smtClean="0"/>
-              <a:t>区别于传统的电信和互联网，移动互联网是一种基于用户身份认证、环境感知、终端智能、无线泛在的互联网应用业务集成，最终目标是以用户需求为中心，将互联网的各种应用通过一定的变换，在各种用户终端商进行定制化和个性化的展现，有典型的技术开放性、业务融合化的特征。</a:t>
-            </a:r>
-            <a:endParaRPr lang="en-US" altLang="zh-CN" sz="2400" dirty="0" smtClean="0"/>
-          </a:p>
-        </p:txBody>
-      </p:sp>
-    </p:spTree>
-    <p:extLst>
-      <p:ext uri="{BB962C8B-B14F-4D97-AF65-F5344CB8AC3E}">
-        <p14:creationId xmlns:p14="http://schemas.microsoft.com/office/powerpoint/2010/main" val="3435622714"/>
-      </p:ext>
-    </p:extLst>
-  </p:cSld>
-  <p:clrMapOvr>
-    <a:masterClrMapping/>
-  </p:clrMapOvr>
-  <p:timing>
-    <p:tnLst>
-      <p:par>
-        <p:cTn id="1" dur="indefinite" restart="never" nodeType="tmRoot"/>
-      </p:par>
-    </p:tnLst>
-  </p:timing>
-</p:sld>
-</file>
-
-<file path=ppt/slides/slide30.xml><?xml version="1.0" encoding="utf-8"?>
-<p:sld xmlns:a="http://schemas.openxmlformats.org/drawingml/2006/main" xmlns:r="http://schemas.openxmlformats.org/officeDocument/2006/relationships" xmlns:p="http://schemas.openxmlformats.org/presentationml/2006/main">
-  <p:cSld>
-    <p:spTree>
-      <p:nvGrpSpPr>
-        <p:cNvPr id="1" name=""/>
-        <p:cNvGrpSpPr/>
-        <p:nvPr/>
-      </p:nvGrpSpPr>
-      <p:grpSpPr>
-        <a:xfrm>
-          <a:off x="0" y="0"/>
-          <a:ext cx="0" cy="0"/>
-          <a:chOff x="0" y="0"/>
-          <a:chExt cx="0" cy="0"/>
-        </a:xfrm>
-      </p:grpSpPr>
-      <p:sp>
-        <p:nvSpPr>
-          <p:cNvPr id="2" name="标题 1"/>
-          <p:cNvSpPr>
-            <a:spLocks noGrp="1"/>
-          </p:cNvSpPr>
-          <p:nvPr>
-            <p:ph type="title"/>
-          </p:nvPr>
-        </p:nvSpPr>
-        <p:spPr/>
-        <p:txBody>
-          <a:bodyPr/>
-          <a:lstStyle/>
-          <a:p>
-            <a:r>
-              <a:rPr lang="zh-CN" altLang="en-US" dirty="0" smtClean="0"/>
-              <a:t>网络管理模型</a:t>
-            </a:r>
-            <a:endParaRPr lang="zh-CN" altLang="en-US" dirty="0"/>
-          </a:p>
-        </p:txBody>
-      </p:sp>
-      <p:sp>
-        <p:nvSpPr>
-          <p:cNvPr id="3" name="内容占位符 2"/>
-          <p:cNvSpPr>
-            <a:spLocks noGrp="1"/>
-          </p:cNvSpPr>
-          <p:nvPr>
-            <p:ph idx="1"/>
-          </p:nvPr>
-        </p:nvSpPr>
-        <p:spPr/>
-        <p:txBody>
-          <a:bodyPr/>
-          <a:lstStyle/>
-          <a:p>
-            <a:pPr>
-              <a:lnSpc>
-                <a:spcPct val="150000"/>
-              </a:lnSpc>
-              <a:buFont typeface="Wingdings" panose="05000000000000000000" pitchFamily="2" charset="2"/>
-              <a:buChar char="l"/>
-            </a:pPr>
-            <a:r>
-              <a:rPr lang="zh-CN" altLang="en-US" sz="2800" dirty="0" smtClean="0"/>
-              <a:t>基于设备的网络管理模型</a:t>
-            </a:r>
-            <a:endParaRPr lang="en-US" altLang="zh-CN" sz="2800" dirty="0" smtClean="0"/>
-          </a:p>
-          <a:p>
-            <a:pPr>
-              <a:lnSpc>
-                <a:spcPct val="150000"/>
-              </a:lnSpc>
-              <a:buFont typeface="Wingdings" panose="05000000000000000000" pitchFamily="2" charset="2"/>
-              <a:buChar char="l"/>
-            </a:pPr>
-            <a:r>
-              <a:rPr lang="zh-CN" altLang="en-US" sz="2800" dirty="0" smtClean="0"/>
-              <a:t>基于策略的网络管理模型</a:t>
-            </a:r>
-            <a:endParaRPr lang="zh-CN" altLang="en-US" sz="2800" dirty="0"/>
-          </a:p>
-        </p:txBody>
-      </p:sp>
-    </p:spTree>
-    <p:extLst>
-      <p:ext uri="{BB962C8B-B14F-4D97-AF65-F5344CB8AC3E}">
-        <p14:creationId xmlns:p14="http://schemas.microsoft.com/office/powerpoint/2010/main" val="1155935423"/>
-      </p:ext>
-    </p:extLst>
-  </p:cSld>
-  <p:clrMapOvr>
-    <a:masterClrMapping/>
-  </p:clrMapOvr>
-  <p:timing>
-    <p:tnLst>
-      <p:par>
-        <p:cTn id="1" dur="indefinite" restart="never" nodeType="tmRoot"/>
-      </p:par>
-    </p:tnLst>
-  </p:timing>
-</p:sld>
-</file>
-
 <file path=ppt/slides/slide31.xml><?xml version="1.0" encoding="utf-8"?>
 <p:sld xmlns:a="http://schemas.openxmlformats.org/drawingml/2006/main" xmlns:r="http://schemas.openxmlformats.org/officeDocument/2006/relationships" xmlns:p="http://schemas.openxmlformats.org/presentationml/2006/main">
   <p:cSld>
@@ -19794,9 +20028,18 @@
           <a:bodyPr/>
           <a:lstStyle/>
           <a:p>
+            <a:pPr lvl="0"/>
             <a:r>
               <a:rPr lang="zh-CN" altLang="en-US" dirty="0" smtClean="0"/>
-              <a:t>移动互联网网络管理实现方案</a:t>
+              <a:t>移动互联网的</a:t>
+            </a:r>
+            <a:r>
+              <a:rPr lang="zh-CN" altLang="en-US" dirty="0"/>
+              <a:t>网络管理</a:t>
+            </a:r>
+            <a:r>
+              <a:rPr lang="zh-CN" altLang="en-US" dirty="0" smtClean="0"/>
+              <a:t>系统</a:t>
             </a:r>
             <a:endParaRPr lang="zh-CN" altLang="en-US" dirty="0"/>
           </a:p>
@@ -19817,41 +20060,390 @@
           <a:bodyPr/>
           <a:lstStyle/>
           <a:p>
+            <a:pPr>
+              <a:lnSpc>
+                <a:spcPct val="150000"/>
+              </a:lnSpc>
+              <a:buFont typeface="Wingdings" panose="05000000000000000000" pitchFamily="2" charset="2"/>
+              <a:buChar char="l"/>
+            </a:pPr>
+            <a:r>
+              <a:rPr lang="zh-CN" altLang="en-US" sz="2400" dirty="0" smtClean="0"/>
+              <a:t>移动互联网国模的不断扩大，技术复杂性逐渐增加，对移动互联网业务范围和服务质量的要求也越来越高，对网络管理提出了新挑战。</a:t>
+            </a:r>
+            <a:endParaRPr lang="en-US" altLang="zh-CN" sz="2400" dirty="0" smtClean="0"/>
+          </a:p>
+          <a:p>
+            <a:pPr>
+              <a:lnSpc>
+                <a:spcPct val="150000"/>
+              </a:lnSpc>
+              <a:buFont typeface="Wingdings" panose="05000000000000000000" pitchFamily="2" charset="2"/>
+              <a:buChar char="l"/>
+            </a:pPr>
+            <a:r>
+              <a:rPr lang="zh-CN" altLang="en-US" sz="2400" dirty="0" smtClean="0"/>
+              <a:t>所谓网络管理指的是用先进的手段和工具对网络进行管理的一种行为，通过对通讯网络的合理规划、协调和控制，使网络的资源得到充分而有效的利用，保证网络的安全、可靠和高效，为用户提供满意的通信业务服务。</a:t>
+            </a:r>
+            <a:endParaRPr lang="zh-CN" altLang="en-US" sz="2400" dirty="0"/>
+          </a:p>
+        </p:txBody>
+      </p:sp>
+    </p:spTree>
+    <p:extLst>
+      <p:ext uri="{BB962C8B-B14F-4D97-AF65-F5344CB8AC3E}">
+        <p14:creationId xmlns:p14="http://schemas.microsoft.com/office/powerpoint/2010/main" val="2159676394"/>
+      </p:ext>
+    </p:extLst>
+  </p:cSld>
+  <p:clrMapOvr>
+    <a:masterClrMapping/>
+  </p:clrMapOvr>
+  <p:timing>
+    <p:tnLst>
+      <p:par>
+        <p:cTn id="1" dur="indefinite" restart="never" nodeType="tmRoot"/>
+      </p:par>
+    </p:tnLst>
+  </p:timing>
+</p:sld>
+</file>
+
+<file path=ppt/slides/slide32.xml><?xml version="1.0" encoding="utf-8"?>
+<p:sld xmlns:a="http://schemas.openxmlformats.org/drawingml/2006/main" xmlns:r="http://schemas.openxmlformats.org/officeDocument/2006/relationships" xmlns:p="http://schemas.openxmlformats.org/presentationml/2006/main">
+  <p:cSld>
+    <p:spTree>
+      <p:nvGrpSpPr>
+        <p:cNvPr id="1" name=""/>
+        <p:cNvGrpSpPr/>
+        <p:nvPr/>
+      </p:nvGrpSpPr>
+      <p:grpSpPr>
+        <a:xfrm>
+          <a:off x="0" y="0"/>
+          <a:ext cx="0" cy="0"/>
+          <a:chOff x="0" y="0"/>
+          <a:chExt cx="0" cy="0"/>
+        </a:xfrm>
+      </p:grpSpPr>
+      <p:sp>
+        <p:nvSpPr>
+          <p:cNvPr id="2" name="标题 1"/>
+          <p:cNvSpPr>
+            <a:spLocks noGrp="1"/>
+          </p:cNvSpPr>
+          <p:nvPr>
+            <p:ph type="title"/>
+          </p:nvPr>
+        </p:nvSpPr>
+        <p:spPr/>
+        <p:txBody>
+          <a:bodyPr/>
+          <a:lstStyle/>
+          <a:p>
             <a:r>
               <a:rPr lang="zh-CN" altLang="en-US" dirty="0" smtClean="0"/>
+              <a:t>网络管理模型</a:t>
+            </a:r>
+            <a:endParaRPr lang="zh-CN" altLang="en-US" dirty="0"/>
+          </a:p>
+        </p:txBody>
+      </p:sp>
+      <p:sp>
+        <p:nvSpPr>
+          <p:cNvPr id="3" name="内容占位符 2"/>
+          <p:cNvSpPr>
+            <a:spLocks noGrp="1"/>
+          </p:cNvSpPr>
+          <p:nvPr>
+            <p:ph idx="1"/>
+          </p:nvPr>
+        </p:nvSpPr>
+        <p:spPr/>
+        <p:txBody>
+          <a:bodyPr/>
+          <a:lstStyle/>
+          <a:p>
+            <a:pPr>
+              <a:lnSpc>
+                <a:spcPct val="150000"/>
+              </a:lnSpc>
+              <a:buFont typeface="Wingdings" panose="05000000000000000000" pitchFamily="2" charset="2"/>
+              <a:buChar char="l"/>
+            </a:pPr>
+            <a:r>
+              <a:rPr lang="zh-CN" altLang="en-US" sz="2800" dirty="0" smtClean="0"/>
+              <a:t>基于设备的网络管理</a:t>
+            </a:r>
+            <a:r>
+              <a:rPr lang="zh-CN" altLang="en-US" sz="2800" dirty="0" smtClean="0"/>
+              <a:t>模型</a:t>
+            </a:r>
+            <a:endParaRPr lang="en-US" altLang="zh-CN" sz="2800" dirty="0" smtClean="0"/>
+          </a:p>
+          <a:p>
+            <a:pPr lvl="1">
+              <a:lnSpc>
+                <a:spcPct val="150000"/>
+              </a:lnSpc>
+              <a:buFont typeface="Wingdings" panose="05000000000000000000" pitchFamily="2" charset="2"/>
+              <a:buChar char="ü"/>
+            </a:pPr>
+            <a:r>
+              <a:rPr lang="zh-CN" altLang="en-US" sz="2600" dirty="0" smtClean="0"/>
+              <a:t>网络管理操作包括对硬件、软件和人力的使用、综合与协调，以便对网路哦资源进行监视、测试、配置、分析、评价和控制，能以合理的价格满足网络的使用需求，例如实时运行性能服务质量检测等。</a:t>
+            </a:r>
+            <a:endParaRPr lang="en-US" altLang="zh-CN" sz="2600" dirty="0" smtClean="0"/>
+          </a:p>
+        </p:txBody>
+      </p:sp>
+    </p:spTree>
+    <p:extLst>
+      <p:ext uri="{BB962C8B-B14F-4D97-AF65-F5344CB8AC3E}">
+        <p14:creationId xmlns:p14="http://schemas.microsoft.com/office/powerpoint/2010/main" val="1155935423"/>
+      </p:ext>
+    </p:extLst>
+  </p:cSld>
+  <p:clrMapOvr>
+    <a:masterClrMapping/>
+  </p:clrMapOvr>
+  <p:timing>
+    <p:tnLst>
+      <p:par>
+        <p:cTn id="1" dur="indefinite" restart="never" nodeType="tmRoot"/>
+      </p:par>
+    </p:tnLst>
+  </p:timing>
+</p:sld>
+</file>
+
+<file path=ppt/slides/slide33.xml><?xml version="1.0" encoding="utf-8"?>
+<p:sld xmlns:a="http://schemas.openxmlformats.org/drawingml/2006/main" xmlns:r="http://schemas.openxmlformats.org/officeDocument/2006/relationships" xmlns:p="http://schemas.openxmlformats.org/presentationml/2006/main">
+  <p:cSld>
+    <p:spTree>
+      <p:nvGrpSpPr>
+        <p:cNvPr id="1" name=""/>
+        <p:cNvGrpSpPr/>
+        <p:nvPr/>
+      </p:nvGrpSpPr>
+      <p:grpSpPr>
+        <a:xfrm>
+          <a:off x="0" y="0"/>
+          <a:ext cx="0" cy="0"/>
+          <a:chOff x="0" y="0"/>
+          <a:chExt cx="0" cy="0"/>
+        </a:xfrm>
+      </p:grpSpPr>
+      <p:sp>
+        <p:nvSpPr>
+          <p:cNvPr id="2" name="标题 1"/>
+          <p:cNvSpPr>
+            <a:spLocks noGrp="1"/>
+          </p:cNvSpPr>
+          <p:nvPr>
+            <p:ph type="title"/>
+          </p:nvPr>
+        </p:nvSpPr>
+        <p:spPr/>
+        <p:txBody>
+          <a:bodyPr/>
+          <a:lstStyle/>
+          <a:p>
+            <a:r>
+              <a:rPr lang="zh-CN" altLang="en-US" dirty="0"/>
+              <a:t>网络管理模型</a:t>
+            </a:r>
+          </a:p>
+        </p:txBody>
+      </p:sp>
+      <p:sp>
+        <p:nvSpPr>
+          <p:cNvPr id="3" name="内容占位符 2"/>
+          <p:cNvSpPr>
+            <a:spLocks noGrp="1"/>
+          </p:cNvSpPr>
+          <p:nvPr>
+            <p:ph idx="1"/>
+          </p:nvPr>
+        </p:nvSpPr>
+        <p:spPr/>
+        <p:txBody>
+          <a:bodyPr/>
+          <a:lstStyle/>
+          <a:p>
+            <a:pPr>
+              <a:lnSpc>
+                <a:spcPct val="150000"/>
+              </a:lnSpc>
+              <a:buFont typeface="Wingdings" panose="05000000000000000000" pitchFamily="2" charset="2"/>
+              <a:buChar char="l"/>
+            </a:pPr>
+            <a:r>
+              <a:rPr lang="zh-CN" altLang="en-US" sz="2800" dirty="0"/>
+              <a:t>基于策略的网络管理</a:t>
+            </a:r>
+            <a:r>
+              <a:rPr lang="zh-CN" altLang="en-US" sz="2800" dirty="0" smtClean="0"/>
+              <a:t>模型</a:t>
+            </a:r>
+            <a:endParaRPr lang="en-US" altLang="zh-CN" sz="2800" dirty="0" smtClean="0"/>
+          </a:p>
+          <a:p>
+            <a:pPr lvl="1">
+              <a:lnSpc>
+                <a:spcPct val="150000"/>
+              </a:lnSpc>
+              <a:buFont typeface="Wingdings" panose="05000000000000000000" pitchFamily="2" charset="2"/>
+              <a:buChar char="ü"/>
+            </a:pPr>
+            <a:r>
+              <a:rPr lang="zh-CN" altLang="en-US" sz="2600" dirty="0" smtClean="0"/>
+              <a:t>通过策略（</a:t>
+            </a:r>
+            <a:r>
+              <a:rPr lang="en-US" altLang="zh-CN" sz="2600" dirty="0" smtClean="0"/>
+              <a:t>Policy</a:t>
+            </a:r>
+            <a:r>
+              <a:rPr lang="zh-CN" altLang="en-US" sz="2600" dirty="0" smtClean="0"/>
+              <a:t>）机制将网络中的管理和执行分开，管理员负责定义好策略存放到策略仓库中，网络实体可以根绝这些策略自动的执行预先设置好的任务。</a:t>
+            </a:r>
+            <a:endParaRPr lang="en-US" altLang="zh-CN" sz="2600" dirty="0" smtClean="0"/>
+          </a:p>
+          <a:p>
+            <a:pPr lvl="1">
+              <a:lnSpc>
+                <a:spcPct val="150000"/>
+              </a:lnSpc>
+              <a:buFont typeface="Wingdings" panose="05000000000000000000" pitchFamily="2" charset="2"/>
+              <a:buChar char="ü"/>
+            </a:pPr>
+            <a:r>
+              <a:rPr lang="zh-CN" altLang="en-US" sz="2600" dirty="0" smtClean="0"/>
+              <a:t>到目前为止，在国内外还处于研发阶段。</a:t>
+            </a:r>
+            <a:endParaRPr lang="zh-CN" altLang="en-US" sz="2600" dirty="0"/>
+          </a:p>
+          <a:p>
+            <a:endParaRPr lang="zh-CN" altLang="en-US" dirty="0"/>
+          </a:p>
+        </p:txBody>
+      </p:sp>
+    </p:spTree>
+    <p:extLst>
+      <p:ext uri="{BB962C8B-B14F-4D97-AF65-F5344CB8AC3E}">
+        <p14:creationId xmlns:p14="http://schemas.microsoft.com/office/powerpoint/2010/main" val="485760088"/>
+      </p:ext>
+    </p:extLst>
+  </p:cSld>
+  <p:clrMapOvr>
+    <a:masterClrMapping/>
+  </p:clrMapOvr>
+</p:sld>
+</file>
+
+<file path=ppt/slides/slide34.xml><?xml version="1.0" encoding="utf-8"?>
+<p:sld xmlns:a="http://schemas.openxmlformats.org/drawingml/2006/main" xmlns:r="http://schemas.openxmlformats.org/officeDocument/2006/relationships" xmlns:p="http://schemas.openxmlformats.org/presentationml/2006/main">
+  <p:cSld>
+    <p:spTree>
+      <p:nvGrpSpPr>
+        <p:cNvPr id="1" name=""/>
+        <p:cNvGrpSpPr/>
+        <p:nvPr/>
+      </p:nvGrpSpPr>
+      <p:grpSpPr>
+        <a:xfrm>
+          <a:off x="0" y="0"/>
+          <a:ext cx="0" cy="0"/>
+          <a:chOff x="0" y="0"/>
+          <a:chExt cx="0" cy="0"/>
+        </a:xfrm>
+      </p:grpSpPr>
+      <p:sp>
+        <p:nvSpPr>
+          <p:cNvPr id="2" name="标题 1"/>
+          <p:cNvSpPr>
+            <a:spLocks noGrp="1"/>
+          </p:cNvSpPr>
+          <p:nvPr>
+            <p:ph type="title"/>
+          </p:nvPr>
+        </p:nvSpPr>
+        <p:spPr/>
+        <p:txBody>
+          <a:bodyPr/>
+          <a:lstStyle/>
+          <a:p>
+            <a:r>
+              <a:rPr lang="zh-CN" altLang="en-US" dirty="0" smtClean="0"/>
+              <a:t>移动互联网网络管理实现方案</a:t>
+            </a:r>
+            <a:endParaRPr lang="zh-CN" altLang="en-US" dirty="0"/>
+          </a:p>
+        </p:txBody>
+      </p:sp>
+      <p:sp>
+        <p:nvSpPr>
+          <p:cNvPr id="3" name="内容占位符 2"/>
+          <p:cNvSpPr>
+            <a:spLocks noGrp="1"/>
+          </p:cNvSpPr>
+          <p:nvPr>
+            <p:ph idx="1"/>
+          </p:nvPr>
+        </p:nvSpPr>
+        <p:spPr/>
+        <p:txBody>
+          <a:bodyPr/>
+          <a:lstStyle/>
+          <a:p>
+            <a:pPr>
+              <a:buFont typeface="Wingdings" panose="05000000000000000000" pitchFamily="2" charset="2"/>
+              <a:buChar char="l"/>
+            </a:pPr>
+            <a:r>
+              <a:rPr lang="zh-CN" altLang="en-US" sz="2800" dirty="0" smtClean="0"/>
               <a:t>基于智能和移动代理的分布式网络管理</a:t>
             </a:r>
-            <a:endParaRPr lang="en-US" altLang="zh-CN" dirty="0" smtClean="0"/>
-          </a:p>
-          <a:p>
-            <a:r>
-              <a:rPr lang="zh-CN" altLang="en-US" dirty="0" smtClean="0"/>
+            <a:endParaRPr lang="en-US" altLang="zh-CN" sz="2800" dirty="0" smtClean="0"/>
+          </a:p>
+          <a:p>
+            <a:pPr>
+              <a:buFont typeface="Wingdings" panose="05000000000000000000" pitchFamily="2" charset="2"/>
+              <a:buChar char="l"/>
+            </a:pPr>
+            <a:r>
+              <a:rPr lang="zh-CN" altLang="en-US" sz="2800" dirty="0" smtClean="0"/>
               <a:t>基于</a:t>
             </a:r>
             <a:r>
-              <a:rPr lang="en-US" altLang="zh-CN" dirty="0" smtClean="0"/>
+              <a:rPr lang="en-US" altLang="zh-CN" sz="2800" dirty="0" smtClean="0"/>
               <a:t>Web</a:t>
             </a:r>
             <a:r>
-              <a:rPr lang="zh-CN" altLang="en-US" dirty="0" smtClean="0"/>
+              <a:rPr lang="zh-CN" altLang="en-US" sz="2800" dirty="0" smtClean="0"/>
               <a:t>和移动代理的分布式网络管理</a:t>
             </a:r>
-            <a:endParaRPr lang="en-US" altLang="zh-CN" dirty="0" smtClean="0"/>
-          </a:p>
-          <a:p>
-            <a:r>
-              <a:rPr lang="zh-CN" altLang="en-US" dirty="0" smtClean="0"/>
+            <a:endParaRPr lang="en-US" altLang="zh-CN" sz="2800" dirty="0" smtClean="0"/>
+          </a:p>
+          <a:p>
+            <a:pPr>
+              <a:buFont typeface="Wingdings" panose="05000000000000000000" pitchFamily="2" charset="2"/>
+              <a:buChar char="l"/>
+            </a:pPr>
+            <a:r>
+              <a:rPr lang="zh-CN" altLang="en-US" sz="2800" dirty="0" smtClean="0"/>
               <a:t>基于</a:t>
             </a:r>
             <a:r>
-              <a:rPr lang="en-US" altLang="zh-CN" dirty="0" smtClean="0"/>
+              <a:rPr lang="en-US" altLang="zh-CN" sz="2800" dirty="0" smtClean="0"/>
               <a:t>CORBA</a:t>
             </a:r>
             <a:r>
-              <a:rPr lang="zh-CN" altLang="en-US" dirty="0" smtClean="0"/>
+              <a:rPr lang="zh-CN" altLang="en-US" sz="2800" dirty="0" smtClean="0"/>
               <a:t>的分布式网络管理</a:t>
             </a:r>
-            <a:endParaRPr lang="en-US" altLang="zh-CN" dirty="0" smtClean="0"/>
+            <a:endParaRPr lang="en-US" altLang="zh-CN" sz="2800" dirty="0" smtClean="0"/>
           </a:p>
         </p:txBody>
       </p:sp>
@@ -20365,6 +20957,9 @@
             <a:endParaRPr lang="en-US" altLang="zh-CN" sz="2400" dirty="0" smtClean="0"/>
           </a:p>
           <a:p>
+            <a:pPr marL="0" indent="0">
+              <a:buNone/>
+            </a:pPr>
             <a:r>
               <a:rPr lang="zh-CN" altLang="en-US" sz="2800" dirty="0" smtClean="0"/>
               <a:t>水平型的业务平台相对于垂直型的优势明显，水平型的业务平台也是平台演进的发展趋势。</a:t>
@@ -20443,17 +21038,22 @@
             <p:ph idx="1"/>
           </p:nvPr>
         </p:nvSpPr>
-        <p:spPr/>
+        <p:spPr>
+          <a:xfrm>
+            <a:off x="822325" y="1846263"/>
+            <a:ext cx="7781848" cy="4022725"/>
+          </a:xfrm>
+        </p:spPr>
         <p:txBody>
           <a:bodyPr/>
           <a:lstStyle/>
           <a:p>
-            <a:pPr>
+            <a:pPr marL="571500" indent="-571500">
               <a:lnSpc>
                 <a:spcPct val="150000"/>
               </a:lnSpc>
-              <a:buFont typeface="Wingdings" panose="05000000000000000000" pitchFamily="2" charset="2"/>
-              <a:buChar char="l"/>
+              <a:buFont typeface="+mj-lt"/>
+              <a:buAutoNum type="romanUcPeriod"/>
             </a:pPr>
             <a:r>
               <a:rPr lang="en-US" altLang="zh-CN" sz="2800" dirty="0" smtClean="0"/>
@@ -20466,12 +21066,12 @@
             <a:endParaRPr lang="en-US" altLang="zh-CN" sz="2800" dirty="0" smtClean="0"/>
           </a:p>
           <a:p>
-            <a:pPr>
+            <a:pPr marL="571500" indent="-571500">
               <a:lnSpc>
                 <a:spcPct val="150000"/>
               </a:lnSpc>
-              <a:buFont typeface="Wingdings" panose="05000000000000000000" pitchFamily="2" charset="2"/>
-              <a:buChar char="l"/>
+              <a:buFont typeface="+mj-lt"/>
+              <a:buAutoNum type="romanUcPeriod"/>
             </a:pPr>
             <a:r>
               <a:rPr lang="zh-CN" altLang="en-US" sz="2800" dirty="0"/>
@@ -20484,20 +21084,28 @@
             <a:endParaRPr lang="en-US" altLang="zh-CN" sz="2800" dirty="0" smtClean="0"/>
           </a:p>
           <a:p>
-            <a:pPr>
+            <a:pPr marL="571500" indent="-571500">
               <a:lnSpc>
                 <a:spcPct val="150000"/>
               </a:lnSpc>
-              <a:buFont typeface="Wingdings" panose="05000000000000000000" pitchFamily="2" charset="2"/>
-              <a:buChar char="l"/>
+              <a:buFont typeface="+mj-lt"/>
+              <a:buAutoNum type="romanUcPeriod"/>
             </a:pPr>
             <a:r>
-              <a:rPr lang="zh-CN" altLang="en-US" sz="2800" dirty="0"/>
-              <a:t>一</a:t>
-            </a:r>
-            <a:r>
               <a:rPr lang="zh-CN" altLang="en-US" sz="2800" dirty="0" smtClean="0"/>
-              <a:t>种由系统提供商所倡导的运营模式</a:t>
+              <a:t>由</a:t>
+            </a:r>
+            <a:r>
+              <a:rPr lang="zh-CN" altLang="en-US" sz="2800" dirty="0" smtClean="0"/>
+              <a:t>系统提供商所倡导</a:t>
+            </a:r>
+            <a:r>
+              <a:rPr lang="zh-CN" altLang="en-US" sz="2800" dirty="0" smtClean="0"/>
+              <a:t>的演进式的运营</a:t>
+            </a:r>
+            <a:r>
+              <a:rPr lang="zh-CN" altLang="en-US" sz="2800" dirty="0" smtClean="0"/>
+              <a:t>模式</a:t>
             </a:r>
             <a:endParaRPr lang="zh-CN" altLang="en-US" sz="2800" dirty="0"/>
           </a:p>

--- a/16.移动互联网的支撑技术及运营管理系统.pptx
+++ b/16.移动互联网的支撑技术及运营管理系统.pptx
@@ -3973,19 +3973,19 @@
     </dgm:pt>
   </dgm:ptLst>
   <dgm:cxnLst>
+    <dgm:cxn modelId="{8780B448-2773-491A-9D63-2679940C0365}" type="presOf" srcId="{0ACDB7B0-7209-405C-B176-B4E79759C6C3}" destId="{FB754533-A985-425B-98B4-8B1415456C14}" srcOrd="0" destOrd="0" presId="urn:microsoft.com/office/officeart/2005/8/layout/list1"/>
     <dgm:cxn modelId="{D7945BF4-795D-4078-91F3-4CB44913AA78}" type="presOf" srcId="{ADC72A1A-B227-4C22-B376-8D6C781FEDA0}" destId="{3F5DE055-228D-4F52-90EA-95B4DB1D0A6A}" srcOrd="1" destOrd="0" presId="urn:microsoft.com/office/officeart/2005/8/layout/list1"/>
+    <dgm:cxn modelId="{27AE05CB-90E3-4104-90F9-7FC1F0CB41A6}" srcId="{6B9033F7-6550-44A1-92F6-DD9BFF424EFB}" destId="{CB9555EF-6DE4-4806-9895-30893BD637CA}" srcOrd="0" destOrd="0" parTransId="{6A6EDB0F-74DC-4527-AD5B-4FB563B2274C}" sibTransId="{0DA97268-6539-41C9-91F3-D7D3BDD62A7B}"/>
+    <dgm:cxn modelId="{8446AA91-E2FD-4A26-8E9D-29115C969C10}" type="presOf" srcId="{ADC72A1A-B227-4C22-B376-8D6C781FEDA0}" destId="{55671C60-0899-46BE-AD25-6F8A24923BDA}" srcOrd="0" destOrd="0" presId="urn:microsoft.com/office/officeart/2005/8/layout/list1"/>
+    <dgm:cxn modelId="{D1F4CD5E-6ABA-416B-A548-E7C784B0D0C6}" type="presOf" srcId="{AB19FD7A-A81C-4EA2-BD27-5F6E9DCC1B87}" destId="{F2E2913E-A9E9-479E-8644-BC5BBBB5CCDC}" srcOrd="0" destOrd="0" presId="urn:microsoft.com/office/officeart/2005/8/layout/list1"/>
     <dgm:cxn modelId="{3ECBD1A7-8436-45B1-A179-B2119D1C393E}" srcId="{6B9033F7-6550-44A1-92F6-DD9BFF424EFB}" destId="{0ACDB7B0-7209-405C-B176-B4E79759C6C3}" srcOrd="2" destOrd="0" parTransId="{79FDD5BE-5290-4940-9708-95D44DF8EEC9}" sibTransId="{5ACCCE3E-D79A-4AD9-8990-8E2E7D2F1B5F}"/>
-    <dgm:cxn modelId="{D1F4CD5E-6ABA-416B-A548-E7C784B0D0C6}" type="presOf" srcId="{AB19FD7A-A81C-4EA2-BD27-5F6E9DCC1B87}" destId="{F2E2913E-A9E9-479E-8644-BC5BBBB5CCDC}" srcOrd="0" destOrd="0" presId="urn:microsoft.com/office/officeart/2005/8/layout/list1"/>
+    <dgm:cxn modelId="{53DDCA24-E187-48F6-96BE-9159A81F32EC}" type="presOf" srcId="{0ACDB7B0-7209-405C-B176-B4E79759C6C3}" destId="{A420D92C-FF18-4133-A510-1A915A1B23EE}" srcOrd="1" destOrd="0" presId="urn:microsoft.com/office/officeart/2005/8/layout/list1"/>
+    <dgm:cxn modelId="{AD1AB9D5-53D9-4351-BD89-40906F8A1DD5}" type="presOf" srcId="{AB19FD7A-A81C-4EA2-BD27-5F6E9DCC1B87}" destId="{66AFA83F-7AA3-4078-BF29-CFCD77DCC512}" srcOrd="1" destOrd="0" presId="urn:microsoft.com/office/officeart/2005/8/layout/list1"/>
+    <dgm:cxn modelId="{A62C5713-BA1F-4039-AF19-16930058AB6D}" srcId="{6B9033F7-6550-44A1-92F6-DD9BFF424EFB}" destId="{ADC72A1A-B227-4C22-B376-8D6C781FEDA0}" srcOrd="1" destOrd="0" parTransId="{61948549-A8F3-40C0-B981-B8C9F7EBDD52}" sibTransId="{E729CDC8-615A-4C19-9DAF-C511E552E9A6}"/>
     <dgm:cxn modelId="{4FE7B235-CB30-4882-B0AF-6D1FD590BDFE}" type="presOf" srcId="{CB9555EF-6DE4-4806-9895-30893BD637CA}" destId="{BFF288B0-BCC0-4B88-AFD0-69AA556C5540}" srcOrd="1" destOrd="0" presId="urn:microsoft.com/office/officeart/2005/8/layout/list1"/>
-    <dgm:cxn modelId="{8446AA91-E2FD-4A26-8E9D-29115C969C10}" type="presOf" srcId="{ADC72A1A-B227-4C22-B376-8D6C781FEDA0}" destId="{55671C60-0899-46BE-AD25-6F8A24923BDA}" srcOrd="0" destOrd="0" presId="urn:microsoft.com/office/officeart/2005/8/layout/list1"/>
+    <dgm:cxn modelId="{1BA7E1A3-7482-4843-ADDE-6BD112AE856A}" srcId="{6B9033F7-6550-44A1-92F6-DD9BFF424EFB}" destId="{AB19FD7A-A81C-4EA2-BD27-5F6E9DCC1B87}" srcOrd="3" destOrd="0" parTransId="{EDD0EBC0-7F0D-4B50-8E83-8AFFD806839D}" sibTransId="{6DE35071-99FC-449E-ADDB-8A601CE019B4}"/>
+    <dgm:cxn modelId="{C8F5387C-3161-4E5F-B915-9198BC84CB6C}" type="presOf" srcId="{6B9033F7-6550-44A1-92F6-DD9BFF424EFB}" destId="{02674417-894B-4E49-8E8B-32277B0B52BC}" srcOrd="0" destOrd="0" presId="urn:microsoft.com/office/officeart/2005/8/layout/list1"/>
     <dgm:cxn modelId="{28678806-1C3A-4BBB-A64F-B6C0FF7B70BE}" type="presOf" srcId="{CB9555EF-6DE4-4806-9895-30893BD637CA}" destId="{257BB648-3B17-464D-8DF1-731737EE66E1}" srcOrd="0" destOrd="0" presId="urn:microsoft.com/office/officeart/2005/8/layout/list1"/>
-    <dgm:cxn modelId="{C8F5387C-3161-4E5F-B915-9198BC84CB6C}" type="presOf" srcId="{6B9033F7-6550-44A1-92F6-DD9BFF424EFB}" destId="{02674417-894B-4E49-8E8B-32277B0B52BC}" srcOrd="0" destOrd="0" presId="urn:microsoft.com/office/officeart/2005/8/layout/list1"/>
-    <dgm:cxn modelId="{27AE05CB-90E3-4104-90F9-7FC1F0CB41A6}" srcId="{6B9033F7-6550-44A1-92F6-DD9BFF424EFB}" destId="{CB9555EF-6DE4-4806-9895-30893BD637CA}" srcOrd="0" destOrd="0" parTransId="{6A6EDB0F-74DC-4527-AD5B-4FB563B2274C}" sibTransId="{0DA97268-6539-41C9-91F3-D7D3BDD62A7B}"/>
-    <dgm:cxn modelId="{53DDCA24-E187-48F6-96BE-9159A81F32EC}" type="presOf" srcId="{0ACDB7B0-7209-405C-B176-B4E79759C6C3}" destId="{A420D92C-FF18-4133-A510-1A915A1B23EE}" srcOrd="1" destOrd="0" presId="urn:microsoft.com/office/officeart/2005/8/layout/list1"/>
-    <dgm:cxn modelId="{8780B448-2773-491A-9D63-2679940C0365}" type="presOf" srcId="{0ACDB7B0-7209-405C-B176-B4E79759C6C3}" destId="{FB754533-A985-425B-98B4-8B1415456C14}" srcOrd="0" destOrd="0" presId="urn:microsoft.com/office/officeart/2005/8/layout/list1"/>
-    <dgm:cxn modelId="{A62C5713-BA1F-4039-AF19-16930058AB6D}" srcId="{6B9033F7-6550-44A1-92F6-DD9BFF424EFB}" destId="{ADC72A1A-B227-4C22-B376-8D6C781FEDA0}" srcOrd="1" destOrd="0" parTransId="{61948549-A8F3-40C0-B981-B8C9F7EBDD52}" sibTransId="{E729CDC8-615A-4C19-9DAF-C511E552E9A6}"/>
-    <dgm:cxn modelId="{1BA7E1A3-7482-4843-ADDE-6BD112AE856A}" srcId="{6B9033F7-6550-44A1-92F6-DD9BFF424EFB}" destId="{AB19FD7A-A81C-4EA2-BD27-5F6E9DCC1B87}" srcOrd="3" destOrd="0" parTransId="{EDD0EBC0-7F0D-4B50-8E83-8AFFD806839D}" sibTransId="{6DE35071-99FC-449E-ADDB-8A601CE019B4}"/>
-    <dgm:cxn modelId="{AD1AB9D5-53D9-4351-BD89-40906F8A1DD5}" type="presOf" srcId="{AB19FD7A-A81C-4EA2-BD27-5F6E9DCC1B87}" destId="{66AFA83F-7AA3-4078-BF29-CFCD77DCC512}" srcOrd="1" destOrd="0" presId="urn:microsoft.com/office/officeart/2005/8/layout/list1"/>
     <dgm:cxn modelId="{67FAF84A-8719-4A3E-B598-7DC6EAD1EC37}" type="presParOf" srcId="{02674417-894B-4E49-8E8B-32277B0B52BC}" destId="{5464EE4C-C1D7-465F-AA98-CB70E7778C22}" srcOrd="0" destOrd="0" presId="urn:microsoft.com/office/officeart/2005/8/layout/list1"/>
     <dgm:cxn modelId="{CD8F69F4-2F36-4B46-872E-88954BB67BCA}" type="presParOf" srcId="{5464EE4C-C1D7-465F-AA98-CB70E7778C22}" destId="{257BB648-3B17-464D-8DF1-731737EE66E1}" srcOrd="0" destOrd="0" presId="urn:microsoft.com/office/officeart/2005/8/layout/list1"/>
     <dgm:cxn modelId="{374703AE-B677-4895-B9CE-29215EB21EFE}" type="presParOf" srcId="{5464EE4C-C1D7-465F-AA98-CB70E7778C22}" destId="{BFF288B0-BCC0-4B88-AFD0-69AA556C5540}" srcOrd="1" destOrd="0" presId="urn:microsoft.com/office/officeart/2005/8/layout/list1"/>
@@ -4882,496 +4882,6 @@
       <dsp:cNvGrpSpPr/>
     </dsp:nvGrpSpPr>
     <dsp:grpSpPr/>
-    <dsp:sp modelId="{AFAA25C6-E803-4B04-8B85-2D1BAB774B02}">
-      <dsp:nvSpPr>
-        <dsp:cNvPr id="0" name=""/>
-        <dsp:cNvSpPr/>
-      </dsp:nvSpPr>
-      <dsp:spPr>
-        <a:xfrm>
-          <a:off x="0" y="347020"/>
-          <a:ext cx="6096000" cy="579600"/>
-        </a:xfrm>
-        <a:prstGeom prst="rect">
-          <a:avLst/>
-        </a:prstGeom>
-        <a:solidFill>
-          <a:schemeClr val="lt1">
-            <a:alpha val="90000"/>
-            <a:hueOff val="0"/>
-            <a:satOff val="0"/>
-            <a:lumOff val="0"/>
-            <a:alphaOff val="0"/>
-          </a:schemeClr>
-        </a:solidFill>
-        <a:ln w="15875" cap="flat" cmpd="sng" algn="ctr">
-          <a:solidFill>
-            <a:schemeClr val="accent1">
-              <a:hueOff val="0"/>
-              <a:satOff val="0"/>
-              <a:lumOff val="0"/>
-              <a:alphaOff val="0"/>
-            </a:schemeClr>
-          </a:solidFill>
-          <a:prstDash val="solid"/>
-        </a:ln>
-        <a:effectLst/>
-      </dsp:spPr>
-      <dsp:style>
-        <a:lnRef idx="2">
-          <a:scrgbClr r="0" g="0" b="0"/>
-        </a:lnRef>
-        <a:fillRef idx="1">
-          <a:scrgbClr r="0" g="0" b="0"/>
-        </a:fillRef>
-        <a:effectRef idx="0">
-          <a:scrgbClr r="0" g="0" b="0"/>
-        </a:effectRef>
-        <a:fontRef idx="minor"/>
-      </dsp:style>
-    </dsp:sp>
-    <dsp:sp modelId="{BFF288B0-BCC0-4B88-AFD0-69AA556C5540}">
-      <dsp:nvSpPr>
-        <dsp:cNvPr id="0" name=""/>
-        <dsp:cNvSpPr/>
-      </dsp:nvSpPr>
-      <dsp:spPr>
-        <a:xfrm>
-          <a:off x="304800" y="7539"/>
-          <a:ext cx="4267200" cy="678960"/>
-        </a:xfrm>
-        <a:prstGeom prst="roundRect">
-          <a:avLst/>
-        </a:prstGeom>
-        <a:solidFill>
-          <a:schemeClr val="accent5"/>
-        </a:solidFill>
-        <a:ln w="25400" cap="flat" cmpd="sng" algn="ctr">
-          <a:solidFill>
-            <a:schemeClr val="lt1"/>
-          </a:solidFill>
-          <a:prstDash val="solid"/>
-        </a:ln>
-        <a:effectLst/>
-      </dsp:spPr>
-      <dsp:style>
-        <a:lnRef idx="3">
-          <a:schemeClr val="lt1"/>
-        </a:lnRef>
-        <a:fillRef idx="1">
-          <a:schemeClr val="accent5"/>
-        </a:fillRef>
-        <a:effectRef idx="1">
-          <a:schemeClr val="accent5"/>
-        </a:effectRef>
-        <a:fontRef idx="minor">
-          <a:schemeClr val="lt1"/>
-        </a:fontRef>
-      </dsp:style>
-      <dsp:txBody>
-        <a:bodyPr spcFirstLastPara="0" vert="horz" wrap="square" lIns="161290" tIns="0" rIns="161290" bIns="0" numCol="1" spcCol="1270" anchor="ctr" anchorCtr="0">
-          <a:noAutofit/>
-        </a:bodyPr>
-        <a:lstStyle/>
-        <a:p>
-          <a:pPr lvl="0" algn="l" defTabSz="1022350">
-            <a:lnSpc>
-              <a:spcPct val="90000"/>
-            </a:lnSpc>
-            <a:spcBef>
-              <a:spcPct val="0"/>
-            </a:spcBef>
-            <a:spcAft>
-              <a:spcPct val="35000"/>
-            </a:spcAft>
-          </a:pPr>
-          <a:r>
-            <a:rPr lang="zh-CN" altLang="en-US" sz="2300" kern="1200" dirty="0" smtClean="0"/>
-            <a:t>移动互联网业务平台</a:t>
-          </a:r>
-          <a:endParaRPr lang="zh-CN" altLang="en-US" sz="2300" kern="1200" dirty="0"/>
-        </a:p>
-      </dsp:txBody>
-      <dsp:txXfrm>
-        <a:off x="337944" y="40683"/>
-        <a:ext cx="4200912" cy="612672"/>
-      </dsp:txXfrm>
-    </dsp:sp>
-    <dsp:sp modelId="{2A77E821-6651-4861-A945-BBCC7C7323AA}">
-      <dsp:nvSpPr>
-        <dsp:cNvPr id="0" name=""/>
-        <dsp:cNvSpPr/>
-      </dsp:nvSpPr>
-      <dsp:spPr>
-        <a:xfrm>
-          <a:off x="0" y="1390300"/>
-          <a:ext cx="6096000" cy="579600"/>
-        </a:xfrm>
-        <a:prstGeom prst="rect">
-          <a:avLst/>
-        </a:prstGeom>
-        <a:solidFill>
-          <a:schemeClr val="lt1">
-            <a:alpha val="90000"/>
-            <a:hueOff val="0"/>
-            <a:satOff val="0"/>
-            <a:lumOff val="0"/>
-            <a:alphaOff val="0"/>
-          </a:schemeClr>
-        </a:solidFill>
-        <a:ln w="15875" cap="flat" cmpd="sng" algn="ctr">
-          <a:solidFill>
-            <a:schemeClr val="accent1">
-              <a:hueOff val="0"/>
-              <a:satOff val="0"/>
-              <a:lumOff val="0"/>
-              <a:alphaOff val="0"/>
-            </a:schemeClr>
-          </a:solidFill>
-          <a:prstDash val="solid"/>
-        </a:ln>
-        <a:effectLst/>
-      </dsp:spPr>
-      <dsp:style>
-        <a:lnRef idx="2">
-          <a:scrgbClr r="0" g="0" b="0"/>
-        </a:lnRef>
-        <a:fillRef idx="1">
-          <a:scrgbClr r="0" g="0" b="0"/>
-        </a:fillRef>
-        <a:effectRef idx="0">
-          <a:scrgbClr r="0" g="0" b="0"/>
-        </a:effectRef>
-        <a:fontRef idx="minor"/>
-      </dsp:style>
-    </dsp:sp>
-    <dsp:sp modelId="{3F5DE055-228D-4F52-90EA-95B4DB1D0A6A}">
-      <dsp:nvSpPr>
-        <dsp:cNvPr id="0" name=""/>
-        <dsp:cNvSpPr/>
-      </dsp:nvSpPr>
-      <dsp:spPr>
-        <a:xfrm>
-          <a:off x="304800" y="1050819"/>
-          <a:ext cx="4267200" cy="678960"/>
-        </a:xfrm>
-        <a:prstGeom prst="roundRect">
-          <a:avLst/>
-        </a:prstGeom>
-        <a:solidFill>
-          <a:schemeClr val="accent1">
-            <a:hueOff val="0"/>
-            <a:satOff val="0"/>
-            <a:lumOff val="0"/>
-            <a:alphaOff val="0"/>
-          </a:schemeClr>
-        </a:solidFill>
-        <a:ln w="15875" cap="flat" cmpd="sng" algn="ctr">
-          <a:solidFill>
-            <a:schemeClr val="lt1">
-              <a:hueOff val="0"/>
-              <a:satOff val="0"/>
-              <a:lumOff val="0"/>
-              <a:alphaOff val="0"/>
-            </a:schemeClr>
-          </a:solidFill>
-          <a:prstDash val="solid"/>
-        </a:ln>
-        <a:effectLst/>
-      </dsp:spPr>
-      <dsp:style>
-        <a:lnRef idx="2">
-          <a:scrgbClr r="0" g="0" b="0"/>
-        </a:lnRef>
-        <a:fillRef idx="1">
-          <a:scrgbClr r="0" g="0" b="0"/>
-        </a:fillRef>
-        <a:effectRef idx="0">
-          <a:scrgbClr r="0" g="0" b="0"/>
-        </a:effectRef>
-        <a:fontRef idx="minor">
-          <a:schemeClr val="lt1"/>
-        </a:fontRef>
-      </dsp:style>
-      <dsp:txBody>
-        <a:bodyPr spcFirstLastPara="0" vert="horz" wrap="square" lIns="161290" tIns="0" rIns="161290" bIns="0" numCol="1" spcCol="1270" anchor="ctr" anchorCtr="0">
-          <a:noAutofit/>
-        </a:bodyPr>
-        <a:lstStyle/>
-        <a:p>
-          <a:pPr lvl="0" algn="l" defTabSz="1022350">
-            <a:lnSpc>
-              <a:spcPct val="90000"/>
-            </a:lnSpc>
-            <a:spcBef>
-              <a:spcPct val="0"/>
-            </a:spcBef>
-            <a:spcAft>
-              <a:spcPct val="35000"/>
-            </a:spcAft>
-          </a:pPr>
-          <a:r>
-            <a:rPr lang="zh-CN" altLang="en-US" sz="2300" kern="1200" dirty="0" smtClean="0"/>
-            <a:t>业务管理与运营支撑技术</a:t>
-          </a:r>
-          <a:endParaRPr lang="zh-CN" altLang="en-US" sz="2300" kern="1200" dirty="0"/>
-        </a:p>
-      </dsp:txBody>
-      <dsp:txXfrm>
-        <a:off x="337944" y="1083963"/>
-        <a:ext cx="4200912" cy="612672"/>
-      </dsp:txXfrm>
-    </dsp:sp>
-    <dsp:sp modelId="{45A51E02-0DEA-496E-BA75-13D47F9C507D}">
-      <dsp:nvSpPr>
-        <dsp:cNvPr id="0" name=""/>
-        <dsp:cNvSpPr/>
-      </dsp:nvSpPr>
-      <dsp:spPr>
-        <a:xfrm>
-          <a:off x="0" y="2433580"/>
-          <a:ext cx="6096000" cy="579600"/>
-        </a:xfrm>
-        <a:prstGeom prst="rect">
-          <a:avLst/>
-        </a:prstGeom>
-        <a:solidFill>
-          <a:schemeClr val="lt1">
-            <a:alpha val="90000"/>
-            <a:hueOff val="0"/>
-            <a:satOff val="0"/>
-            <a:lumOff val="0"/>
-            <a:alphaOff val="0"/>
-          </a:schemeClr>
-        </a:solidFill>
-        <a:ln w="15875" cap="flat" cmpd="sng" algn="ctr">
-          <a:solidFill>
-            <a:schemeClr val="accent1">
-              <a:hueOff val="0"/>
-              <a:satOff val="0"/>
-              <a:lumOff val="0"/>
-              <a:alphaOff val="0"/>
-            </a:schemeClr>
-          </a:solidFill>
-          <a:prstDash val="solid"/>
-        </a:ln>
-        <a:effectLst/>
-      </dsp:spPr>
-      <dsp:style>
-        <a:lnRef idx="2">
-          <a:scrgbClr r="0" g="0" b="0"/>
-        </a:lnRef>
-        <a:fillRef idx="1">
-          <a:scrgbClr r="0" g="0" b="0"/>
-        </a:fillRef>
-        <a:effectRef idx="0">
-          <a:scrgbClr r="0" g="0" b="0"/>
-        </a:effectRef>
-        <a:fontRef idx="minor"/>
-      </dsp:style>
-    </dsp:sp>
-    <dsp:sp modelId="{A420D92C-FF18-4133-A510-1A915A1B23EE}">
-      <dsp:nvSpPr>
-        <dsp:cNvPr id="0" name=""/>
-        <dsp:cNvSpPr/>
-      </dsp:nvSpPr>
-      <dsp:spPr>
-        <a:xfrm>
-          <a:off x="304800" y="2094100"/>
-          <a:ext cx="4267200" cy="678960"/>
-        </a:xfrm>
-        <a:prstGeom prst="roundRect">
-          <a:avLst/>
-        </a:prstGeom>
-        <a:solidFill>
-          <a:schemeClr val="accent1">
-            <a:hueOff val="0"/>
-            <a:satOff val="0"/>
-            <a:lumOff val="0"/>
-            <a:alphaOff val="0"/>
-          </a:schemeClr>
-        </a:solidFill>
-        <a:ln w="15875" cap="flat" cmpd="sng" algn="ctr">
-          <a:solidFill>
-            <a:schemeClr val="lt1">
-              <a:hueOff val="0"/>
-              <a:satOff val="0"/>
-              <a:lumOff val="0"/>
-              <a:alphaOff val="0"/>
-            </a:schemeClr>
-          </a:solidFill>
-          <a:prstDash val="solid"/>
-        </a:ln>
-        <a:effectLst/>
-      </dsp:spPr>
-      <dsp:style>
-        <a:lnRef idx="2">
-          <a:scrgbClr r="0" g="0" b="0"/>
-        </a:lnRef>
-        <a:fillRef idx="1">
-          <a:scrgbClr r="0" g="0" b="0"/>
-        </a:fillRef>
-        <a:effectRef idx="0">
-          <a:scrgbClr r="0" g="0" b="0"/>
-        </a:effectRef>
-        <a:fontRef idx="minor">
-          <a:schemeClr val="lt1"/>
-        </a:fontRef>
-      </dsp:style>
-      <dsp:txBody>
-        <a:bodyPr spcFirstLastPara="0" vert="horz" wrap="square" lIns="161290" tIns="0" rIns="161290" bIns="0" numCol="1" spcCol="1270" anchor="ctr" anchorCtr="0">
-          <a:noAutofit/>
-        </a:bodyPr>
-        <a:lstStyle/>
-        <a:p>
-          <a:pPr lvl="0" algn="l" defTabSz="1022350">
-            <a:lnSpc>
-              <a:spcPct val="90000"/>
-            </a:lnSpc>
-            <a:spcBef>
-              <a:spcPct val="0"/>
-            </a:spcBef>
-            <a:spcAft>
-              <a:spcPct val="35000"/>
-            </a:spcAft>
-          </a:pPr>
-          <a:r>
-            <a:rPr lang="zh-CN" altLang="en-US" sz="2300" kern="1200" dirty="0" smtClean="0"/>
-            <a:t>运营支撑系统</a:t>
-          </a:r>
-          <a:endParaRPr lang="zh-CN" altLang="en-US" sz="2300" kern="1200" dirty="0"/>
-        </a:p>
-      </dsp:txBody>
-      <dsp:txXfrm>
-        <a:off x="337944" y="2127244"/>
-        <a:ext cx="4200912" cy="612672"/>
-      </dsp:txXfrm>
-    </dsp:sp>
-    <dsp:sp modelId="{380419D8-8BFC-4BD7-9BD1-AE17AE6161DC}">
-      <dsp:nvSpPr>
-        <dsp:cNvPr id="0" name=""/>
-        <dsp:cNvSpPr/>
-      </dsp:nvSpPr>
-      <dsp:spPr>
-        <a:xfrm>
-          <a:off x="0" y="3476860"/>
-          <a:ext cx="6096000" cy="579600"/>
-        </a:xfrm>
-        <a:prstGeom prst="rect">
-          <a:avLst/>
-        </a:prstGeom>
-        <a:solidFill>
-          <a:schemeClr val="lt1">
-            <a:alpha val="90000"/>
-            <a:hueOff val="0"/>
-            <a:satOff val="0"/>
-            <a:lumOff val="0"/>
-            <a:alphaOff val="0"/>
-          </a:schemeClr>
-        </a:solidFill>
-        <a:ln w="15875" cap="flat" cmpd="sng" algn="ctr">
-          <a:solidFill>
-            <a:schemeClr val="accent1">
-              <a:hueOff val="0"/>
-              <a:satOff val="0"/>
-              <a:lumOff val="0"/>
-              <a:alphaOff val="0"/>
-            </a:schemeClr>
-          </a:solidFill>
-          <a:prstDash val="solid"/>
-        </a:ln>
-        <a:effectLst/>
-      </dsp:spPr>
-      <dsp:style>
-        <a:lnRef idx="2">
-          <a:scrgbClr r="0" g="0" b="0"/>
-        </a:lnRef>
-        <a:fillRef idx="1">
-          <a:scrgbClr r="0" g="0" b="0"/>
-        </a:fillRef>
-        <a:effectRef idx="0">
-          <a:scrgbClr r="0" g="0" b="0"/>
-        </a:effectRef>
-        <a:fontRef idx="minor"/>
-      </dsp:style>
-    </dsp:sp>
-    <dsp:sp modelId="{66AFA83F-7AA3-4078-BF29-CFCD77DCC512}">
-      <dsp:nvSpPr>
-        <dsp:cNvPr id="0" name=""/>
-        <dsp:cNvSpPr/>
-      </dsp:nvSpPr>
-      <dsp:spPr>
-        <a:xfrm>
-          <a:off x="304800" y="3137380"/>
-          <a:ext cx="4267200" cy="678960"/>
-        </a:xfrm>
-        <a:prstGeom prst="roundRect">
-          <a:avLst/>
-        </a:prstGeom>
-        <a:solidFill>
-          <a:schemeClr val="accent1">
-            <a:hueOff val="0"/>
-            <a:satOff val="0"/>
-            <a:lumOff val="0"/>
-            <a:alphaOff val="0"/>
-          </a:schemeClr>
-        </a:solidFill>
-        <a:ln w="15875" cap="flat" cmpd="sng" algn="ctr">
-          <a:solidFill>
-            <a:schemeClr val="lt1">
-              <a:hueOff val="0"/>
-              <a:satOff val="0"/>
-              <a:lumOff val="0"/>
-              <a:alphaOff val="0"/>
-            </a:schemeClr>
-          </a:solidFill>
-          <a:prstDash val="solid"/>
-        </a:ln>
-        <a:effectLst/>
-      </dsp:spPr>
-      <dsp:style>
-        <a:lnRef idx="2">
-          <a:scrgbClr r="0" g="0" b="0"/>
-        </a:lnRef>
-        <a:fillRef idx="1">
-          <a:scrgbClr r="0" g="0" b="0"/>
-        </a:fillRef>
-        <a:effectRef idx="0">
-          <a:scrgbClr r="0" g="0" b="0"/>
-        </a:effectRef>
-        <a:fontRef idx="minor">
-          <a:schemeClr val="lt1"/>
-        </a:fontRef>
-      </dsp:style>
-      <dsp:txBody>
-        <a:bodyPr spcFirstLastPara="0" vert="horz" wrap="square" lIns="161290" tIns="0" rIns="161290" bIns="0" numCol="1" spcCol="1270" anchor="ctr" anchorCtr="0">
-          <a:noAutofit/>
-        </a:bodyPr>
-        <a:lstStyle/>
-        <a:p>
-          <a:pPr lvl="0" algn="l" defTabSz="1022350">
-            <a:lnSpc>
-              <a:spcPct val="90000"/>
-            </a:lnSpc>
-            <a:spcBef>
-              <a:spcPct val="0"/>
-            </a:spcBef>
-            <a:spcAft>
-              <a:spcPct val="35000"/>
-            </a:spcAft>
-          </a:pPr>
-          <a:r>
-            <a:rPr lang="zh-CN" altLang="en-US" sz="2300" kern="1200" dirty="0" smtClean="0"/>
-            <a:t>网络管理系统</a:t>
-          </a:r>
-          <a:endParaRPr lang="zh-CN" altLang="en-US" sz="2300" kern="1200" dirty="0"/>
-        </a:p>
-      </dsp:txBody>
-      <dsp:txXfrm>
-        <a:off x="337944" y="3170524"/>
-        <a:ext cx="4200912" cy="612672"/>
-      </dsp:txXfrm>
-    </dsp:sp>
   </dsp:spTree>
 </dsp:drawing>
 </file>
@@ -5384,496 +4894,6 @@
       <dsp:cNvGrpSpPr/>
     </dsp:nvGrpSpPr>
     <dsp:grpSpPr/>
-    <dsp:sp modelId="{AFAA25C6-E803-4B04-8B85-2D1BAB774B02}">
-      <dsp:nvSpPr>
-        <dsp:cNvPr id="0" name=""/>
-        <dsp:cNvSpPr/>
-      </dsp:nvSpPr>
-      <dsp:spPr>
-        <a:xfrm>
-          <a:off x="0" y="347020"/>
-          <a:ext cx="6096000" cy="579600"/>
-        </a:xfrm>
-        <a:prstGeom prst="rect">
-          <a:avLst/>
-        </a:prstGeom>
-        <a:solidFill>
-          <a:schemeClr val="lt1">
-            <a:alpha val="90000"/>
-            <a:hueOff val="0"/>
-            <a:satOff val="0"/>
-            <a:lumOff val="0"/>
-            <a:alphaOff val="0"/>
-          </a:schemeClr>
-        </a:solidFill>
-        <a:ln w="15875" cap="flat" cmpd="sng" algn="ctr">
-          <a:solidFill>
-            <a:schemeClr val="accent1">
-              <a:hueOff val="0"/>
-              <a:satOff val="0"/>
-              <a:lumOff val="0"/>
-              <a:alphaOff val="0"/>
-            </a:schemeClr>
-          </a:solidFill>
-          <a:prstDash val="solid"/>
-        </a:ln>
-        <a:effectLst/>
-      </dsp:spPr>
-      <dsp:style>
-        <a:lnRef idx="2">
-          <a:scrgbClr r="0" g="0" b="0"/>
-        </a:lnRef>
-        <a:fillRef idx="1">
-          <a:scrgbClr r="0" g="0" b="0"/>
-        </a:fillRef>
-        <a:effectRef idx="0">
-          <a:scrgbClr r="0" g="0" b="0"/>
-        </a:effectRef>
-        <a:fontRef idx="minor"/>
-      </dsp:style>
-    </dsp:sp>
-    <dsp:sp modelId="{BFF288B0-BCC0-4B88-AFD0-69AA556C5540}">
-      <dsp:nvSpPr>
-        <dsp:cNvPr id="0" name=""/>
-        <dsp:cNvSpPr/>
-      </dsp:nvSpPr>
-      <dsp:spPr>
-        <a:xfrm>
-          <a:off x="304800" y="7539"/>
-          <a:ext cx="4267200" cy="678960"/>
-        </a:xfrm>
-        <a:prstGeom prst="roundRect">
-          <a:avLst/>
-        </a:prstGeom>
-        <a:solidFill>
-          <a:schemeClr val="accent1">
-            <a:hueOff val="0"/>
-            <a:satOff val="0"/>
-            <a:lumOff val="0"/>
-            <a:alphaOff val="0"/>
-          </a:schemeClr>
-        </a:solidFill>
-        <a:ln w="15875" cap="flat" cmpd="sng" algn="ctr">
-          <a:solidFill>
-            <a:schemeClr val="lt1">
-              <a:hueOff val="0"/>
-              <a:satOff val="0"/>
-              <a:lumOff val="0"/>
-              <a:alphaOff val="0"/>
-            </a:schemeClr>
-          </a:solidFill>
-          <a:prstDash val="solid"/>
-        </a:ln>
-        <a:effectLst/>
-      </dsp:spPr>
-      <dsp:style>
-        <a:lnRef idx="2">
-          <a:scrgbClr r="0" g="0" b="0"/>
-        </a:lnRef>
-        <a:fillRef idx="1">
-          <a:scrgbClr r="0" g="0" b="0"/>
-        </a:fillRef>
-        <a:effectRef idx="0">
-          <a:scrgbClr r="0" g="0" b="0"/>
-        </a:effectRef>
-        <a:fontRef idx="minor">
-          <a:schemeClr val="lt1"/>
-        </a:fontRef>
-      </dsp:style>
-      <dsp:txBody>
-        <a:bodyPr spcFirstLastPara="0" vert="horz" wrap="square" lIns="161290" tIns="0" rIns="161290" bIns="0" numCol="1" spcCol="1270" anchor="ctr" anchorCtr="0">
-          <a:noAutofit/>
-        </a:bodyPr>
-        <a:lstStyle/>
-        <a:p>
-          <a:pPr lvl="0" algn="l" defTabSz="1022350">
-            <a:lnSpc>
-              <a:spcPct val="90000"/>
-            </a:lnSpc>
-            <a:spcBef>
-              <a:spcPct val="0"/>
-            </a:spcBef>
-            <a:spcAft>
-              <a:spcPct val="35000"/>
-            </a:spcAft>
-          </a:pPr>
-          <a:r>
-            <a:rPr lang="zh-CN" altLang="en-US" sz="2300" kern="1200" dirty="0" smtClean="0"/>
-            <a:t>移动互联网业务平台</a:t>
-          </a:r>
-          <a:endParaRPr lang="zh-CN" altLang="en-US" sz="2300" kern="1200" dirty="0"/>
-        </a:p>
-      </dsp:txBody>
-      <dsp:txXfrm>
-        <a:off x="337944" y="40683"/>
-        <a:ext cx="4200912" cy="612672"/>
-      </dsp:txXfrm>
-    </dsp:sp>
-    <dsp:sp modelId="{2A77E821-6651-4861-A945-BBCC7C7323AA}">
-      <dsp:nvSpPr>
-        <dsp:cNvPr id="0" name=""/>
-        <dsp:cNvSpPr/>
-      </dsp:nvSpPr>
-      <dsp:spPr>
-        <a:xfrm>
-          <a:off x="0" y="1390300"/>
-          <a:ext cx="6096000" cy="579600"/>
-        </a:xfrm>
-        <a:prstGeom prst="rect">
-          <a:avLst/>
-        </a:prstGeom>
-        <a:solidFill>
-          <a:schemeClr val="lt1">
-            <a:alpha val="90000"/>
-            <a:hueOff val="0"/>
-            <a:satOff val="0"/>
-            <a:lumOff val="0"/>
-            <a:alphaOff val="0"/>
-          </a:schemeClr>
-        </a:solidFill>
-        <a:ln w="15875" cap="flat" cmpd="sng" algn="ctr">
-          <a:solidFill>
-            <a:schemeClr val="accent1">
-              <a:hueOff val="0"/>
-              <a:satOff val="0"/>
-              <a:lumOff val="0"/>
-              <a:alphaOff val="0"/>
-            </a:schemeClr>
-          </a:solidFill>
-          <a:prstDash val="solid"/>
-        </a:ln>
-        <a:effectLst/>
-      </dsp:spPr>
-      <dsp:style>
-        <a:lnRef idx="2">
-          <a:scrgbClr r="0" g="0" b="0"/>
-        </a:lnRef>
-        <a:fillRef idx="1">
-          <a:scrgbClr r="0" g="0" b="0"/>
-        </a:fillRef>
-        <a:effectRef idx="0">
-          <a:scrgbClr r="0" g="0" b="0"/>
-        </a:effectRef>
-        <a:fontRef idx="minor"/>
-      </dsp:style>
-    </dsp:sp>
-    <dsp:sp modelId="{3F5DE055-228D-4F52-90EA-95B4DB1D0A6A}">
-      <dsp:nvSpPr>
-        <dsp:cNvPr id="0" name=""/>
-        <dsp:cNvSpPr/>
-      </dsp:nvSpPr>
-      <dsp:spPr>
-        <a:xfrm>
-          <a:off x="304800" y="1050819"/>
-          <a:ext cx="4267200" cy="678960"/>
-        </a:xfrm>
-        <a:prstGeom prst="roundRect">
-          <a:avLst/>
-        </a:prstGeom>
-        <a:solidFill>
-          <a:schemeClr val="accent5"/>
-        </a:solidFill>
-        <a:ln w="25400" cap="flat" cmpd="sng" algn="ctr">
-          <a:solidFill>
-            <a:schemeClr val="lt1"/>
-          </a:solidFill>
-          <a:prstDash val="solid"/>
-        </a:ln>
-        <a:effectLst/>
-      </dsp:spPr>
-      <dsp:style>
-        <a:lnRef idx="3">
-          <a:schemeClr val="lt1"/>
-        </a:lnRef>
-        <a:fillRef idx="1">
-          <a:schemeClr val="accent5"/>
-        </a:fillRef>
-        <a:effectRef idx="1">
-          <a:schemeClr val="accent5"/>
-        </a:effectRef>
-        <a:fontRef idx="minor">
-          <a:schemeClr val="lt1"/>
-        </a:fontRef>
-      </dsp:style>
-      <dsp:txBody>
-        <a:bodyPr spcFirstLastPara="0" vert="horz" wrap="square" lIns="161290" tIns="0" rIns="161290" bIns="0" numCol="1" spcCol="1270" anchor="ctr" anchorCtr="0">
-          <a:noAutofit/>
-        </a:bodyPr>
-        <a:lstStyle/>
-        <a:p>
-          <a:pPr lvl="0" algn="l" defTabSz="1022350">
-            <a:lnSpc>
-              <a:spcPct val="90000"/>
-            </a:lnSpc>
-            <a:spcBef>
-              <a:spcPct val="0"/>
-            </a:spcBef>
-            <a:spcAft>
-              <a:spcPct val="35000"/>
-            </a:spcAft>
-          </a:pPr>
-          <a:r>
-            <a:rPr lang="zh-CN" altLang="en-US" sz="2300" kern="1200" dirty="0" smtClean="0"/>
-            <a:t>业务管理与运营支撑技术</a:t>
-          </a:r>
-          <a:endParaRPr lang="zh-CN" altLang="en-US" sz="2300" kern="1200" dirty="0"/>
-        </a:p>
-      </dsp:txBody>
-      <dsp:txXfrm>
-        <a:off x="337944" y="1083963"/>
-        <a:ext cx="4200912" cy="612672"/>
-      </dsp:txXfrm>
-    </dsp:sp>
-    <dsp:sp modelId="{45A51E02-0DEA-496E-BA75-13D47F9C507D}">
-      <dsp:nvSpPr>
-        <dsp:cNvPr id="0" name=""/>
-        <dsp:cNvSpPr/>
-      </dsp:nvSpPr>
-      <dsp:spPr>
-        <a:xfrm>
-          <a:off x="0" y="2433580"/>
-          <a:ext cx="6096000" cy="579600"/>
-        </a:xfrm>
-        <a:prstGeom prst="rect">
-          <a:avLst/>
-        </a:prstGeom>
-        <a:solidFill>
-          <a:schemeClr val="lt1">
-            <a:alpha val="90000"/>
-            <a:hueOff val="0"/>
-            <a:satOff val="0"/>
-            <a:lumOff val="0"/>
-            <a:alphaOff val="0"/>
-          </a:schemeClr>
-        </a:solidFill>
-        <a:ln w="15875" cap="flat" cmpd="sng" algn="ctr">
-          <a:solidFill>
-            <a:schemeClr val="accent1">
-              <a:hueOff val="0"/>
-              <a:satOff val="0"/>
-              <a:lumOff val="0"/>
-              <a:alphaOff val="0"/>
-            </a:schemeClr>
-          </a:solidFill>
-          <a:prstDash val="solid"/>
-        </a:ln>
-        <a:effectLst/>
-      </dsp:spPr>
-      <dsp:style>
-        <a:lnRef idx="2">
-          <a:scrgbClr r="0" g="0" b="0"/>
-        </a:lnRef>
-        <a:fillRef idx="1">
-          <a:scrgbClr r="0" g="0" b="0"/>
-        </a:fillRef>
-        <a:effectRef idx="0">
-          <a:scrgbClr r="0" g="0" b="0"/>
-        </a:effectRef>
-        <a:fontRef idx="minor"/>
-      </dsp:style>
-    </dsp:sp>
-    <dsp:sp modelId="{A420D92C-FF18-4133-A510-1A915A1B23EE}">
-      <dsp:nvSpPr>
-        <dsp:cNvPr id="0" name=""/>
-        <dsp:cNvSpPr/>
-      </dsp:nvSpPr>
-      <dsp:spPr>
-        <a:xfrm>
-          <a:off x="304800" y="2094100"/>
-          <a:ext cx="4267200" cy="678960"/>
-        </a:xfrm>
-        <a:prstGeom prst="roundRect">
-          <a:avLst/>
-        </a:prstGeom>
-        <a:solidFill>
-          <a:schemeClr val="accent1">
-            <a:hueOff val="0"/>
-            <a:satOff val="0"/>
-            <a:lumOff val="0"/>
-            <a:alphaOff val="0"/>
-          </a:schemeClr>
-        </a:solidFill>
-        <a:ln w="15875" cap="flat" cmpd="sng" algn="ctr">
-          <a:solidFill>
-            <a:schemeClr val="lt1">
-              <a:hueOff val="0"/>
-              <a:satOff val="0"/>
-              <a:lumOff val="0"/>
-              <a:alphaOff val="0"/>
-            </a:schemeClr>
-          </a:solidFill>
-          <a:prstDash val="solid"/>
-        </a:ln>
-        <a:effectLst/>
-      </dsp:spPr>
-      <dsp:style>
-        <a:lnRef idx="2">
-          <a:scrgbClr r="0" g="0" b="0"/>
-        </a:lnRef>
-        <a:fillRef idx="1">
-          <a:scrgbClr r="0" g="0" b="0"/>
-        </a:fillRef>
-        <a:effectRef idx="0">
-          <a:scrgbClr r="0" g="0" b="0"/>
-        </a:effectRef>
-        <a:fontRef idx="minor">
-          <a:schemeClr val="lt1"/>
-        </a:fontRef>
-      </dsp:style>
-      <dsp:txBody>
-        <a:bodyPr spcFirstLastPara="0" vert="horz" wrap="square" lIns="161290" tIns="0" rIns="161290" bIns="0" numCol="1" spcCol="1270" anchor="ctr" anchorCtr="0">
-          <a:noAutofit/>
-        </a:bodyPr>
-        <a:lstStyle/>
-        <a:p>
-          <a:pPr lvl="0" algn="l" defTabSz="1022350">
-            <a:lnSpc>
-              <a:spcPct val="90000"/>
-            </a:lnSpc>
-            <a:spcBef>
-              <a:spcPct val="0"/>
-            </a:spcBef>
-            <a:spcAft>
-              <a:spcPct val="35000"/>
-            </a:spcAft>
-          </a:pPr>
-          <a:r>
-            <a:rPr lang="zh-CN" altLang="en-US" sz="2300" kern="1200" dirty="0" smtClean="0"/>
-            <a:t>运营支撑系统</a:t>
-          </a:r>
-          <a:endParaRPr lang="zh-CN" altLang="en-US" sz="2300" kern="1200" dirty="0"/>
-        </a:p>
-      </dsp:txBody>
-      <dsp:txXfrm>
-        <a:off x="337944" y="2127244"/>
-        <a:ext cx="4200912" cy="612672"/>
-      </dsp:txXfrm>
-    </dsp:sp>
-    <dsp:sp modelId="{380419D8-8BFC-4BD7-9BD1-AE17AE6161DC}">
-      <dsp:nvSpPr>
-        <dsp:cNvPr id="0" name=""/>
-        <dsp:cNvSpPr/>
-      </dsp:nvSpPr>
-      <dsp:spPr>
-        <a:xfrm>
-          <a:off x="0" y="3476860"/>
-          <a:ext cx="6096000" cy="579600"/>
-        </a:xfrm>
-        <a:prstGeom prst="rect">
-          <a:avLst/>
-        </a:prstGeom>
-        <a:solidFill>
-          <a:schemeClr val="lt1">
-            <a:alpha val="90000"/>
-            <a:hueOff val="0"/>
-            <a:satOff val="0"/>
-            <a:lumOff val="0"/>
-            <a:alphaOff val="0"/>
-          </a:schemeClr>
-        </a:solidFill>
-        <a:ln w="15875" cap="flat" cmpd="sng" algn="ctr">
-          <a:solidFill>
-            <a:schemeClr val="accent1">
-              <a:hueOff val="0"/>
-              <a:satOff val="0"/>
-              <a:lumOff val="0"/>
-              <a:alphaOff val="0"/>
-            </a:schemeClr>
-          </a:solidFill>
-          <a:prstDash val="solid"/>
-        </a:ln>
-        <a:effectLst/>
-      </dsp:spPr>
-      <dsp:style>
-        <a:lnRef idx="2">
-          <a:scrgbClr r="0" g="0" b="0"/>
-        </a:lnRef>
-        <a:fillRef idx="1">
-          <a:scrgbClr r="0" g="0" b="0"/>
-        </a:fillRef>
-        <a:effectRef idx="0">
-          <a:scrgbClr r="0" g="0" b="0"/>
-        </a:effectRef>
-        <a:fontRef idx="minor"/>
-      </dsp:style>
-    </dsp:sp>
-    <dsp:sp modelId="{66AFA83F-7AA3-4078-BF29-CFCD77DCC512}">
-      <dsp:nvSpPr>
-        <dsp:cNvPr id="0" name=""/>
-        <dsp:cNvSpPr/>
-      </dsp:nvSpPr>
-      <dsp:spPr>
-        <a:xfrm>
-          <a:off x="304800" y="3137380"/>
-          <a:ext cx="4267200" cy="678960"/>
-        </a:xfrm>
-        <a:prstGeom prst="roundRect">
-          <a:avLst/>
-        </a:prstGeom>
-        <a:solidFill>
-          <a:schemeClr val="accent1">
-            <a:hueOff val="0"/>
-            <a:satOff val="0"/>
-            <a:lumOff val="0"/>
-            <a:alphaOff val="0"/>
-          </a:schemeClr>
-        </a:solidFill>
-        <a:ln w="15875" cap="flat" cmpd="sng" algn="ctr">
-          <a:solidFill>
-            <a:schemeClr val="lt1">
-              <a:hueOff val="0"/>
-              <a:satOff val="0"/>
-              <a:lumOff val="0"/>
-              <a:alphaOff val="0"/>
-            </a:schemeClr>
-          </a:solidFill>
-          <a:prstDash val="solid"/>
-        </a:ln>
-        <a:effectLst/>
-      </dsp:spPr>
-      <dsp:style>
-        <a:lnRef idx="2">
-          <a:scrgbClr r="0" g="0" b="0"/>
-        </a:lnRef>
-        <a:fillRef idx="1">
-          <a:scrgbClr r="0" g="0" b="0"/>
-        </a:fillRef>
-        <a:effectRef idx="0">
-          <a:scrgbClr r="0" g="0" b="0"/>
-        </a:effectRef>
-        <a:fontRef idx="minor">
-          <a:schemeClr val="lt1"/>
-        </a:fontRef>
-      </dsp:style>
-      <dsp:txBody>
-        <a:bodyPr spcFirstLastPara="0" vert="horz" wrap="square" lIns="161290" tIns="0" rIns="161290" bIns="0" numCol="1" spcCol="1270" anchor="ctr" anchorCtr="0">
-          <a:noAutofit/>
-        </a:bodyPr>
-        <a:lstStyle/>
-        <a:p>
-          <a:pPr lvl="0" algn="l" defTabSz="1022350">
-            <a:lnSpc>
-              <a:spcPct val="90000"/>
-            </a:lnSpc>
-            <a:spcBef>
-              <a:spcPct val="0"/>
-            </a:spcBef>
-            <a:spcAft>
-              <a:spcPct val="35000"/>
-            </a:spcAft>
-          </a:pPr>
-          <a:r>
-            <a:rPr lang="zh-CN" altLang="en-US" sz="2300" kern="1200" dirty="0" smtClean="0"/>
-            <a:t>网络管理系统</a:t>
-          </a:r>
-          <a:endParaRPr lang="zh-CN" altLang="en-US" sz="2300" kern="1200" dirty="0"/>
-        </a:p>
-      </dsp:txBody>
-      <dsp:txXfrm>
-        <a:off x="337944" y="3170524"/>
-        <a:ext cx="4200912" cy="612672"/>
-      </dsp:txXfrm>
-    </dsp:sp>
   </dsp:spTree>
 </dsp:drawing>
 </file>
@@ -5886,496 +4906,6 @@
       <dsp:cNvGrpSpPr/>
     </dsp:nvGrpSpPr>
     <dsp:grpSpPr/>
-    <dsp:sp modelId="{AFAA25C6-E803-4B04-8B85-2D1BAB774B02}">
-      <dsp:nvSpPr>
-        <dsp:cNvPr id="0" name=""/>
-        <dsp:cNvSpPr/>
-      </dsp:nvSpPr>
-      <dsp:spPr>
-        <a:xfrm>
-          <a:off x="0" y="347020"/>
-          <a:ext cx="6096000" cy="579600"/>
-        </a:xfrm>
-        <a:prstGeom prst="rect">
-          <a:avLst/>
-        </a:prstGeom>
-        <a:solidFill>
-          <a:schemeClr val="lt1">
-            <a:alpha val="90000"/>
-            <a:hueOff val="0"/>
-            <a:satOff val="0"/>
-            <a:lumOff val="0"/>
-            <a:alphaOff val="0"/>
-          </a:schemeClr>
-        </a:solidFill>
-        <a:ln w="15875" cap="flat" cmpd="sng" algn="ctr">
-          <a:solidFill>
-            <a:schemeClr val="accent1">
-              <a:hueOff val="0"/>
-              <a:satOff val="0"/>
-              <a:lumOff val="0"/>
-              <a:alphaOff val="0"/>
-            </a:schemeClr>
-          </a:solidFill>
-          <a:prstDash val="solid"/>
-        </a:ln>
-        <a:effectLst/>
-      </dsp:spPr>
-      <dsp:style>
-        <a:lnRef idx="2">
-          <a:scrgbClr r="0" g="0" b="0"/>
-        </a:lnRef>
-        <a:fillRef idx="1">
-          <a:scrgbClr r="0" g="0" b="0"/>
-        </a:fillRef>
-        <a:effectRef idx="0">
-          <a:scrgbClr r="0" g="0" b="0"/>
-        </a:effectRef>
-        <a:fontRef idx="minor"/>
-      </dsp:style>
-    </dsp:sp>
-    <dsp:sp modelId="{BFF288B0-BCC0-4B88-AFD0-69AA556C5540}">
-      <dsp:nvSpPr>
-        <dsp:cNvPr id="0" name=""/>
-        <dsp:cNvSpPr/>
-      </dsp:nvSpPr>
-      <dsp:spPr>
-        <a:xfrm>
-          <a:off x="304800" y="7539"/>
-          <a:ext cx="4267200" cy="678960"/>
-        </a:xfrm>
-        <a:prstGeom prst="roundRect">
-          <a:avLst/>
-        </a:prstGeom>
-        <a:solidFill>
-          <a:schemeClr val="accent1">
-            <a:hueOff val="0"/>
-            <a:satOff val="0"/>
-            <a:lumOff val="0"/>
-            <a:alphaOff val="0"/>
-          </a:schemeClr>
-        </a:solidFill>
-        <a:ln w="15875" cap="flat" cmpd="sng" algn="ctr">
-          <a:solidFill>
-            <a:schemeClr val="lt1">
-              <a:hueOff val="0"/>
-              <a:satOff val="0"/>
-              <a:lumOff val="0"/>
-              <a:alphaOff val="0"/>
-            </a:schemeClr>
-          </a:solidFill>
-          <a:prstDash val="solid"/>
-        </a:ln>
-        <a:effectLst/>
-      </dsp:spPr>
-      <dsp:style>
-        <a:lnRef idx="2">
-          <a:scrgbClr r="0" g="0" b="0"/>
-        </a:lnRef>
-        <a:fillRef idx="1">
-          <a:scrgbClr r="0" g="0" b="0"/>
-        </a:fillRef>
-        <a:effectRef idx="0">
-          <a:scrgbClr r="0" g="0" b="0"/>
-        </a:effectRef>
-        <a:fontRef idx="minor">
-          <a:schemeClr val="lt1"/>
-        </a:fontRef>
-      </dsp:style>
-      <dsp:txBody>
-        <a:bodyPr spcFirstLastPara="0" vert="horz" wrap="square" lIns="161290" tIns="0" rIns="161290" bIns="0" numCol="1" spcCol="1270" anchor="ctr" anchorCtr="0">
-          <a:noAutofit/>
-        </a:bodyPr>
-        <a:lstStyle/>
-        <a:p>
-          <a:pPr lvl="0" algn="l" defTabSz="1022350">
-            <a:lnSpc>
-              <a:spcPct val="90000"/>
-            </a:lnSpc>
-            <a:spcBef>
-              <a:spcPct val="0"/>
-            </a:spcBef>
-            <a:spcAft>
-              <a:spcPct val="35000"/>
-            </a:spcAft>
-          </a:pPr>
-          <a:r>
-            <a:rPr lang="zh-CN" altLang="en-US" sz="2300" kern="1200" dirty="0" smtClean="0"/>
-            <a:t>移动互联网业务平台</a:t>
-          </a:r>
-          <a:endParaRPr lang="zh-CN" altLang="en-US" sz="2300" kern="1200" dirty="0"/>
-        </a:p>
-      </dsp:txBody>
-      <dsp:txXfrm>
-        <a:off x="337944" y="40683"/>
-        <a:ext cx="4200912" cy="612672"/>
-      </dsp:txXfrm>
-    </dsp:sp>
-    <dsp:sp modelId="{2A77E821-6651-4861-A945-BBCC7C7323AA}">
-      <dsp:nvSpPr>
-        <dsp:cNvPr id="0" name=""/>
-        <dsp:cNvSpPr/>
-      </dsp:nvSpPr>
-      <dsp:spPr>
-        <a:xfrm>
-          <a:off x="0" y="1390300"/>
-          <a:ext cx="6096000" cy="579600"/>
-        </a:xfrm>
-        <a:prstGeom prst="rect">
-          <a:avLst/>
-        </a:prstGeom>
-        <a:solidFill>
-          <a:schemeClr val="lt1">
-            <a:alpha val="90000"/>
-            <a:hueOff val="0"/>
-            <a:satOff val="0"/>
-            <a:lumOff val="0"/>
-            <a:alphaOff val="0"/>
-          </a:schemeClr>
-        </a:solidFill>
-        <a:ln w="15875" cap="flat" cmpd="sng" algn="ctr">
-          <a:solidFill>
-            <a:schemeClr val="accent1">
-              <a:hueOff val="0"/>
-              <a:satOff val="0"/>
-              <a:lumOff val="0"/>
-              <a:alphaOff val="0"/>
-            </a:schemeClr>
-          </a:solidFill>
-          <a:prstDash val="solid"/>
-        </a:ln>
-        <a:effectLst/>
-      </dsp:spPr>
-      <dsp:style>
-        <a:lnRef idx="2">
-          <a:scrgbClr r="0" g="0" b="0"/>
-        </a:lnRef>
-        <a:fillRef idx="1">
-          <a:scrgbClr r="0" g="0" b="0"/>
-        </a:fillRef>
-        <a:effectRef idx="0">
-          <a:scrgbClr r="0" g="0" b="0"/>
-        </a:effectRef>
-        <a:fontRef idx="minor"/>
-      </dsp:style>
-    </dsp:sp>
-    <dsp:sp modelId="{3F5DE055-228D-4F52-90EA-95B4DB1D0A6A}">
-      <dsp:nvSpPr>
-        <dsp:cNvPr id="0" name=""/>
-        <dsp:cNvSpPr/>
-      </dsp:nvSpPr>
-      <dsp:spPr>
-        <a:xfrm>
-          <a:off x="304800" y="1050819"/>
-          <a:ext cx="4267200" cy="678960"/>
-        </a:xfrm>
-        <a:prstGeom prst="roundRect">
-          <a:avLst/>
-        </a:prstGeom>
-        <a:solidFill>
-          <a:schemeClr val="accent1">
-            <a:hueOff val="0"/>
-            <a:satOff val="0"/>
-            <a:lumOff val="0"/>
-            <a:alphaOff val="0"/>
-          </a:schemeClr>
-        </a:solidFill>
-        <a:ln w="15875" cap="flat" cmpd="sng" algn="ctr">
-          <a:solidFill>
-            <a:schemeClr val="lt1">
-              <a:hueOff val="0"/>
-              <a:satOff val="0"/>
-              <a:lumOff val="0"/>
-              <a:alphaOff val="0"/>
-            </a:schemeClr>
-          </a:solidFill>
-          <a:prstDash val="solid"/>
-        </a:ln>
-        <a:effectLst/>
-      </dsp:spPr>
-      <dsp:style>
-        <a:lnRef idx="2">
-          <a:scrgbClr r="0" g="0" b="0"/>
-        </a:lnRef>
-        <a:fillRef idx="1">
-          <a:scrgbClr r="0" g="0" b="0"/>
-        </a:fillRef>
-        <a:effectRef idx="0">
-          <a:scrgbClr r="0" g="0" b="0"/>
-        </a:effectRef>
-        <a:fontRef idx="minor">
-          <a:schemeClr val="lt1"/>
-        </a:fontRef>
-      </dsp:style>
-      <dsp:txBody>
-        <a:bodyPr spcFirstLastPara="0" vert="horz" wrap="square" lIns="161290" tIns="0" rIns="161290" bIns="0" numCol="1" spcCol="1270" anchor="ctr" anchorCtr="0">
-          <a:noAutofit/>
-        </a:bodyPr>
-        <a:lstStyle/>
-        <a:p>
-          <a:pPr lvl="0" algn="l" defTabSz="1022350">
-            <a:lnSpc>
-              <a:spcPct val="90000"/>
-            </a:lnSpc>
-            <a:spcBef>
-              <a:spcPct val="0"/>
-            </a:spcBef>
-            <a:spcAft>
-              <a:spcPct val="35000"/>
-            </a:spcAft>
-          </a:pPr>
-          <a:r>
-            <a:rPr lang="zh-CN" altLang="en-US" sz="2300" kern="1200" dirty="0" smtClean="0"/>
-            <a:t>业务管理与运营支撑技术</a:t>
-          </a:r>
-          <a:endParaRPr lang="zh-CN" altLang="en-US" sz="2300" kern="1200" dirty="0"/>
-        </a:p>
-      </dsp:txBody>
-      <dsp:txXfrm>
-        <a:off x="337944" y="1083963"/>
-        <a:ext cx="4200912" cy="612672"/>
-      </dsp:txXfrm>
-    </dsp:sp>
-    <dsp:sp modelId="{45A51E02-0DEA-496E-BA75-13D47F9C507D}">
-      <dsp:nvSpPr>
-        <dsp:cNvPr id="0" name=""/>
-        <dsp:cNvSpPr/>
-      </dsp:nvSpPr>
-      <dsp:spPr>
-        <a:xfrm>
-          <a:off x="0" y="2433580"/>
-          <a:ext cx="6096000" cy="579600"/>
-        </a:xfrm>
-        <a:prstGeom prst="rect">
-          <a:avLst/>
-        </a:prstGeom>
-        <a:solidFill>
-          <a:schemeClr val="lt1">
-            <a:alpha val="90000"/>
-            <a:hueOff val="0"/>
-            <a:satOff val="0"/>
-            <a:lumOff val="0"/>
-            <a:alphaOff val="0"/>
-          </a:schemeClr>
-        </a:solidFill>
-        <a:ln w="15875" cap="flat" cmpd="sng" algn="ctr">
-          <a:solidFill>
-            <a:schemeClr val="accent1">
-              <a:hueOff val="0"/>
-              <a:satOff val="0"/>
-              <a:lumOff val="0"/>
-              <a:alphaOff val="0"/>
-            </a:schemeClr>
-          </a:solidFill>
-          <a:prstDash val="solid"/>
-        </a:ln>
-        <a:effectLst/>
-      </dsp:spPr>
-      <dsp:style>
-        <a:lnRef idx="2">
-          <a:scrgbClr r="0" g="0" b="0"/>
-        </a:lnRef>
-        <a:fillRef idx="1">
-          <a:scrgbClr r="0" g="0" b="0"/>
-        </a:fillRef>
-        <a:effectRef idx="0">
-          <a:scrgbClr r="0" g="0" b="0"/>
-        </a:effectRef>
-        <a:fontRef idx="minor"/>
-      </dsp:style>
-    </dsp:sp>
-    <dsp:sp modelId="{A420D92C-FF18-4133-A510-1A915A1B23EE}">
-      <dsp:nvSpPr>
-        <dsp:cNvPr id="0" name=""/>
-        <dsp:cNvSpPr/>
-      </dsp:nvSpPr>
-      <dsp:spPr>
-        <a:xfrm>
-          <a:off x="304800" y="2094100"/>
-          <a:ext cx="4267200" cy="678960"/>
-        </a:xfrm>
-        <a:prstGeom prst="roundRect">
-          <a:avLst/>
-        </a:prstGeom>
-        <a:solidFill>
-          <a:schemeClr val="accent5"/>
-        </a:solidFill>
-        <a:ln w="25400" cap="flat" cmpd="sng" algn="ctr">
-          <a:solidFill>
-            <a:schemeClr val="lt1"/>
-          </a:solidFill>
-          <a:prstDash val="solid"/>
-        </a:ln>
-        <a:effectLst/>
-      </dsp:spPr>
-      <dsp:style>
-        <a:lnRef idx="3">
-          <a:schemeClr val="lt1"/>
-        </a:lnRef>
-        <a:fillRef idx="1">
-          <a:schemeClr val="accent5"/>
-        </a:fillRef>
-        <a:effectRef idx="1">
-          <a:schemeClr val="accent5"/>
-        </a:effectRef>
-        <a:fontRef idx="minor">
-          <a:schemeClr val="lt1"/>
-        </a:fontRef>
-      </dsp:style>
-      <dsp:txBody>
-        <a:bodyPr spcFirstLastPara="0" vert="horz" wrap="square" lIns="161290" tIns="0" rIns="161290" bIns="0" numCol="1" spcCol="1270" anchor="ctr" anchorCtr="0">
-          <a:noAutofit/>
-        </a:bodyPr>
-        <a:lstStyle/>
-        <a:p>
-          <a:pPr lvl="0" algn="l" defTabSz="1022350">
-            <a:lnSpc>
-              <a:spcPct val="90000"/>
-            </a:lnSpc>
-            <a:spcBef>
-              <a:spcPct val="0"/>
-            </a:spcBef>
-            <a:spcAft>
-              <a:spcPct val="35000"/>
-            </a:spcAft>
-          </a:pPr>
-          <a:r>
-            <a:rPr lang="zh-CN" altLang="en-US" sz="2300" kern="1200" dirty="0" smtClean="0"/>
-            <a:t>运营支撑系统</a:t>
-          </a:r>
-          <a:endParaRPr lang="zh-CN" altLang="en-US" sz="2300" kern="1200" dirty="0"/>
-        </a:p>
-      </dsp:txBody>
-      <dsp:txXfrm>
-        <a:off x="337944" y="2127244"/>
-        <a:ext cx="4200912" cy="612672"/>
-      </dsp:txXfrm>
-    </dsp:sp>
-    <dsp:sp modelId="{380419D8-8BFC-4BD7-9BD1-AE17AE6161DC}">
-      <dsp:nvSpPr>
-        <dsp:cNvPr id="0" name=""/>
-        <dsp:cNvSpPr/>
-      </dsp:nvSpPr>
-      <dsp:spPr>
-        <a:xfrm>
-          <a:off x="0" y="3476860"/>
-          <a:ext cx="6096000" cy="579600"/>
-        </a:xfrm>
-        <a:prstGeom prst="rect">
-          <a:avLst/>
-        </a:prstGeom>
-        <a:solidFill>
-          <a:schemeClr val="lt1">
-            <a:alpha val="90000"/>
-            <a:hueOff val="0"/>
-            <a:satOff val="0"/>
-            <a:lumOff val="0"/>
-            <a:alphaOff val="0"/>
-          </a:schemeClr>
-        </a:solidFill>
-        <a:ln w="15875" cap="flat" cmpd="sng" algn="ctr">
-          <a:solidFill>
-            <a:schemeClr val="accent1">
-              <a:hueOff val="0"/>
-              <a:satOff val="0"/>
-              <a:lumOff val="0"/>
-              <a:alphaOff val="0"/>
-            </a:schemeClr>
-          </a:solidFill>
-          <a:prstDash val="solid"/>
-        </a:ln>
-        <a:effectLst/>
-      </dsp:spPr>
-      <dsp:style>
-        <a:lnRef idx="2">
-          <a:scrgbClr r="0" g="0" b="0"/>
-        </a:lnRef>
-        <a:fillRef idx="1">
-          <a:scrgbClr r="0" g="0" b="0"/>
-        </a:fillRef>
-        <a:effectRef idx="0">
-          <a:scrgbClr r="0" g="0" b="0"/>
-        </a:effectRef>
-        <a:fontRef idx="minor"/>
-      </dsp:style>
-    </dsp:sp>
-    <dsp:sp modelId="{66AFA83F-7AA3-4078-BF29-CFCD77DCC512}">
-      <dsp:nvSpPr>
-        <dsp:cNvPr id="0" name=""/>
-        <dsp:cNvSpPr/>
-      </dsp:nvSpPr>
-      <dsp:spPr>
-        <a:xfrm>
-          <a:off x="304800" y="3137380"/>
-          <a:ext cx="4267200" cy="678960"/>
-        </a:xfrm>
-        <a:prstGeom prst="roundRect">
-          <a:avLst/>
-        </a:prstGeom>
-        <a:solidFill>
-          <a:schemeClr val="accent1">
-            <a:hueOff val="0"/>
-            <a:satOff val="0"/>
-            <a:lumOff val="0"/>
-            <a:alphaOff val="0"/>
-          </a:schemeClr>
-        </a:solidFill>
-        <a:ln w="15875" cap="flat" cmpd="sng" algn="ctr">
-          <a:solidFill>
-            <a:schemeClr val="lt1">
-              <a:hueOff val="0"/>
-              <a:satOff val="0"/>
-              <a:lumOff val="0"/>
-              <a:alphaOff val="0"/>
-            </a:schemeClr>
-          </a:solidFill>
-          <a:prstDash val="solid"/>
-        </a:ln>
-        <a:effectLst/>
-      </dsp:spPr>
-      <dsp:style>
-        <a:lnRef idx="2">
-          <a:scrgbClr r="0" g="0" b="0"/>
-        </a:lnRef>
-        <a:fillRef idx="1">
-          <a:scrgbClr r="0" g="0" b="0"/>
-        </a:fillRef>
-        <a:effectRef idx="0">
-          <a:scrgbClr r="0" g="0" b="0"/>
-        </a:effectRef>
-        <a:fontRef idx="minor">
-          <a:schemeClr val="lt1"/>
-        </a:fontRef>
-      </dsp:style>
-      <dsp:txBody>
-        <a:bodyPr spcFirstLastPara="0" vert="horz" wrap="square" lIns="161290" tIns="0" rIns="161290" bIns="0" numCol="1" spcCol="1270" anchor="ctr" anchorCtr="0">
-          <a:noAutofit/>
-        </a:bodyPr>
-        <a:lstStyle/>
-        <a:p>
-          <a:pPr lvl="0" algn="l" defTabSz="1022350">
-            <a:lnSpc>
-              <a:spcPct val="90000"/>
-            </a:lnSpc>
-            <a:spcBef>
-              <a:spcPct val="0"/>
-            </a:spcBef>
-            <a:spcAft>
-              <a:spcPct val="35000"/>
-            </a:spcAft>
-          </a:pPr>
-          <a:r>
-            <a:rPr lang="zh-CN" altLang="en-US" sz="2300" kern="1200" dirty="0" smtClean="0"/>
-            <a:t>网络管理系统</a:t>
-          </a:r>
-          <a:endParaRPr lang="zh-CN" altLang="en-US" sz="2300" kern="1200" dirty="0"/>
-        </a:p>
-      </dsp:txBody>
-      <dsp:txXfrm>
-        <a:off x="337944" y="3170524"/>
-        <a:ext cx="4200912" cy="612672"/>
-      </dsp:txXfrm>
-    </dsp:sp>
   </dsp:spTree>
 </dsp:drawing>
 </file>
@@ -6388,496 +4918,6 @@
       <dsp:cNvGrpSpPr/>
     </dsp:nvGrpSpPr>
     <dsp:grpSpPr/>
-    <dsp:sp modelId="{AFAA25C6-E803-4B04-8B85-2D1BAB774B02}">
-      <dsp:nvSpPr>
-        <dsp:cNvPr id="0" name=""/>
-        <dsp:cNvSpPr/>
-      </dsp:nvSpPr>
-      <dsp:spPr>
-        <a:xfrm>
-          <a:off x="0" y="347020"/>
-          <a:ext cx="6096000" cy="579600"/>
-        </a:xfrm>
-        <a:prstGeom prst="rect">
-          <a:avLst/>
-        </a:prstGeom>
-        <a:solidFill>
-          <a:schemeClr val="lt1">
-            <a:alpha val="90000"/>
-            <a:hueOff val="0"/>
-            <a:satOff val="0"/>
-            <a:lumOff val="0"/>
-            <a:alphaOff val="0"/>
-          </a:schemeClr>
-        </a:solidFill>
-        <a:ln w="15875" cap="flat" cmpd="sng" algn="ctr">
-          <a:solidFill>
-            <a:schemeClr val="accent1">
-              <a:hueOff val="0"/>
-              <a:satOff val="0"/>
-              <a:lumOff val="0"/>
-              <a:alphaOff val="0"/>
-            </a:schemeClr>
-          </a:solidFill>
-          <a:prstDash val="solid"/>
-        </a:ln>
-        <a:effectLst/>
-      </dsp:spPr>
-      <dsp:style>
-        <a:lnRef idx="2">
-          <a:scrgbClr r="0" g="0" b="0"/>
-        </a:lnRef>
-        <a:fillRef idx="1">
-          <a:scrgbClr r="0" g="0" b="0"/>
-        </a:fillRef>
-        <a:effectRef idx="0">
-          <a:scrgbClr r="0" g="0" b="0"/>
-        </a:effectRef>
-        <a:fontRef idx="minor"/>
-      </dsp:style>
-    </dsp:sp>
-    <dsp:sp modelId="{BFF288B0-BCC0-4B88-AFD0-69AA556C5540}">
-      <dsp:nvSpPr>
-        <dsp:cNvPr id="0" name=""/>
-        <dsp:cNvSpPr/>
-      </dsp:nvSpPr>
-      <dsp:spPr>
-        <a:xfrm>
-          <a:off x="304800" y="7539"/>
-          <a:ext cx="4267200" cy="678960"/>
-        </a:xfrm>
-        <a:prstGeom prst="roundRect">
-          <a:avLst/>
-        </a:prstGeom>
-        <a:solidFill>
-          <a:schemeClr val="accent1">
-            <a:hueOff val="0"/>
-            <a:satOff val="0"/>
-            <a:lumOff val="0"/>
-            <a:alphaOff val="0"/>
-          </a:schemeClr>
-        </a:solidFill>
-        <a:ln w="15875" cap="flat" cmpd="sng" algn="ctr">
-          <a:solidFill>
-            <a:schemeClr val="lt1">
-              <a:hueOff val="0"/>
-              <a:satOff val="0"/>
-              <a:lumOff val="0"/>
-              <a:alphaOff val="0"/>
-            </a:schemeClr>
-          </a:solidFill>
-          <a:prstDash val="solid"/>
-        </a:ln>
-        <a:effectLst/>
-      </dsp:spPr>
-      <dsp:style>
-        <a:lnRef idx="2">
-          <a:scrgbClr r="0" g="0" b="0"/>
-        </a:lnRef>
-        <a:fillRef idx="1">
-          <a:scrgbClr r="0" g="0" b="0"/>
-        </a:fillRef>
-        <a:effectRef idx="0">
-          <a:scrgbClr r="0" g="0" b="0"/>
-        </a:effectRef>
-        <a:fontRef idx="minor">
-          <a:schemeClr val="lt1"/>
-        </a:fontRef>
-      </dsp:style>
-      <dsp:txBody>
-        <a:bodyPr spcFirstLastPara="0" vert="horz" wrap="square" lIns="161290" tIns="0" rIns="161290" bIns="0" numCol="1" spcCol="1270" anchor="ctr" anchorCtr="0">
-          <a:noAutofit/>
-        </a:bodyPr>
-        <a:lstStyle/>
-        <a:p>
-          <a:pPr lvl="0" algn="l" defTabSz="1022350">
-            <a:lnSpc>
-              <a:spcPct val="90000"/>
-            </a:lnSpc>
-            <a:spcBef>
-              <a:spcPct val="0"/>
-            </a:spcBef>
-            <a:spcAft>
-              <a:spcPct val="35000"/>
-            </a:spcAft>
-          </a:pPr>
-          <a:r>
-            <a:rPr lang="zh-CN" altLang="en-US" sz="2300" kern="1200" dirty="0" smtClean="0"/>
-            <a:t>移动互联网业务平台</a:t>
-          </a:r>
-          <a:endParaRPr lang="zh-CN" altLang="en-US" sz="2300" kern="1200" dirty="0"/>
-        </a:p>
-      </dsp:txBody>
-      <dsp:txXfrm>
-        <a:off x="337944" y="40683"/>
-        <a:ext cx="4200912" cy="612672"/>
-      </dsp:txXfrm>
-    </dsp:sp>
-    <dsp:sp modelId="{2A77E821-6651-4861-A945-BBCC7C7323AA}">
-      <dsp:nvSpPr>
-        <dsp:cNvPr id="0" name=""/>
-        <dsp:cNvSpPr/>
-      </dsp:nvSpPr>
-      <dsp:spPr>
-        <a:xfrm>
-          <a:off x="0" y="1390300"/>
-          <a:ext cx="6096000" cy="579600"/>
-        </a:xfrm>
-        <a:prstGeom prst="rect">
-          <a:avLst/>
-        </a:prstGeom>
-        <a:solidFill>
-          <a:schemeClr val="lt1">
-            <a:alpha val="90000"/>
-            <a:hueOff val="0"/>
-            <a:satOff val="0"/>
-            <a:lumOff val="0"/>
-            <a:alphaOff val="0"/>
-          </a:schemeClr>
-        </a:solidFill>
-        <a:ln w="15875" cap="flat" cmpd="sng" algn="ctr">
-          <a:solidFill>
-            <a:schemeClr val="accent1">
-              <a:hueOff val="0"/>
-              <a:satOff val="0"/>
-              <a:lumOff val="0"/>
-              <a:alphaOff val="0"/>
-            </a:schemeClr>
-          </a:solidFill>
-          <a:prstDash val="solid"/>
-        </a:ln>
-        <a:effectLst/>
-      </dsp:spPr>
-      <dsp:style>
-        <a:lnRef idx="2">
-          <a:scrgbClr r="0" g="0" b="0"/>
-        </a:lnRef>
-        <a:fillRef idx="1">
-          <a:scrgbClr r="0" g="0" b="0"/>
-        </a:fillRef>
-        <a:effectRef idx="0">
-          <a:scrgbClr r="0" g="0" b="0"/>
-        </a:effectRef>
-        <a:fontRef idx="minor"/>
-      </dsp:style>
-    </dsp:sp>
-    <dsp:sp modelId="{3F5DE055-228D-4F52-90EA-95B4DB1D0A6A}">
-      <dsp:nvSpPr>
-        <dsp:cNvPr id="0" name=""/>
-        <dsp:cNvSpPr/>
-      </dsp:nvSpPr>
-      <dsp:spPr>
-        <a:xfrm>
-          <a:off x="304800" y="1050819"/>
-          <a:ext cx="4267200" cy="678960"/>
-        </a:xfrm>
-        <a:prstGeom prst="roundRect">
-          <a:avLst/>
-        </a:prstGeom>
-        <a:solidFill>
-          <a:schemeClr val="accent1">
-            <a:hueOff val="0"/>
-            <a:satOff val="0"/>
-            <a:lumOff val="0"/>
-            <a:alphaOff val="0"/>
-          </a:schemeClr>
-        </a:solidFill>
-        <a:ln w="15875" cap="flat" cmpd="sng" algn="ctr">
-          <a:solidFill>
-            <a:schemeClr val="lt1">
-              <a:hueOff val="0"/>
-              <a:satOff val="0"/>
-              <a:lumOff val="0"/>
-              <a:alphaOff val="0"/>
-            </a:schemeClr>
-          </a:solidFill>
-          <a:prstDash val="solid"/>
-        </a:ln>
-        <a:effectLst/>
-      </dsp:spPr>
-      <dsp:style>
-        <a:lnRef idx="2">
-          <a:scrgbClr r="0" g="0" b="0"/>
-        </a:lnRef>
-        <a:fillRef idx="1">
-          <a:scrgbClr r="0" g="0" b="0"/>
-        </a:fillRef>
-        <a:effectRef idx="0">
-          <a:scrgbClr r="0" g="0" b="0"/>
-        </a:effectRef>
-        <a:fontRef idx="minor">
-          <a:schemeClr val="lt1"/>
-        </a:fontRef>
-      </dsp:style>
-      <dsp:txBody>
-        <a:bodyPr spcFirstLastPara="0" vert="horz" wrap="square" lIns="161290" tIns="0" rIns="161290" bIns="0" numCol="1" spcCol="1270" anchor="ctr" anchorCtr="0">
-          <a:noAutofit/>
-        </a:bodyPr>
-        <a:lstStyle/>
-        <a:p>
-          <a:pPr lvl="0" algn="l" defTabSz="1022350">
-            <a:lnSpc>
-              <a:spcPct val="90000"/>
-            </a:lnSpc>
-            <a:spcBef>
-              <a:spcPct val="0"/>
-            </a:spcBef>
-            <a:spcAft>
-              <a:spcPct val="35000"/>
-            </a:spcAft>
-          </a:pPr>
-          <a:r>
-            <a:rPr lang="zh-CN" altLang="en-US" sz="2300" kern="1200" dirty="0" smtClean="0"/>
-            <a:t>业务管理与运营支撑技术</a:t>
-          </a:r>
-          <a:endParaRPr lang="zh-CN" altLang="en-US" sz="2300" kern="1200" dirty="0"/>
-        </a:p>
-      </dsp:txBody>
-      <dsp:txXfrm>
-        <a:off x="337944" y="1083963"/>
-        <a:ext cx="4200912" cy="612672"/>
-      </dsp:txXfrm>
-    </dsp:sp>
-    <dsp:sp modelId="{45A51E02-0DEA-496E-BA75-13D47F9C507D}">
-      <dsp:nvSpPr>
-        <dsp:cNvPr id="0" name=""/>
-        <dsp:cNvSpPr/>
-      </dsp:nvSpPr>
-      <dsp:spPr>
-        <a:xfrm>
-          <a:off x="0" y="2433580"/>
-          <a:ext cx="6096000" cy="579600"/>
-        </a:xfrm>
-        <a:prstGeom prst="rect">
-          <a:avLst/>
-        </a:prstGeom>
-        <a:solidFill>
-          <a:schemeClr val="lt1">
-            <a:alpha val="90000"/>
-            <a:hueOff val="0"/>
-            <a:satOff val="0"/>
-            <a:lumOff val="0"/>
-            <a:alphaOff val="0"/>
-          </a:schemeClr>
-        </a:solidFill>
-        <a:ln w="15875" cap="flat" cmpd="sng" algn="ctr">
-          <a:solidFill>
-            <a:schemeClr val="accent1">
-              <a:hueOff val="0"/>
-              <a:satOff val="0"/>
-              <a:lumOff val="0"/>
-              <a:alphaOff val="0"/>
-            </a:schemeClr>
-          </a:solidFill>
-          <a:prstDash val="solid"/>
-        </a:ln>
-        <a:effectLst/>
-      </dsp:spPr>
-      <dsp:style>
-        <a:lnRef idx="2">
-          <a:scrgbClr r="0" g="0" b="0"/>
-        </a:lnRef>
-        <a:fillRef idx="1">
-          <a:scrgbClr r="0" g="0" b="0"/>
-        </a:fillRef>
-        <a:effectRef idx="0">
-          <a:scrgbClr r="0" g="0" b="0"/>
-        </a:effectRef>
-        <a:fontRef idx="minor"/>
-      </dsp:style>
-    </dsp:sp>
-    <dsp:sp modelId="{A420D92C-FF18-4133-A510-1A915A1B23EE}">
-      <dsp:nvSpPr>
-        <dsp:cNvPr id="0" name=""/>
-        <dsp:cNvSpPr/>
-      </dsp:nvSpPr>
-      <dsp:spPr>
-        <a:xfrm>
-          <a:off x="304800" y="2094100"/>
-          <a:ext cx="4267200" cy="678960"/>
-        </a:xfrm>
-        <a:prstGeom prst="roundRect">
-          <a:avLst/>
-        </a:prstGeom>
-        <a:solidFill>
-          <a:schemeClr val="accent1">
-            <a:hueOff val="0"/>
-            <a:satOff val="0"/>
-            <a:lumOff val="0"/>
-            <a:alphaOff val="0"/>
-          </a:schemeClr>
-        </a:solidFill>
-        <a:ln w="15875" cap="flat" cmpd="sng" algn="ctr">
-          <a:solidFill>
-            <a:schemeClr val="lt1">
-              <a:hueOff val="0"/>
-              <a:satOff val="0"/>
-              <a:lumOff val="0"/>
-              <a:alphaOff val="0"/>
-            </a:schemeClr>
-          </a:solidFill>
-          <a:prstDash val="solid"/>
-        </a:ln>
-        <a:effectLst/>
-      </dsp:spPr>
-      <dsp:style>
-        <a:lnRef idx="2">
-          <a:scrgbClr r="0" g="0" b="0"/>
-        </a:lnRef>
-        <a:fillRef idx="1">
-          <a:scrgbClr r="0" g="0" b="0"/>
-        </a:fillRef>
-        <a:effectRef idx="0">
-          <a:scrgbClr r="0" g="0" b="0"/>
-        </a:effectRef>
-        <a:fontRef idx="minor">
-          <a:schemeClr val="lt1"/>
-        </a:fontRef>
-      </dsp:style>
-      <dsp:txBody>
-        <a:bodyPr spcFirstLastPara="0" vert="horz" wrap="square" lIns="161290" tIns="0" rIns="161290" bIns="0" numCol="1" spcCol="1270" anchor="ctr" anchorCtr="0">
-          <a:noAutofit/>
-        </a:bodyPr>
-        <a:lstStyle/>
-        <a:p>
-          <a:pPr lvl="0" algn="l" defTabSz="1022350">
-            <a:lnSpc>
-              <a:spcPct val="90000"/>
-            </a:lnSpc>
-            <a:spcBef>
-              <a:spcPct val="0"/>
-            </a:spcBef>
-            <a:spcAft>
-              <a:spcPct val="35000"/>
-            </a:spcAft>
-          </a:pPr>
-          <a:r>
-            <a:rPr lang="zh-CN" altLang="en-US" sz="2300" kern="1200" dirty="0" smtClean="0"/>
-            <a:t>运营支撑系统</a:t>
-          </a:r>
-          <a:endParaRPr lang="zh-CN" altLang="en-US" sz="2300" kern="1200" dirty="0"/>
-        </a:p>
-      </dsp:txBody>
-      <dsp:txXfrm>
-        <a:off x="337944" y="2127244"/>
-        <a:ext cx="4200912" cy="612672"/>
-      </dsp:txXfrm>
-    </dsp:sp>
-    <dsp:sp modelId="{380419D8-8BFC-4BD7-9BD1-AE17AE6161DC}">
-      <dsp:nvSpPr>
-        <dsp:cNvPr id="0" name=""/>
-        <dsp:cNvSpPr/>
-      </dsp:nvSpPr>
-      <dsp:spPr>
-        <a:xfrm>
-          <a:off x="0" y="3476860"/>
-          <a:ext cx="6096000" cy="579600"/>
-        </a:xfrm>
-        <a:prstGeom prst="rect">
-          <a:avLst/>
-        </a:prstGeom>
-        <a:solidFill>
-          <a:schemeClr val="lt1">
-            <a:alpha val="90000"/>
-            <a:hueOff val="0"/>
-            <a:satOff val="0"/>
-            <a:lumOff val="0"/>
-            <a:alphaOff val="0"/>
-          </a:schemeClr>
-        </a:solidFill>
-        <a:ln w="15875" cap="flat" cmpd="sng" algn="ctr">
-          <a:solidFill>
-            <a:schemeClr val="accent1">
-              <a:hueOff val="0"/>
-              <a:satOff val="0"/>
-              <a:lumOff val="0"/>
-              <a:alphaOff val="0"/>
-            </a:schemeClr>
-          </a:solidFill>
-          <a:prstDash val="solid"/>
-        </a:ln>
-        <a:effectLst/>
-      </dsp:spPr>
-      <dsp:style>
-        <a:lnRef idx="2">
-          <a:scrgbClr r="0" g="0" b="0"/>
-        </a:lnRef>
-        <a:fillRef idx="1">
-          <a:scrgbClr r="0" g="0" b="0"/>
-        </a:fillRef>
-        <a:effectRef idx="0">
-          <a:scrgbClr r="0" g="0" b="0"/>
-        </a:effectRef>
-        <a:fontRef idx="minor"/>
-      </dsp:style>
-    </dsp:sp>
-    <dsp:sp modelId="{66AFA83F-7AA3-4078-BF29-CFCD77DCC512}">
-      <dsp:nvSpPr>
-        <dsp:cNvPr id="0" name=""/>
-        <dsp:cNvSpPr/>
-      </dsp:nvSpPr>
-      <dsp:spPr>
-        <a:xfrm>
-          <a:off x="304800" y="3137380"/>
-          <a:ext cx="4267200" cy="678960"/>
-        </a:xfrm>
-        <a:prstGeom prst="roundRect">
-          <a:avLst/>
-        </a:prstGeom>
-        <a:solidFill>
-          <a:schemeClr val="accent5"/>
-        </a:solidFill>
-        <a:ln w="25400" cap="flat" cmpd="sng" algn="ctr">
-          <a:solidFill>
-            <a:schemeClr val="lt1"/>
-          </a:solidFill>
-          <a:prstDash val="solid"/>
-        </a:ln>
-        <a:effectLst/>
-      </dsp:spPr>
-      <dsp:style>
-        <a:lnRef idx="3">
-          <a:schemeClr val="lt1"/>
-        </a:lnRef>
-        <a:fillRef idx="1">
-          <a:schemeClr val="accent5"/>
-        </a:fillRef>
-        <a:effectRef idx="1">
-          <a:schemeClr val="accent5"/>
-        </a:effectRef>
-        <a:fontRef idx="minor">
-          <a:schemeClr val="lt1"/>
-        </a:fontRef>
-      </dsp:style>
-      <dsp:txBody>
-        <a:bodyPr spcFirstLastPara="0" vert="horz" wrap="square" lIns="161290" tIns="0" rIns="161290" bIns="0" numCol="1" spcCol="1270" anchor="ctr" anchorCtr="0">
-          <a:noAutofit/>
-        </a:bodyPr>
-        <a:lstStyle/>
-        <a:p>
-          <a:pPr lvl="0" algn="l" defTabSz="1022350">
-            <a:lnSpc>
-              <a:spcPct val="90000"/>
-            </a:lnSpc>
-            <a:spcBef>
-              <a:spcPct val="0"/>
-            </a:spcBef>
-            <a:spcAft>
-              <a:spcPct val="35000"/>
-            </a:spcAft>
-          </a:pPr>
-          <a:r>
-            <a:rPr lang="zh-CN" altLang="en-US" sz="2300" kern="1200" dirty="0" smtClean="0"/>
-            <a:t>网络管理系统</a:t>
-          </a:r>
-          <a:endParaRPr lang="zh-CN" altLang="en-US" sz="2300" kern="1200" dirty="0"/>
-        </a:p>
-      </dsp:txBody>
-      <dsp:txXfrm>
-        <a:off x="337944" y="3170524"/>
-        <a:ext cx="4200912" cy="612672"/>
-      </dsp:txXfrm>
-    </dsp:sp>
   </dsp:spTree>
 </dsp:drawing>
 </file>
@@ -17585,7 +15625,7 @@
       </p:sp>
       <p:pic>
         <p:nvPicPr>
-          <p:cNvPr id="5" name="内容占位符 4"/>
+          <p:cNvPr id="6" name="内容占位符 5"/>
           <p:cNvPicPr>
             <a:picLocks noGrp="1" noChangeAspect="1"/>
           </p:cNvPicPr>
@@ -17594,22 +15634,19 @@
           </p:nvPr>
         </p:nvPicPr>
         <p:blipFill>
-          <a:blip r:embed="rId3">
-            <a:extLst>
-              <a:ext uri="{28A0092B-C50C-407E-A947-70E740481C1C}">
-                <a14:useLocalDpi xmlns:a14="http://schemas.microsoft.com/office/drawing/2010/main" val="0"/>
-              </a:ext>
-            </a:extLst>
-          </a:blip>
+          <a:blip r:embed="rId3"/>
           <a:stretch>
             <a:fillRect/>
           </a:stretch>
         </p:blipFill>
         <p:spPr>
           <a:xfrm>
-            <a:off x="1656901" y="1842741"/>
-            <a:ext cx="5603110" cy="4279762"/>
+            <a:off x="2053595" y="1736725"/>
+            <a:ext cx="5081260" cy="4429578"/>
           </a:xfrm>
+          <a:prstGeom prst="rect">
+            <a:avLst/>
+          </a:prstGeom>
         </p:spPr>
       </p:pic>
     </p:spTree>
@@ -17661,13 +15698,12 @@
               <a:rPr lang="zh-CN" altLang="en-US" dirty="0"/>
               <a:t>标记请求方注册</a:t>
             </a:r>
-            <a:endParaRPr lang="zh-CN" altLang="en-US" dirty="0"/>
           </a:p>
         </p:txBody>
       </p:sp>
       <p:pic>
         <p:nvPicPr>
-          <p:cNvPr id="5" name="内容占位符 4"/>
+          <p:cNvPr id="6" name="内容占位符 5"/>
           <p:cNvPicPr>
             <a:picLocks noGrp="1" noChangeAspect="1"/>
           </p:cNvPicPr>
@@ -17676,22 +15712,19 @@
           </p:nvPr>
         </p:nvPicPr>
         <p:blipFill>
-          <a:blip r:embed="rId2">
-            <a:extLst>
-              <a:ext uri="{28A0092B-C50C-407E-A947-70E740481C1C}">
-                <a14:useLocalDpi xmlns:a14="http://schemas.microsoft.com/office/drawing/2010/main" val="0"/>
-              </a:ext>
-            </a:extLst>
-          </a:blip>
+          <a:blip r:embed="rId2"/>
           <a:stretch>
             <a:fillRect/>
           </a:stretch>
         </p:blipFill>
         <p:spPr>
           <a:xfrm>
-            <a:off x="3117850" y="2262188"/>
-            <a:ext cx="2952750" cy="3190875"/>
+            <a:off x="2984259" y="1945242"/>
+            <a:ext cx="3219932" cy="4220536"/>
           </a:xfrm>
+          <a:prstGeom prst="rect">
+            <a:avLst/>
+          </a:prstGeom>
         </p:spPr>
       </p:pic>
     </p:spTree>
@@ -17749,7 +15782,7 @@
       </p:sp>
       <p:pic>
         <p:nvPicPr>
-          <p:cNvPr id="4" name="内容占位符 3"/>
+          <p:cNvPr id="5" name="内容占位符 4"/>
           <p:cNvPicPr>
             <a:picLocks noGrp="1" noChangeAspect="1"/>
           </p:cNvPicPr>
@@ -17758,22 +15791,19 @@
           </p:nvPr>
         </p:nvPicPr>
         <p:blipFill>
-          <a:blip r:embed="rId2">
-            <a:extLst>
-              <a:ext uri="{28A0092B-C50C-407E-A947-70E740481C1C}">
-                <a14:useLocalDpi xmlns:a14="http://schemas.microsoft.com/office/drawing/2010/main" val="0"/>
-              </a:ext>
-            </a:extLst>
-          </a:blip>
+          <a:blip r:embed="rId2"/>
           <a:stretch>
             <a:fillRect/>
           </a:stretch>
         </p:blipFill>
         <p:spPr>
           <a:xfrm>
-            <a:off x="1356850" y="3288196"/>
-            <a:ext cx="6474749" cy="1681370"/>
+            <a:off x="822325" y="3181888"/>
+            <a:ext cx="7543800" cy="1351475"/>
           </a:xfrm>
+          <a:prstGeom prst="rect">
+            <a:avLst/>
+          </a:prstGeom>
         </p:spPr>
       </p:pic>
     </p:spTree>
@@ -17831,7 +15861,7 @@
       </p:sp>
       <p:pic>
         <p:nvPicPr>
-          <p:cNvPr id="4" name="内容占位符 3"/>
+          <p:cNvPr id="5" name="内容占位符 4"/>
           <p:cNvPicPr>
             <a:picLocks noGrp="1" noChangeAspect="1"/>
           </p:cNvPicPr>
@@ -17840,22 +15870,19 @@
           </p:nvPr>
         </p:nvPicPr>
         <p:blipFill>
-          <a:blip r:embed="rId2">
-            <a:extLst>
-              <a:ext uri="{28A0092B-C50C-407E-A947-70E740481C1C}">
-                <a14:useLocalDpi xmlns:a14="http://schemas.microsoft.com/office/drawing/2010/main" val="0"/>
-              </a:ext>
-            </a:extLst>
-          </a:blip>
+          <a:blip r:embed="rId2"/>
           <a:stretch>
             <a:fillRect/>
           </a:stretch>
         </p:blipFill>
         <p:spPr>
           <a:xfrm>
-            <a:off x="2222500" y="2762250"/>
-            <a:ext cx="4743450" cy="2190750"/>
+            <a:off x="822325" y="2165516"/>
+            <a:ext cx="7543800" cy="3384218"/>
           </a:xfrm>
+          <a:prstGeom prst="rect">
+            <a:avLst/>
+          </a:prstGeom>
         </p:spPr>
       </p:pic>
     </p:spTree>
@@ -20173,11 +18200,7 @@
             </a:pPr>
             <a:r>
               <a:rPr lang="zh-CN" altLang="en-US" sz="2800" dirty="0" smtClean="0"/>
-              <a:t>基于设备的网络管理</a:t>
-            </a:r>
-            <a:r>
-              <a:rPr lang="zh-CN" altLang="en-US" sz="2800" dirty="0" smtClean="0"/>
-              <a:t>模型</a:t>
+              <a:t>基于设备的网络管理模型</a:t>
             </a:r>
             <a:endParaRPr lang="en-US" altLang="zh-CN" sz="2800" dirty="0" smtClean="0"/>
           </a:p>
@@ -21093,19 +19116,7 @@
             </a:pPr>
             <a:r>
               <a:rPr lang="zh-CN" altLang="en-US" sz="2800" dirty="0" smtClean="0"/>
-              <a:t>由</a:t>
-            </a:r>
-            <a:r>
-              <a:rPr lang="zh-CN" altLang="en-US" sz="2800" dirty="0" smtClean="0"/>
-              <a:t>系统提供商所倡导</a:t>
-            </a:r>
-            <a:r>
-              <a:rPr lang="zh-CN" altLang="en-US" sz="2800" dirty="0" smtClean="0"/>
-              <a:t>的演进式的运营</a:t>
-            </a:r>
-            <a:r>
-              <a:rPr lang="zh-CN" altLang="en-US" sz="2800" dirty="0" smtClean="0"/>
-              <a:t>模式</a:t>
+              <a:t>由系统提供商所倡导的演进式的运营模式</a:t>
             </a:r>
             <a:endParaRPr lang="zh-CN" altLang="en-US" sz="2800" dirty="0"/>
           </a:p>
